--- a/Documents/웹 디자인 양식.pptx
+++ b/Documents/웹 디자인 양식.pptx
@@ -5,13 +5,14 @@
     <p:sldMasterId id="2147483648" r:id="rId1"/>
   </p:sldMasterIdLst>
   <p:notesMasterIdLst>
-    <p:notesMasterId r:id="rId6"/>
+    <p:notesMasterId r:id="rId7"/>
   </p:notesMasterIdLst>
   <p:sldIdLst>
     <p:sldId id="256" r:id="rId2"/>
     <p:sldId id="259" r:id="rId3"/>
     <p:sldId id="257" r:id="rId4"/>
-    <p:sldId id="258" r:id="rId5"/>
+    <p:sldId id="260" r:id="rId5"/>
+    <p:sldId id="261" r:id="rId6"/>
   </p:sldIdLst>
   <p:sldSz cx="12192000" cy="6858000"/>
   <p:notesSz cx="6858000" cy="9144000"/>
@@ -110,7 +111,4239 @@
       </a:defRPr>
     </a:lvl9pPr>
   </p:defaultTextStyle>
+  <p:extLst>
+    <p:ext uri="{EFAFB233-063F-42B5-8137-9DF3F51BA10A}">
+      <p15:sldGuideLst xmlns:p15="http://schemas.microsoft.com/office/powerpoint/2012/main"/>
+    </p:ext>
+  </p:extLst>
 </p:presentation>
+</file>
+
+<file path=ppt/charts/chart1.xml><?xml version="1.0" encoding="utf-8"?>
+<c:chartSpace xmlns:c="http://schemas.openxmlformats.org/drawingml/2006/chart" xmlns:a="http://schemas.openxmlformats.org/drawingml/2006/main" xmlns:r="http://schemas.openxmlformats.org/officeDocument/2006/relationships" xmlns:c16r2="http://schemas.microsoft.com/office/drawing/2015/06/chart">
+  <c:date1904 val="0"/>
+  <c:lang val="ko-KR"/>
+  <c:roundedCorners val="0"/>
+  <mc:AlternateContent xmlns:mc="http://schemas.openxmlformats.org/markup-compatibility/2006">
+    <mc:Choice xmlns:c14="http://schemas.microsoft.com/office/drawing/2007/8/2/chart" Requires="c14">
+      <c14:style val="102"/>
+    </mc:Choice>
+    <mc:Fallback>
+      <c:style val="2"/>
+    </mc:Fallback>
+  </mc:AlternateContent>
+  <c:chart>
+    <c:title>
+      <c:tx>
+        <c:rich>
+          <a:bodyPr rot="0" spcFirstLastPara="1" vertOverflow="ellipsis" vert="horz" wrap="square" anchor="ctr" anchorCtr="1"/>
+          <a:lstStyle/>
+          <a:p>
+            <a:pPr>
+              <a:defRPr sz="1862" b="0" i="0" u="none" strike="noStrike" kern="1200" spc="0" baseline="0">
+                <a:solidFill>
+                  <a:schemeClr val="tx1">
+                    <a:lumMod val="65000"/>
+                    <a:lumOff val="35000"/>
+                  </a:schemeClr>
+                </a:solidFill>
+                <a:latin typeface="+mn-lt"/>
+                <a:ea typeface="+mn-ea"/>
+                <a:cs typeface="+mn-cs"/>
+              </a:defRPr>
+            </a:pPr>
+            <a:r>
+              <a:rPr lang="ko-KR" altLang="en-US" dirty="0" err="1"/>
+              <a:t>악성댓글</a:t>
+            </a:r>
+            <a:r>
+              <a:rPr lang="en-US" altLang="ko-KR" dirty="0"/>
+              <a:t>/</a:t>
+            </a:r>
+            <a:r>
+              <a:rPr lang="ko-KR" altLang="en-US" dirty="0" err="1"/>
+              <a:t>전체댓글</a:t>
+            </a:r>
+            <a:endParaRPr lang="ko-KR" altLang="en-US" dirty="0"/>
+          </a:p>
+        </c:rich>
+      </c:tx>
+      <c:overlay val="0"/>
+      <c:spPr>
+        <a:noFill/>
+        <a:ln>
+          <a:noFill/>
+        </a:ln>
+        <a:effectLst/>
+      </c:spPr>
+      <c:txPr>
+        <a:bodyPr rot="0" spcFirstLastPara="1" vertOverflow="ellipsis" vert="horz" wrap="square" anchor="ctr" anchorCtr="1"/>
+        <a:lstStyle/>
+        <a:p>
+          <a:pPr>
+            <a:defRPr sz="1862" b="0" i="0" u="none" strike="noStrike" kern="1200" spc="0" baseline="0">
+              <a:solidFill>
+                <a:schemeClr val="tx1">
+                  <a:lumMod val="65000"/>
+                  <a:lumOff val="35000"/>
+                </a:schemeClr>
+              </a:solidFill>
+              <a:latin typeface="+mn-lt"/>
+              <a:ea typeface="+mn-ea"/>
+              <a:cs typeface="+mn-cs"/>
+            </a:defRPr>
+          </a:pPr>
+          <a:endParaRPr lang="ko-KR"/>
+        </a:p>
+      </c:txPr>
+    </c:title>
+    <c:autoTitleDeleted val="0"/>
+    <c:plotArea>
+      <c:layout/>
+      <c:lineChart>
+        <c:grouping val="standard"/>
+        <c:varyColors val="0"/>
+        <c:ser>
+          <c:idx val="0"/>
+          <c:order val="0"/>
+          <c:tx>
+            <c:strRef>
+              <c:f>Sheet1!$B$1</c:f>
+              <c:strCache>
+                <c:ptCount val="1"/>
+                <c:pt idx="0">
+                  <c:v>계열 1</c:v>
+                </c:pt>
+              </c:strCache>
+            </c:strRef>
+          </c:tx>
+          <c:spPr>
+            <a:ln w="28575" cap="rnd">
+              <a:solidFill>
+                <a:schemeClr val="accent1"/>
+              </a:solidFill>
+              <a:round/>
+            </a:ln>
+            <a:effectLst/>
+          </c:spPr>
+          <c:marker>
+            <c:symbol val="none"/>
+          </c:marker>
+          <c:cat>
+            <c:strRef>
+              <c:f>Sheet1!$A$2:$A$5</c:f>
+              <c:strCache>
+                <c:ptCount val="4"/>
+                <c:pt idx="0">
+                  <c:v>항목 1</c:v>
+                </c:pt>
+                <c:pt idx="1">
+                  <c:v>항목 2</c:v>
+                </c:pt>
+                <c:pt idx="2">
+                  <c:v>항목 3</c:v>
+                </c:pt>
+                <c:pt idx="3">
+                  <c:v>항목 4</c:v>
+                </c:pt>
+              </c:strCache>
+            </c:strRef>
+          </c:cat>
+          <c:val>
+            <c:numRef>
+              <c:f>Sheet1!$B$2:$B$5</c:f>
+              <c:numCache>
+                <c:formatCode>General</c:formatCode>
+                <c:ptCount val="4"/>
+                <c:pt idx="0">
+                  <c:v>4.3</c:v>
+                </c:pt>
+                <c:pt idx="1">
+                  <c:v>2.5</c:v>
+                </c:pt>
+                <c:pt idx="2">
+                  <c:v>3.5</c:v>
+                </c:pt>
+                <c:pt idx="3">
+                  <c:v>4.5</c:v>
+                </c:pt>
+              </c:numCache>
+            </c:numRef>
+          </c:val>
+          <c:smooth val="0"/>
+          <c:extLst>
+            <c:ext xmlns:c16="http://schemas.microsoft.com/office/drawing/2014/chart" uri="{C3380CC4-5D6E-409C-BE32-E72D297353CC}">
+              <c16:uniqueId val="{00000000-3FB7-4175-8D78-DC2FD49E4BF0}"/>
+            </c:ext>
+          </c:extLst>
+        </c:ser>
+        <c:ser>
+          <c:idx val="1"/>
+          <c:order val="1"/>
+          <c:tx>
+            <c:strRef>
+              <c:f>Sheet1!$C$1</c:f>
+              <c:strCache>
+                <c:ptCount val="1"/>
+                <c:pt idx="0">
+                  <c:v>계열 2</c:v>
+                </c:pt>
+              </c:strCache>
+            </c:strRef>
+          </c:tx>
+          <c:spPr>
+            <a:ln w="28575" cap="rnd">
+              <a:solidFill>
+                <a:schemeClr val="accent2"/>
+              </a:solidFill>
+              <a:round/>
+            </a:ln>
+            <a:effectLst/>
+          </c:spPr>
+          <c:marker>
+            <c:symbol val="none"/>
+          </c:marker>
+          <c:cat>
+            <c:strRef>
+              <c:f>Sheet1!$A$2:$A$5</c:f>
+              <c:strCache>
+                <c:ptCount val="4"/>
+                <c:pt idx="0">
+                  <c:v>항목 1</c:v>
+                </c:pt>
+                <c:pt idx="1">
+                  <c:v>항목 2</c:v>
+                </c:pt>
+                <c:pt idx="2">
+                  <c:v>항목 3</c:v>
+                </c:pt>
+                <c:pt idx="3">
+                  <c:v>항목 4</c:v>
+                </c:pt>
+              </c:strCache>
+            </c:strRef>
+          </c:cat>
+          <c:val>
+            <c:numRef>
+              <c:f>Sheet1!$C$2:$C$5</c:f>
+              <c:numCache>
+                <c:formatCode>General</c:formatCode>
+                <c:ptCount val="4"/>
+                <c:pt idx="0">
+                  <c:v>2.4</c:v>
+                </c:pt>
+                <c:pt idx="1">
+                  <c:v>4.4000000000000004</c:v>
+                </c:pt>
+                <c:pt idx="2">
+                  <c:v>1.8</c:v>
+                </c:pt>
+                <c:pt idx="3">
+                  <c:v>2.8</c:v>
+                </c:pt>
+              </c:numCache>
+            </c:numRef>
+          </c:val>
+          <c:smooth val="0"/>
+          <c:extLst>
+            <c:ext xmlns:c16="http://schemas.microsoft.com/office/drawing/2014/chart" uri="{C3380CC4-5D6E-409C-BE32-E72D297353CC}">
+              <c16:uniqueId val="{00000001-3FB7-4175-8D78-DC2FD49E4BF0}"/>
+            </c:ext>
+          </c:extLst>
+        </c:ser>
+        <c:ser>
+          <c:idx val="2"/>
+          <c:order val="2"/>
+          <c:tx>
+            <c:strRef>
+              <c:f>Sheet1!$D$1</c:f>
+              <c:strCache>
+                <c:ptCount val="1"/>
+                <c:pt idx="0">
+                  <c:v>계열 3</c:v>
+                </c:pt>
+              </c:strCache>
+            </c:strRef>
+          </c:tx>
+          <c:spPr>
+            <a:ln w="28575" cap="rnd">
+              <a:solidFill>
+                <a:schemeClr val="accent3"/>
+              </a:solidFill>
+              <a:round/>
+            </a:ln>
+            <a:effectLst/>
+          </c:spPr>
+          <c:marker>
+            <c:symbol val="none"/>
+          </c:marker>
+          <c:cat>
+            <c:strRef>
+              <c:f>Sheet1!$A$2:$A$5</c:f>
+              <c:strCache>
+                <c:ptCount val="4"/>
+                <c:pt idx="0">
+                  <c:v>항목 1</c:v>
+                </c:pt>
+                <c:pt idx="1">
+                  <c:v>항목 2</c:v>
+                </c:pt>
+                <c:pt idx="2">
+                  <c:v>항목 3</c:v>
+                </c:pt>
+                <c:pt idx="3">
+                  <c:v>항목 4</c:v>
+                </c:pt>
+              </c:strCache>
+            </c:strRef>
+          </c:cat>
+          <c:val>
+            <c:numRef>
+              <c:f>Sheet1!$D$2:$D$5</c:f>
+              <c:numCache>
+                <c:formatCode>General</c:formatCode>
+                <c:ptCount val="4"/>
+                <c:pt idx="0">
+                  <c:v>2</c:v>
+                </c:pt>
+                <c:pt idx="1">
+                  <c:v>2</c:v>
+                </c:pt>
+                <c:pt idx="2">
+                  <c:v>3</c:v>
+                </c:pt>
+                <c:pt idx="3">
+                  <c:v>5</c:v>
+                </c:pt>
+              </c:numCache>
+            </c:numRef>
+          </c:val>
+          <c:smooth val="0"/>
+          <c:extLst>
+            <c:ext xmlns:c16="http://schemas.microsoft.com/office/drawing/2014/chart" uri="{C3380CC4-5D6E-409C-BE32-E72D297353CC}">
+              <c16:uniqueId val="{00000002-3FB7-4175-8D78-DC2FD49E4BF0}"/>
+            </c:ext>
+          </c:extLst>
+        </c:ser>
+        <c:dLbls>
+          <c:showLegendKey val="0"/>
+          <c:showVal val="0"/>
+          <c:showCatName val="0"/>
+          <c:showSerName val="0"/>
+          <c:showPercent val="0"/>
+          <c:showBubbleSize val="0"/>
+        </c:dLbls>
+        <c:smooth val="0"/>
+        <c:axId val="1242052544"/>
+        <c:axId val="1242047552"/>
+      </c:lineChart>
+      <c:catAx>
+        <c:axId val="1242052544"/>
+        <c:scaling>
+          <c:orientation val="minMax"/>
+        </c:scaling>
+        <c:delete val="0"/>
+        <c:axPos val="b"/>
+        <c:numFmt formatCode="General" sourceLinked="1"/>
+        <c:majorTickMark val="none"/>
+        <c:minorTickMark val="none"/>
+        <c:tickLblPos val="nextTo"/>
+        <c:spPr>
+          <a:noFill/>
+          <a:ln w="9525" cap="flat" cmpd="sng" algn="ctr">
+            <a:solidFill>
+              <a:schemeClr val="tx1">
+                <a:lumMod val="15000"/>
+                <a:lumOff val="85000"/>
+              </a:schemeClr>
+            </a:solidFill>
+            <a:round/>
+          </a:ln>
+          <a:effectLst/>
+        </c:spPr>
+        <c:txPr>
+          <a:bodyPr rot="-60000000" spcFirstLastPara="1" vertOverflow="ellipsis" vert="horz" wrap="square" anchor="ctr" anchorCtr="1"/>
+          <a:lstStyle/>
+          <a:p>
+            <a:pPr>
+              <a:defRPr sz="1197" b="0" i="0" u="none" strike="noStrike" kern="1200" baseline="0">
+                <a:solidFill>
+                  <a:schemeClr val="tx1">
+                    <a:lumMod val="65000"/>
+                    <a:lumOff val="35000"/>
+                  </a:schemeClr>
+                </a:solidFill>
+                <a:latin typeface="+mn-lt"/>
+                <a:ea typeface="+mn-ea"/>
+                <a:cs typeface="+mn-cs"/>
+              </a:defRPr>
+            </a:pPr>
+            <a:endParaRPr lang="ko-KR"/>
+          </a:p>
+        </c:txPr>
+        <c:crossAx val="1242047552"/>
+        <c:crosses val="autoZero"/>
+        <c:auto val="1"/>
+        <c:lblAlgn val="ctr"/>
+        <c:lblOffset val="100"/>
+        <c:noMultiLvlLbl val="0"/>
+      </c:catAx>
+      <c:valAx>
+        <c:axId val="1242047552"/>
+        <c:scaling>
+          <c:orientation val="minMax"/>
+        </c:scaling>
+        <c:delete val="0"/>
+        <c:axPos val="l"/>
+        <c:majorGridlines>
+          <c:spPr>
+            <a:ln w="9525" cap="flat" cmpd="sng" algn="ctr">
+              <a:solidFill>
+                <a:schemeClr val="tx1">
+                  <a:lumMod val="15000"/>
+                  <a:lumOff val="85000"/>
+                </a:schemeClr>
+              </a:solidFill>
+              <a:round/>
+            </a:ln>
+            <a:effectLst/>
+          </c:spPr>
+        </c:majorGridlines>
+        <c:numFmt formatCode="General" sourceLinked="1"/>
+        <c:majorTickMark val="none"/>
+        <c:minorTickMark val="none"/>
+        <c:tickLblPos val="nextTo"/>
+        <c:spPr>
+          <a:noFill/>
+          <a:ln>
+            <a:noFill/>
+          </a:ln>
+          <a:effectLst/>
+        </c:spPr>
+        <c:txPr>
+          <a:bodyPr rot="-60000000" spcFirstLastPara="1" vertOverflow="ellipsis" vert="horz" wrap="square" anchor="ctr" anchorCtr="1"/>
+          <a:lstStyle/>
+          <a:p>
+            <a:pPr>
+              <a:defRPr sz="1197" b="0" i="0" u="none" strike="noStrike" kern="1200" baseline="0">
+                <a:solidFill>
+                  <a:schemeClr val="tx1">
+                    <a:lumMod val="65000"/>
+                    <a:lumOff val="35000"/>
+                  </a:schemeClr>
+                </a:solidFill>
+                <a:latin typeface="+mn-lt"/>
+                <a:ea typeface="+mn-ea"/>
+                <a:cs typeface="+mn-cs"/>
+              </a:defRPr>
+            </a:pPr>
+            <a:endParaRPr lang="ko-KR"/>
+          </a:p>
+        </c:txPr>
+        <c:crossAx val="1242052544"/>
+        <c:crosses val="autoZero"/>
+        <c:crossBetween val="between"/>
+      </c:valAx>
+      <c:spPr>
+        <a:noFill/>
+        <a:ln>
+          <a:noFill/>
+        </a:ln>
+        <a:effectLst/>
+      </c:spPr>
+    </c:plotArea>
+    <c:legend>
+      <c:legendPos val="b"/>
+      <c:overlay val="0"/>
+      <c:spPr>
+        <a:noFill/>
+        <a:ln>
+          <a:noFill/>
+        </a:ln>
+        <a:effectLst/>
+      </c:spPr>
+      <c:txPr>
+        <a:bodyPr rot="0" spcFirstLastPara="1" vertOverflow="ellipsis" vert="horz" wrap="square" anchor="ctr" anchorCtr="1"/>
+        <a:lstStyle/>
+        <a:p>
+          <a:pPr>
+            <a:defRPr sz="1197" b="0" i="0" u="none" strike="noStrike" kern="1200" baseline="0">
+              <a:solidFill>
+                <a:schemeClr val="tx1">
+                  <a:lumMod val="65000"/>
+                  <a:lumOff val="35000"/>
+                </a:schemeClr>
+              </a:solidFill>
+              <a:latin typeface="+mn-lt"/>
+              <a:ea typeface="+mn-ea"/>
+              <a:cs typeface="+mn-cs"/>
+            </a:defRPr>
+          </a:pPr>
+          <a:endParaRPr lang="ko-KR"/>
+        </a:p>
+      </c:txPr>
+    </c:legend>
+    <c:plotVisOnly val="1"/>
+    <c:dispBlanksAs val="gap"/>
+    <c:extLst>
+      <c:ext xmlns:c16r3="http://schemas.microsoft.com/office/drawing/2017/03/chart" uri="{56B9EC1D-385E-4148-901F-78D8002777C0}">
+        <c16r3:dataDisplayOptions16>
+          <c16r3:dispNaAsBlank val="1"/>
+        </c16r3:dataDisplayOptions16>
+      </c:ext>
+    </c:extLst>
+    <c:showDLblsOverMax val="0"/>
+  </c:chart>
+  <c:spPr>
+    <a:noFill/>
+    <a:ln>
+      <a:noFill/>
+    </a:ln>
+    <a:effectLst/>
+  </c:spPr>
+  <c:txPr>
+    <a:bodyPr/>
+    <a:lstStyle/>
+    <a:p>
+      <a:pPr>
+        <a:defRPr/>
+      </a:pPr>
+      <a:endParaRPr lang="ko-KR"/>
+    </a:p>
+  </c:txPr>
+  <c:externalData r:id="rId3">
+    <c:autoUpdate val="0"/>
+  </c:externalData>
+</c:chartSpace>
+</file>
+
+<file path=ppt/charts/chart2.xml><?xml version="1.0" encoding="utf-8"?>
+<c:chartSpace xmlns:c="http://schemas.openxmlformats.org/drawingml/2006/chart" xmlns:a="http://schemas.openxmlformats.org/drawingml/2006/main" xmlns:r="http://schemas.openxmlformats.org/officeDocument/2006/relationships" xmlns:c16r2="http://schemas.microsoft.com/office/drawing/2015/06/chart">
+  <c:date1904 val="0"/>
+  <c:lang val="ko-KR"/>
+  <c:roundedCorners val="0"/>
+  <mc:AlternateContent xmlns:mc="http://schemas.openxmlformats.org/markup-compatibility/2006">
+    <mc:Choice xmlns:c14="http://schemas.microsoft.com/office/drawing/2007/8/2/chart" Requires="c14">
+      <c14:style val="102"/>
+    </mc:Choice>
+    <mc:Fallback>
+      <c:style val="2"/>
+    </mc:Fallback>
+  </mc:AlternateContent>
+  <c:chart>
+    <c:title>
+      <c:tx>
+        <c:rich>
+          <a:bodyPr rot="0" spcFirstLastPara="1" vertOverflow="ellipsis" vert="horz" wrap="square" anchor="ctr" anchorCtr="1"/>
+          <a:lstStyle/>
+          <a:p>
+            <a:pPr>
+              <a:defRPr sz="1862" b="0" i="0" u="none" strike="noStrike" kern="1200" spc="0" baseline="0">
+                <a:solidFill>
+                  <a:schemeClr val="tx1">
+                    <a:lumMod val="65000"/>
+                    <a:lumOff val="35000"/>
+                  </a:schemeClr>
+                </a:solidFill>
+                <a:latin typeface="+mn-lt"/>
+                <a:ea typeface="+mn-ea"/>
+                <a:cs typeface="+mn-cs"/>
+              </a:defRPr>
+            </a:pPr>
+            <a:r>
+              <a:rPr lang="ko-KR" altLang="en-US" sz="1862" b="0" i="0" u="none" strike="noStrike" baseline="0" dirty="0">
+                <a:effectLst/>
+              </a:rPr>
+              <a:t>혐오표현</a:t>
+            </a:r>
+            <a:r>
+              <a:rPr lang="en-US" altLang="ko-KR" sz="1862" b="0" i="0" u="none" strike="noStrike" baseline="0" dirty="0">
+                <a:effectLst/>
+              </a:rPr>
+              <a:t>/</a:t>
+            </a:r>
+            <a:r>
+              <a:rPr lang="ko-KR" altLang="ko-KR" sz="1862" b="0" i="0" u="none" strike="noStrike" baseline="0" dirty="0" err="1">
+                <a:effectLst/>
+              </a:rPr>
+              <a:t>전체댓글</a:t>
+            </a:r>
+            <a:endParaRPr lang="ko-KR" altLang="en-US" dirty="0"/>
+          </a:p>
+        </c:rich>
+      </c:tx>
+      <c:overlay val="0"/>
+      <c:spPr>
+        <a:noFill/>
+        <a:ln>
+          <a:noFill/>
+        </a:ln>
+        <a:effectLst/>
+      </c:spPr>
+      <c:txPr>
+        <a:bodyPr rot="0" spcFirstLastPara="1" vertOverflow="ellipsis" vert="horz" wrap="square" anchor="ctr" anchorCtr="1"/>
+        <a:lstStyle/>
+        <a:p>
+          <a:pPr>
+            <a:defRPr sz="1862" b="0" i="0" u="none" strike="noStrike" kern="1200" spc="0" baseline="0">
+              <a:solidFill>
+                <a:schemeClr val="tx1">
+                  <a:lumMod val="65000"/>
+                  <a:lumOff val="35000"/>
+                </a:schemeClr>
+              </a:solidFill>
+              <a:latin typeface="+mn-lt"/>
+              <a:ea typeface="+mn-ea"/>
+              <a:cs typeface="+mn-cs"/>
+            </a:defRPr>
+          </a:pPr>
+          <a:endParaRPr lang="ko-KR"/>
+        </a:p>
+      </c:txPr>
+    </c:title>
+    <c:autoTitleDeleted val="0"/>
+    <c:plotArea>
+      <c:layout/>
+      <c:lineChart>
+        <c:grouping val="standard"/>
+        <c:varyColors val="0"/>
+        <c:ser>
+          <c:idx val="0"/>
+          <c:order val="0"/>
+          <c:tx>
+            <c:strRef>
+              <c:f>Sheet1!$B$1</c:f>
+              <c:strCache>
+                <c:ptCount val="1"/>
+                <c:pt idx="0">
+                  <c:v>계열 1</c:v>
+                </c:pt>
+              </c:strCache>
+            </c:strRef>
+          </c:tx>
+          <c:spPr>
+            <a:ln w="28575" cap="rnd">
+              <a:solidFill>
+                <a:schemeClr val="accent1"/>
+              </a:solidFill>
+              <a:round/>
+            </a:ln>
+            <a:effectLst/>
+          </c:spPr>
+          <c:marker>
+            <c:symbol val="none"/>
+          </c:marker>
+          <c:cat>
+            <c:strRef>
+              <c:f>Sheet1!$A$2:$A$5</c:f>
+              <c:strCache>
+                <c:ptCount val="4"/>
+                <c:pt idx="0">
+                  <c:v>항목 1</c:v>
+                </c:pt>
+                <c:pt idx="1">
+                  <c:v>항목 2</c:v>
+                </c:pt>
+                <c:pt idx="2">
+                  <c:v>항목 3</c:v>
+                </c:pt>
+                <c:pt idx="3">
+                  <c:v>항목 4</c:v>
+                </c:pt>
+              </c:strCache>
+            </c:strRef>
+          </c:cat>
+          <c:val>
+            <c:numRef>
+              <c:f>Sheet1!$B$2:$B$5</c:f>
+              <c:numCache>
+                <c:formatCode>General</c:formatCode>
+                <c:ptCount val="4"/>
+                <c:pt idx="0">
+                  <c:v>4.3</c:v>
+                </c:pt>
+                <c:pt idx="1">
+                  <c:v>2.5</c:v>
+                </c:pt>
+                <c:pt idx="2">
+                  <c:v>3.5</c:v>
+                </c:pt>
+                <c:pt idx="3">
+                  <c:v>4.5</c:v>
+                </c:pt>
+              </c:numCache>
+            </c:numRef>
+          </c:val>
+          <c:smooth val="0"/>
+          <c:extLst>
+            <c:ext xmlns:c16="http://schemas.microsoft.com/office/drawing/2014/chart" uri="{C3380CC4-5D6E-409C-BE32-E72D297353CC}">
+              <c16:uniqueId val="{00000000-F257-4AAB-AB23-308E43BFE727}"/>
+            </c:ext>
+          </c:extLst>
+        </c:ser>
+        <c:ser>
+          <c:idx val="1"/>
+          <c:order val="1"/>
+          <c:tx>
+            <c:strRef>
+              <c:f>Sheet1!$C$1</c:f>
+              <c:strCache>
+                <c:ptCount val="1"/>
+                <c:pt idx="0">
+                  <c:v>계열 2</c:v>
+                </c:pt>
+              </c:strCache>
+            </c:strRef>
+          </c:tx>
+          <c:spPr>
+            <a:ln w="28575" cap="rnd">
+              <a:solidFill>
+                <a:schemeClr val="accent2"/>
+              </a:solidFill>
+              <a:round/>
+            </a:ln>
+            <a:effectLst/>
+          </c:spPr>
+          <c:marker>
+            <c:symbol val="none"/>
+          </c:marker>
+          <c:cat>
+            <c:strRef>
+              <c:f>Sheet1!$A$2:$A$5</c:f>
+              <c:strCache>
+                <c:ptCount val="4"/>
+                <c:pt idx="0">
+                  <c:v>항목 1</c:v>
+                </c:pt>
+                <c:pt idx="1">
+                  <c:v>항목 2</c:v>
+                </c:pt>
+                <c:pt idx="2">
+                  <c:v>항목 3</c:v>
+                </c:pt>
+                <c:pt idx="3">
+                  <c:v>항목 4</c:v>
+                </c:pt>
+              </c:strCache>
+            </c:strRef>
+          </c:cat>
+          <c:val>
+            <c:numRef>
+              <c:f>Sheet1!$C$2:$C$5</c:f>
+              <c:numCache>
+                <c:formatCode>General</c:formatCode>
+                <c:ptCount val="4"/>
+                <c:pt idx="0">
+                  <c:v>2.4</c:v>
+                </c:pt>
+                <c:pt idx="1">
+                  <c:v>4.4000000000000004</c:v>
+                </c:pt>
+                <c:pt idx="2">
+                  <c:v>1.8</c:v>
+                </c:pt>
+                <c:pt idx="3">
+                  <c:v>2.8</c:v>
+                </c:pt>
+              </c:numCache>
+            </c:numRef>
+          </c:val>
+          <c:smooth val="0"/>
+          <c:extLst>
+            <c:ext xmlns:c16="http://schemas.microsoft.com/office/drawing/2014/chart" uri="{C3380CC4-5D6E-409C-BE32-E72D297353CC}">
+              <c16:uniqueId val="{00000001-F257-4AAB-AB23-308E43BFE727}"/>
+            </c:ext>
+          </c:extLst>
+        </c:ser>
+        <c:ser>
+          <c:idx val="2"/>
+          <c:order val="2"/>
+          <c:tx>
+            <c:strRef>
+              <c:f>Sheet1!$D$1</c:f>
+              <c:strCache>
+                <c:ptCount val="1"/>
+                <c:pt idx="0">
+                  <c:v>계열 3</c:v>
+                </c:pt>
+              </c:strCache>
+            </c:strRef>
+          </c:tx>
+          <c:spPr>
+            <a:ln w="28575" cap="rnd">
+              <a:solidFill>
+                <a:schemeClr val="accent3"/>
+              </a:solidFill>
+              <a:round/>
+            </a:ln>
+            <a:effectLst/>
+          </c:spPr>
+          <c:marker>
+            <c:symbol val="none"/>
+          </c:marker>
+          <c:cat>
+            <c:strRef>
+              <c:f>Sheet1!$A$2:$A$5</c:f>
+              <c:strCache>
+                <c:ptCount val="4"/>
+                <c:pt idx="0">
+                  <c:v>항목 1</c:v>
+                </c:pt>
+                <c:pt idx="1">
+                  <c:v>항목 2</c:v>
+                </c:pt>
+                <c:pt idx="2">
+                  <c:v>항목 3</c:v>
+                </c:pt>
+                <c:pt idx="3">
+                  <c:v>항목 4</c:v>
+                </c:pt>
+              </c:strCache>
+            </c:strRef>
+          </c:cat>
+          <c:val>
+            <c:numRef>
+              <c:f>Sheet1!$D$2:$D$5</c:f>
+              <c:numCache>
+                <c:formatCode>General</c:formatCode>
+                <c:ptCount val="4"/>
+                <c:pt idx="0">
+                  <c:v>2</c:v>
+                </c:pt>
+                <c:pt idx="1">
+                  <c:v>2</c:v>
+                </c:pt>
+                <c:pt idx="2">
+                  <c:v>3</c:v>
+                </c:pt>
+                <c:pt idx="3">
+                  <c:v>5</c:v>
+                </c:pt>
+              </c:numCache>
+            </c:numRef>
+          </c:val>
+          <c:smooth val="0"/>
+          <c:extLst>
+            <c:ext xmlns:c16="http://schemas.microsoft.com/office/drawing/2014/chart" uri="{C3380CC4-5D6E-409C-BE32-E72D297353CC}">
+              <c16:uniqueId val="{00000002-F257-4AAB-AB23-308E43BFE727}"/>
+            </c:ext>
+          </c:extLst>
+        </c:ser>
+        <c:dLbls>
+          <c:showLegendKey val="0"/>
+          <c:showVal val="0"/>
+          <c:showCatName val="0"/>
+          <c:showSerName val="0"/>
+          <c:showPercent val="0"/>
+          <c:showBubbleSize val="0"/>
+        </c:dLbls>
+        <c:smooth val="0"/>
+        <c:axId val="1242052544"/>
+        <c:axId val="1242047552"/>
+      </c:lineChart>
+      <c:catAx>
+        <c:axId val="1242052544"/>
+        <c:scaling>
+          <c:orientation val="minMax"/>
+        </c:scaling>
+        <c:delete val="0"/>
+        <c:axPos val="b"/>
+        <c:numFmt formatCode="General" sourceLinked="1"/>
+        <c:majorTickMark val="none"/>
+        <c:minorTickMark val="none"/>
+        <c:tickLblPos val="nextTo"/>
+        <c:spPr>
+          <a:noFill/>
+          <a:ln w="9525" cap="flat" cmpd="sng" algn="ctr">
+            <a:solidFill>
+              <a:schemeClr val="tx1">
+                <a:lumMod val="15000"/>
+                <a:lumOff val="85000"/>
+              </a:schemeClr>
+            </a:solidFill>
+            <a:round/>
+          </a:ln>
+          <a:effectLst/>
+        </c:spPr>
+        <c:txPr>
+          <a:bodyPr rot="-60000000" spcFirstLastPara="1" vertOverflow="ellipsis" vert="horz" wrap="square" anchor="ctr" anchorCtr="1"/>
+          <a:lstStyle/>
+          <a:p>
+            <a:pPr>
+              <a:defRPr sz="1197" b="0" i="0" u="none" strike="noStrike" kern="1200" baseline="0">
+                <a:solidFill>
+                  <a:schemeClr val="tx1">
+                    <a:lumMod val="65000"/>
+                    <a:lumOff val="35000"/>
+                  </a:schemeClr>
+                </a:solidFill>
+                <a:latin typeface="+mn-lt"/>
+                <a:ea typeface="+mn-ea"/>
+                <a:cs typeface="+mn-cs"/>
+              </a:defRPr>
+            </a:pPr>
+            <a:endParaRPr lang="ko-KR"/>
+          </a:p>
+        </c:txPr>
+        <c:crossAx val="1242047552"/>
+        <c:crosses val="autoZero"/>
+        <c:auto val="1"/>
+        <c:lblAlgn val="ctr"/>
+        <c:lblOffset val="100"/>
+        <c:noMultiLvlLbl val="0"/>
+      </c:catAx>
+      <c:valAx>
+        <c:axId val="1242047552"/>
+        <c:scaling>
+          <c:orientation val="minMax"/>
+        </c:scaling>
+        <c:delete val="0"/>
+        <c:axPos val="l"/>
+        <c:majorGridlines>
+          <c:spPr>
+            <a:ln w="9525" cap="flat" cmpd="sng" algn="ctr">
+              <a:solidFill>
+                <a:schemeClr val="tx1">
+                  <a:lumMod val="15000"/>
+                  <a:lumOff val="85000"/>
+                </a:schemeClr>
+              </a:solidFill>
+              <a:round/>
+            </a:ln>
+            <a:effectLst/>
+          </c:spPr>
+        </c:majorGridlines>
+        <c:numFmt formatCode="General" sourceLinked="1"/>
+        <c:majorTickMark val="none"/>
+        <c:minorTickMark val="none"/>
+        <c:tickLblPos val="nextTo"/>
+        <c:spPr>
+          <a:noFill/>
+          <a:ln>
+            <a:noFill/>
+          </a:ln>
+          <a:effectLst/>
+        </c:spPr>
+        <c:txPr>
+          <a:bodyPr rot="-60000000" spcFirstLastPara="1" vertOverflow="ellipsis" vert="horz" wrap="square" anchor="ctr" anchorCtr="1"/>
+          <a:lstStyle/>
+          <a:p>
+            <a:pPr>
+              <a:defRPr sz="1197" b="0" i="0" u="none" strike="noStrike" kern="1200" baseline="0">
+                <a:solidFill>
+                  <a:schemeClr val="tx1">
+                    <a:lumMod val="65000"/>
+                    <a:lumOff val="35000"/>
+                  </a:schemeClr>
+                </a:solidFill>
+                <a:latin typeface="+mn-lt"/>
+                <a:ea typeface="+mn-ea"/>
+                <a:cs typeface="+mn-cs"/>
+              </a:defRPr>
+            </a:pPr>
+            <a:endParaRPr lang="ko-KR"/>
+          </a:p>
+        </c:txPr>
+        <c:crossAx val="1242052544"/>
+        <c:crosses val="autoZero"/>
+        <c:crossBetween val="between"/>
+      </c:valAx>
+      <c:spPr>
+        <a:noFill/>
+        <a:ln>
+          <a:noFill/>
+        </a:ln>
+        <a:effectLst/>
+      </c:spPr>
+    </c:plotArea>
+    <c:legend>
+      <c:legendPos val="b"/>
+      <c:overlay val="0"/>
+      <c:spPr>
+        <a:noFill/>
+        <a:ln>
+          <a:noFill/>
+        </a:ln>
+        <a:effectLst/>
+      </c:spPr>
+      <c:txPr>
+        <a:bodyPr rot="0" spcFirstLastPara="1" vertOverflow="ellipsis" vert="horz" wrap="square" anchor="ctr" anchorCtr="1"/>
+        <a:lstStyle/>
+        <a:p>
+          <a:pPr>
+            <a:defRPr sz="1197" b="0" i="0" u="none" strike="noStrike" kern="1200" baseline="0">
+              <a:solidFill>
+                <a:schemeClr val="tx1">
+                  <a:lumMod val="65000"/>
+                  <a:lumOff val="35000"/>
+                </a:schemeClr>
+              </a:solidFill>
+              <a:latin typeface="+mn-lt"/>
+              <a:ea typeface="+mn-ea"/>
+              <a:cs typeface="+mn-cs"/>
+            </a:defRPr>
+          </a:pPr>
+          <a:endParaRPr lang="ko-KR"/>
+        </a:p>
+      </c:txPr>
+    </c:legend>
+    <c:plotVisOnly val="1"/>
+    <c:dispBlanksAs val="gap"/>
+    <c:extLst>
+      <c:ext xmlns:c16r3="http://schemas.microsoft.com/office/drawing/2017/03/chart" uri="{56B9EC1D-385E-4148-901F-78D8002777C0}">
+        <c16r3:dataDisplayOptions16>
+          <c16r3:dispNaAsBlank val="1"/>
+        </c16r3:dataDisplayOptions16>
+      </c:ext>
+    </c:extLst>
+    <c:showDLblsOverMax val="0"/>
+  </c:chart>
+  <c:spPr>
+    <a:noFill/>
+    <a:ln>
+      <a:noFill/>
+    </a:ln>
+    <a:effectLst/>
+  </c:spPr>
+  <c:txPr>
+    <a:bodyPr/>
+    <a:lstStyle/>
+    <a:p>
+      <a:pPr>
+        <a:defRPr/>
+      </a:pPr>
+      <a:endParaRPr lang="ko-KR"/>
+    </a:p>
+  </c:txPr>
+  <c:externalData r:id="rId3">
+    <c:autoUpdate val="0"/>
+  </c:externalData>
+</c:chartSpace>
+</file>
+
+<file path=ppt/charts/chart3.xml><?xml version="1.0" encoding="utf-8"?>
+<c:chartSpace xmlns:c="http://schemas.openxmlformats.org/drawingml/2006/chart" xmlns:a="http://schemas.openxmlformats.org/drawingml/2006/main" xmlns:r="http://schemas.openxmlformats.org/officeDocument/2006/relationships" xmlns:c16r2="http://schemas.microsoft.com/office/drawing/2015/06/chart">
+  <c:date1904 val="0"/>
+  <c:lang val="ko-KR"/>
+  <c:roundedCorners val="0"/>
+  <mc:AlternateContent xmlns:mc="http://schemas.openxmlformats.org/markup-compatibility/2006">
+    <mc:Choice xmlns:c14="http://schemas.microsoft.com/office/drawing/2007/8/2/chart" Requires="c14">
+      <c14:style val="102"/>
+    </mc:Choice>
+    <mc:Fallback>
+      <c:style val="2"/>
+    </mc:Fallback>
+  </mc:AlternateContent>
+  <c:chart>
+    <c:title>
+      <c:tx>
+        <c:rich>
+          <a:bodyPr rot="0" spcFirstLastPara="1" vertOverflow="ellipsis" vert="horz" wrap="square" anchor="ctr" anchorCtr="1"/>
+          <a:lstStyle/>
+          <a:p>
+            <a:pPr>
+              <a:defRPr sz="1862" b="0" i="0" u="none" strike="noStrike" kern="1200" spc="0" baseline="0">
+                <a:solidFill>
+                  <a:schemeClr val="tx1">
+                    <a:lumMod val="65000"/>
+                    <a:lumOff val="35000"/>
+                  </a:schemeClr>
+                </a:solidFill>
+                <a:latin typeface="+mn-lt"/>
+                <a:ea typeface="+mn-ea"/>
+                <a:cs typeface="+mn-cs"/>
+              </a:defRPr>
+            </a:pPr>
+            <a:r>
+              <a:rPr lang="ko-KR" altLang="en-US" sz="1862" b="0" i="0" u="none" strike="noStrike" baseline="0" dirty="0" err="1">
+                <a:effectLst/>
+              </a:rPr>
+              <a:t>욕설댓글</a:t>
+            </a:r>
+            <a:r>
+              <a:rPr lang="en-US" altLang="ko-KR" sz="1862" b="0" i="0" u="none" strike="noStrike" baseline="0" dirty="0">
+                <a:effectLst/>
+              </a:rPr>
+              <a:t>/</a:t>
+            </a:r>
+            <a:r>
+              <a:rPr lang="ko-KR" altLang="ko-KR" sz="1862" b="0" i="0" u="none" strike="noStrike" baseline="0" dirty="0" err="1">
+                <a:effectLst/>
+              </a:rPr>
+              <a:t>전체댓글</a:t>
+            </a:r>
+            <a:endParaRPr lang="ko-KR" altLang="en-US" dirty="0"/>
+          </a:p>
+        </c:rich>
+      </c:tx>
+      <c:overlay val="0"/>
+      <c:spPr>
+        <a:noFill/>
+        <a:ln>
+          <a:noFill/>
+        </a:ln>
+        <a:effectLst/>
+      </c:spPr>
+      <c:txPr>
+        <a:bodyPr rot="0" spcFirstLastPara="1" vertOverflow="ellipsis" vert="horz" wrap="square" anchor="ctr" anchorCtr="1"/>
+        <a:lstStyle/>
+        <a:p>
+          <a:pPr>
+            <a:defRPr sz="1862" b="0" i="0" u="none" strike="noStrike" kern="1200" spc="0" baseline="0">
+              <a:solidFill>
+                <a:schemeClr val="tx1">
+                  <a:lumMod val="65000"/>
+                  <a:lumOff val="35000"/>
+                </a:schemeClr>
+              </a:solidFill>
+              <a:latin typeface="+mn-lt"/>
+              <a:ea typeface="+mn-ea"/>
+              <a:cs typeface="+mn-cs"/>
+            </a:defRPr>
+          </a:pPr>
+          <a:endParaRPr lang="ko-KR"/>
+        </a:p>
+      </c:txPr>
+    </c:title>
+    <c:autoTitleDeleted val="0"/>
+    <c:plotArea>
+      <c:layout/>
+      <c:lineChart>
+        <c:grouping val="standard"/>
+        <c:varyColors val="0"/>
+        <c:ser>
+          <c:idx val="0"/>
+          <c:order val="0"/>
+          <c:tx>
+            <c:strRef>
+              <c:f>Sheet1!$B$1</c:f>
+              <c:strCache>
+                <c:ptCount val="1"/>
+                <c:pt idx="0">
+                  <c:v>계열 1</c:v>
+                </c:pt>
+              </c:strCache>
+            </c:strRef>
+          </c:tx>
+          <c:spPr>
+            <a:ln w="28575" cap="rnd">
+              <a:solidFill>
+                <a:schemeClr val="accent1"/>
+              </a:solidFill>
+              <a:round/>
+            </a:ln>
+            <a:effectLst/>
+          </c:spPr>
+          <c:marker>
+            <c:symbol val="none"/>
+          </c:marker>
+          <c:cat>
+            <c:strRef>
+              <c:f>Sheet1!$A$2:$A$5</c:f>
+              <c:strCache>
+                <c:ptCount val="4"/>
+                <c:pt idx="0">
+                  <c:v>항목 1</c:v>
+                </c:pt>
+                <c:pt idx="1">
+                  <c:v>항목 2</c:v>
+                </c:pt>
+                <c:pt idx="2">
+                  <c:v>항목 3</c:v>
+                </c:pt>
+                <c:pt idx="3">
+                  <c:v>항목 4</c:v>
+                </c:pt>
+              </c:strCache>
+            </c:strRef>
+          </c:cat>
+          <c:val>
+            <c:numRef>
+              <c:f>Sheet1!$B$2:$B$5</c:f>
+              <c:numCache>
+                <c:formatCode>General</c:formatCode>
+                <c:ptCount val="4"/>
+                <c:pt idx="0">
+                  <c:v>4.3</c:v>
+                </c:pt>
+                <c:pt idx="1">
+                  <c:v>2.5</c:v>
+                </c:pt>
+                <c:pt idx="2">
+                  <c:v>3.5</c:v>
+                </c:pt>
+                <c:pt idx="3">
+                  <c:v>4.5</c:v>
+                </c:pt>
+              </c:numCache>
+            </c:numRef>
+          </c:val>
+          <c:smooth val="0"/>
+          <c:extLst>
+            <c:ext xmlns:c16="http://schemas.microsoft.com/office/drawing/2014/chart" uri="{C3380CC4-5D6E-409C-BE32-E72D297353CC}">
+              <c16:uniqueId val="{00000000-D0C6-4F60-A320-B993722BD76C}"/>
+            </c:ext>
+          </c:extLst>
+        </c:ser>
+        <c:ser>
+          <c:idx val="1"/>
+          <c:order val="1"/>
+          <c:tx>
+            <c:strRef>
+              <c:f>Sheet1!$C$1</c:f>
+              <c:strCache>
+                <c:ptCount val="1"/>
+                <c:pt idx="0">
+                  <c:v>계열 2</c:v>
+                </c:pt>
+              </c:strCache>
+            </c:strRef>
+          </c:tx>
+          <c:spPr>
+            <a:ln w="28575" cap="rnd">
+              <a:solidFill>
+                <a:schemeClr val="accent2"/>
+              </a:solidFill>
+              <a:round/>
+            </a:ln>
+            <a:effectLst/>
+          </c:spPr>
+          <c:marker>
+            <c:symbol val="none"/>
+          </c:marker>
+          <c:cat>
+            <c:strRef>
+              <c:f>Sheet1!$A$2:$A$5</c:f>
+              <c:strCache>
+                <c:ptCount val="4"/>
+                <c:pt idx="0">
+                  <c:v>항목 1</c:v>
+                </c:pt>
+                <c:pt idx="1">
+                  <c:v>항목 2</c:v>
+                </c:pt>
+                <c:pt idx="2">
+                  <c:v>항목 3</c:v>
+                </c:pt>
+                <c:pt idx="3">
+                  <c:v>항목 4</c:v>
+                </c:pt>
+              </c:strCache>
+            </c:strRef>
+          </c:cat>
+          <c:val>
+            <c:numRef>
+              <c:f>Sheet1!$C$2:$C$5</c:f>
+              <c:numCache>
+                <c:formatCode>General</c:formatCode>
+                <c:ptCount val="4"/>
+                <c:pt idx="0">
+                  <c:v>2.4</c:v>
+                </c:pt>
+                <c:pt idx="1">
+                  <c:v>4.4000000000000004</c:v>
+                </c:pt>
+                <c:pt idx="2">
+                  <c:v>1.8</c:v>
+                </c:pt>
+                <c:pt idx="3">
+                  <c:v>2.8</c:v>
+                </c:pt>
+              </c:numCache>
+            </c:numRef>
+          </c:val>
+          <c:smooth val="0"/>
+          <c:extLst>
+            <c:ext xmlns:c16="http://schemas.microsoft.com/office/drawing/2014/chart" uri="{C3380CC4-5D6E-409C-BE32-E72D297353CC}">
+              <c16:uniqueId val="{00000001-D0C6-4F60-A320-B993722BD76C}"/>
+            </c:ext>
+          </c:extLst>
+        </c:ser>
+        <c:ser>
+          <c:idx val="2"/>
+          <c:order val="2"/>
+          <c:tx>
+            <c:strRef>
+              <c:f>Sheet1!$D$1</c:f>
+              <c:strCache>
+                <c:ptCount val="1"/>
+                <c:pt idx="0">
+                  <c:v>계열 3</c:v>
+                </c:pt>
+              </c:strCache>
+            </c:strRef>
+          </c:tx>
+          <c:spPr>
+            <a:ln w="28575" cap="rnd">
+              <a:solidFill>
+                <a:schemeClr val="accent3"/>
+              </a:solidFill>
+              <a:round/>
+            </a:ln>
+            <a:effectLst/>
+          </c:spPr>
+          <c:marker>
+            <c:symbol val="none"/>
+          </c:marker>
+          <c:cat>
+            <c:strRef>
+              <c:f>Sheet1!$A$2:$A$5</c:f>
+              <c:strCache>
+                <c:ptCount val="4"/>
+                <c:pt idx="0">
+                  <c:v>항목 1</c:v>
+                </c:pt>
+                <c:pt idx="1">
+                  <c:v>항목 2</c:v>
+                </c:pt>
+                <c:pt idx="2">
+                  <c:v>항목 3</c:v>
+                </c:pt>
+                <c:pt idx="3">
+                  <c:v>항목 4</c:v>
+                </c:pt>
+              </c:strCache>
+            </c:strRef>
+          </c:cat>
+          <c:val>
+            <c:numRef>
+              <c:f>Sheet1!$D$2:$D$5</c:f>
+              <c:numCache>
+                <c:formatCode>General</c:formatCode>
+                <c:ptCount val="4"/>
+                <c:pt idx="0">
+                  <c:v>2</c:v>
+                </c:pt>
+                <c:pt idx="1">
+                  <c:v>2</c:v>
+                </c:pt>
+                <c:pt idx="2">
+                  <c:v>3</c:v>
+                </c:pt>
+                <c:pt idx="3">
+                  <c:v>5</c:v>
+                </c:pt>
+              </c:numCache>
+            </c:numRef>
+          </c:val>
+          <c:smooth val="0"/>
+          <c:extLst>
+            <c:ext xmlns:c16="http://schemas.microsoft.com/office/drawing/2014/chart" uri="{C3380CC4-5D6E-409C-BE32-E72D297353CC}">
+              <c16:uniqueId val="{00000002-D0C6-4F60-A320-B993722BD76C}"/>
+            </c:ext>
+          </c:extLst>
+        </c:ser>
+        <c:dLbls>
+          <c:showLegendKey val="0"/>
+          <c:showVal val="0"/>
+          <c:showCatName val="0"/>
+          <c:showSerName val="0"/>
+          <c:showPercent val="0"/>
+          <c:showBubbleSize val="0"/>
+        </c:dLbls>
+        <c:smooth val="0"/>
+        <c:axId val="1242052544"/>
+        <c:axId val="1242047552"/>
+      </c:lineChart>
+      <c:catAx>
+        <c:axId val="1242052544"/>
+        <c:scaling>
+          <c:orientation val="minMax"/>
+        </c:scaling>
+        <c:delete val="0"/>
+        <c:axPos val="b"/>
+        <c:numFmt formatCode="General" sourceLinked="1"/>
+        <c:majorTickMark val="none"/>
+        <c:minorTickMark val="none"/>
+        <c:tickLblPos val="nextTo"/>
+        <c:spPr>
+          <a:noFill/>
+          <a:ln w="9525" cap="flat" cmpd="sng" algn="ctr">
+            <a:solidFill>
+              <a:schemeClr val="tx1">
+                <a:lumMod val="15000"/>
+                <a:lumOff val="85000"/>
+              </a:schemeClr>
+            </a:solidFill>
+            <a:round/>
+          </a:ln>
+          <a:effectLst/>
+        </c:spPr>
+        <c:txPr>
+          <a:bodyPr rot="-60000000" spcFirstLastPara="1" vertOverflow="ellipsis" vert="horz" wrap="square" anchor="ctr" anchorCtr="1"/>
+          <a:lstStyle/>
+          <a:p>
+            <a:pPr>
+              <a:defRPr sz="1197" b="0" i="0" u="none" strike="noStrike" kern="1200" baseline="0">
+                <a:solidFill>
+                  <a:schemeClr val="tx1">
+                    <a:lumMod val="65000"/>
+                    <a:lumOff val="35000"/>
+                  </a:schemeClr>
+                </a:solidFill>
+                <a:latin typeface="+mn-lt"/>
+                <a:ea typeface="+mn-ea"/>
+                <a:cs typeface="+mn-cs"/>
+              </a:defRPr>
+            </a:pPr>
+            <a:endParaRPr lang="ko-KR"/>
+          </a:p>
+        </c:txPr>
+        <c:crossAx val="1242047552"/>
+        <c:crosses val="autoZero"/>
+        <c:auto val="1"/>
+        <c:lblAlgn val="ctr"/>
+        <c:lblOffset val="100"/>
+        <c:noMultiLvlLbl val="0"/>
+      </c:catAx>
+      <c:valAx>
+        <c:axId val="1242047552"/>
+        <c:scaling>
+          <c:orientation val="minMax"/>
+        </c:scaling>
+        <c:delete val="0"/>
+        <c:axPos val="l"/>
+        <c:majorGridlines>
+          <c:spPr>
+            <a:ln w="9525" cap="flat" cmpd="sng" algn="ctr">
+              <a:solidFill>
+                <a:schemeClr val="tx1">
+                  <a:lumMod val="15000"/>
+                  <a:lumOff val="85000"/>
+                </a:schemeClr>
+              </a:solidFill>
+              <a:round/>
+            </a:ln>
+            <a:effectLst/>
+          </c:spPr>
+        </c:majorGridlines>
+        <c:numFmt formatCode="General" sourceLinked="1"/>
+        <c:majorTickMark val="none"/>
+        <c:minorTickMark val="none"/>
+        <c:tickLblPos val="nextTo"/>
+        <c:spPr>
+          <a:noFill/>
+          <a:ln>
+            <a:noFill/>
+          </a:ln>
+          <a:effectLst/>
+        </c:spPr>
+        <c:txPr>
+          <a:bodyPr rot="-60000000" spcFirstLastPara="1" vertOverflow="ellipsis" vert="horz" wrap="square" anchor="ctr" anchorCtr="1"/>
+          <a:lstStyle/>
+          <a:p>
+            <a:pPr>
+              <a:defRPr sz="1197" b="0" i="0" u="none" strike="noStrike" kern="1200" baseline="0">
+                <a:solidFill>
+                  <a:schemeClr val="tx1">
+                    <a:lumMod val="65000"/>
+                    <a:lumOff val="35000"/>
+                  </a:schemeClr>
+                </a:solidFill>
+                <a:latin typeface="+mn-lt"/>
+                <a:ea typeface="+mn-ea"/>
+                <a:cs typeface="+mn-cs"/>
+              </a:defRPr>
+            </a:pPr>
+            <a:endParaRPr lang="ko-KR"/>
+          </a:p>
+        </c:txPr>
+        <c:crossAx val="1242052544"/>
+        <c:crosses val="autoZero"/>
+        <c:crossBetween val="between"/>
+      </c:valAx>
+      <c:spPr>
+        <a:noFill/>
+        <a:ln>
+          <a:noFill/>
+        </a:ln>
+        <a:effectLst/>
+      </c:spPr>
+    </c:plotArea>
+    <c:legend>
+      <c:legendPos val="b"/>
+      <c:overlay val="0"/>
+      <c:spPr>
+        <a:noFill/>
+        <a:ln>
+          <a:noFill/>
+        </a:ln>
+        <a:effectLst/>
+      </c:spPr>
+      <c:txPr>
+        <a:bodyPr rot="0" spcFirstLastPara="1" vertOverflow="ellipsis" vert="horz" wrap="square" anchor="ctr" anchorCtr="1"/>
+        <a:lstStyle/>
+        <a:p>
+          <a:pPr>
+            <a:defRPr sz="1197" b="0" i="0" u="none" strike="noStrike" kern="1200" baseline="0">
+              <a:solidFill>
+                <a:schemeClr val="tx1">
+                  <a:lumMod val="65000"/>
+                  <a:lumOff val="35000"/>
+                </a:schemeClr>
+              </a:solidFill>
+              <a:latin typeface="+mn-lt"/>
+              <a:ea typeface="+mn-ea"/>
+              <a:cs typeface="+mn-cs"/>
+            </a:defRPr>
+          </a:pPr>
+          <a:endParaRPr lang="ko-KR"/>
+        </a:p>
+      </c:txPr>
+    </c:legend>
+    <c:plotVisOnly val="1"/>
+    <c:dispBlanksAs val="gap"/>
+    <c:extLst>
+      <c:ext xmlns:c16r3="http://schemas.microsoft.com/office/drawing/2017/03/chart" uri="{56B9EC1D-385E-4148-901F-78D8002777C0}">
+        <c16r3:dataDisplayOptions16>
+          <c16r3:dispNaAsBlank val="1"/>
+        </c16r3:dataDisplayOptions16>
+      </c:ext>
+    </c:extLst>
+    <c:showDLblsOverMax val="0"/>
+  </c:chart>
+  <c:spPr>
+    <a:noFill/>
+    <a:ln>
+      <a:noFill/>
+    </a:ln>
+    <a:effectLst/>
+  </c:spPr>
+  <c:txPr>
+    <a:bodyPr/>
+    <a:lstStyle/>
+    <a:p>
+      <a:pPr>
+        <a:defRPr/>
+      </a:pPr>
+      <a:endParaRPr lang="ko-KR"/>
+    </a:p>
+  </c:txPr>
+  <c:externalData r:id="rId3">
+    <c:autoUpdate val="0"/>
+  </c:externalData>
+</c:chartSpace>
+</file>
+
+<file path=ppt/charts/chart4.xml><?xml version="1.0" encoding="utf-8"?>
+<c:chartSpace xmlns:c="http://schemas.openxmlformats.org/drawingml/2006/chart" xmlns:a="http://schemas.openxmlformats.org/drawingml/2006/main" xmlns:r="http://schemas.openxmlformats.org/officeDocument/2006/relationships" xmlns:c16r2="http://schemas.microsoft.com/office/drawing/2015/06/chart">
+  <c:date1904 val="0"/>
+  <c:lang val="ko-KR"/>
+  <c:roundedCorners val="0"/>
+  <mc:AlternateContent xmlns:mc="http://schemas.openxmlformats.org/markup-compatibility/2006">
+    <mc:Choice xmlns:c14="http://schemas.microsoft.com/office/drawing/2007/8/2/chart" Requires="c14">
+      <c14:style val="102"/>
+    </mc:Choice>
+    <mc:Fallback>
+      <c:style val="2"/>
+    </mc:Fallback>
+  </mc:AlternateContent>
+  <c:chart>
+    <c:title>
+      <c:tx>
+        <c:rich>
+          <a:bodyPr rot="0" spcFirstLastPara="1" vertOverflow="ellipsis" vert="horz" wrap="square" anchor="ctr" anchorCtr="1"/>
+          <a:lstStyle/>
+          <a:p>
+            <a:pPr>
+              <a:defRPr sz="1862" b="0" i="0" u="none" strike="noStrike" kern="1200" spc="0" baseline="0">
+                <a:solidFill>
+                  <a:schemeClr val="tx1">
+                    <a:lumMod val="65000"/>
+                    <a:lumOff val="35000"/>
+                  </a:schemeClr>
+                </a:solidFill>
+                <a:latin typeface="+mn-lt"/>
+                <a:ea typeface="+mn-ea"/>
+                <a:cs typeface="+mn-cs"/>
+              </a:defRPr>
+            </a:pPr>
+            <a:r>
+              <a:rPr lang="ko-KR" altLang="en-US" dirty="0"/>
+              <a:t>전일</a:t>
+            </a:r>
+            <a:r>
+              <a:rPr lang="en-US" altLang="ko-KR" dirty="0"/>
+              <a:t>/</a:t>
+            </a:r>
+            <a:r>
+              <a:rPr lang="ko-KR" altLang="en-US" dirty="0"/>
+              <a:t>전월 추이</a:t>
+            </a:r>
+          </a:p>
+        </c:rich>
+      </c:tx>
+      <c:overlay val="0"/>
+      <c:spPr>
+        <a:noFill/>
+        <a:ln>
+          <a:noFill/>
+        </a:ln>
+        <a:effectLst/>
+      </c:spPr>
+      <c:txPr>
+        <a:bodyPr rot="0" spcFirstLastPara="1" vertOverflow="ellipsis" vert="horz" wrap="square" anchor="ctr" anchorCtr="1"/>
+        <a:lstStyle/>
+        <a:p>
+          <a:pPr>
+            <a:defRPr sz="1862" b="0" i="0" u="none" strike="noStrike" kern="1200" spc="0" baseline="0">
+              <a:solidFill>
+                <a:schemeClr val="tx1">
+                  <a:lumMod val="65000"/>
+                  <a:lumOff val="35000"/>
+                </a:schemeClr>
+              </a:solidFill>
+              <a:latin typeface="+mn-lt"/>
+              <a:ea typeface="+mn-ea"/>
+              <a:cs typeface="+mn-cs"/>
+            </a:defRPr>
+          </a:pPr>
+          <a:endParaRPr lang="ko-KR"/>
+        </a:p>
+      </c:txPr>
+    </c:title>
+    <c:autoTitleDeleted val="0"/>
+    <c:plotArea>
+      <c:layout/>
+      <c:lineChart>
+        <c:grouping val="standard"/>
+        <c:varyColors val="0"/>
+        <c:ser>
+          <c:idx val="0"/>
+          <c:order val="0"/>
+          <c:tx>
+            <c:strRef>
+              <c:f>Sheet1!$B$1</c:f>
+              <c:strCache>
+                <c:ptCount val="1"/>
+                <c:pt idx="0">
+                  <c:v>계열 1</c:v>
+                </c:pt>
+              </c:strCache>
+            </c:strRef>
+          </c:tx>
+          <c:spPr>
+            <a:ln w="28575" cap="rnd">
+              <a:solidFill>
+                <a:schemeClr val="accent1"/>
+              </a:solidFill>
+              <a:round/>
+            </a:ln>
+            <a:effectLst/>
+          </c:spPr>
+          <c:marker>
+            <c:symbol val="none"/>
+          </c:marker>
+          <c:cat>
+            <c:strRef>
+              <c:f>Sheet1!$A$2:$A$5</c:f>
+              <c:strCache>
+                <c:ptCount val="4"/>
+                <c:pt idx="0">
+                  <c:v>항목 1</c:v>
+                </c:pt>
+                <c:pt idx="1">
+                  <c:v>항목 2</c:v>
+                </c:pt>
+                <c:pt idx="2">
+                  <c:v>항목 3</c:v>
+                </c:pt>
+                <c:pt idx="3">
+                  <c:v>항목 4</c:v>
+                </c:pt>
+              </c:strCache>
+            </c:strRef>
+          </c:cat>
+          <c:val>
+            <c:numRef>
+              <c:f>Sheet1!$B$2:$B$5</c:f>
+              <c:numCache>
+                <c:formatCode>General</c:formatCode>
+                <c:ptCount val="4"/>
+                <c:pt idx="0">
+                  <c:v>4.3</c:v>
+                </c:pt>
+                <c:pt idx="1">
+                  <c:v>2.5</c:v>
+                </c:pt>
+                <c:pt idx="2">
+                  <c:v>3.5</c:v>
+                </c:pt>
+                <c:pt idx="3">
+                  <c:v>4.5</c:v>
+                </c:pt>
+              </c:numCache>
+            </c:numRef>
+          </c:val>
+          <c:smooth val="0"/>
+          <c:extLst>
+            <c:ext xmlns:c16="http://schemas.microsoft.com/office/drawing/2014/chart" uri="{C3380CC4-5D6E-409C-BE32-E72D297353CC}">
+              <c16:uniqueId val="{00000000-8AC3-4D92-91D3-1CD46963E97D}"/>
+            </c:ext>
+          </c:extLst>
+        </c:ser>
+        <c:ser>
+          <c:idx val="1"/>
+          <c:order val="1"/>
+          <c:tx>
+            <c:strRef>
+              <c:f>Sheet1!$C$1</c:f>
+              <c:strCache>
+                <c:ptCount val="1"/>
+                <c:pt idx="0">
+                  <c:v>계열 2</c:v>
+                </c:pt>
+              </c:strCache>
+            </c:strRef>
+          </c:tx>
+          <c:spPr>
+            <a:ln w="28575" cap="rnd">
+              <a:solidFill>
+                <a:schemeClr val="accent2"/>
+              </a:solidFill>
+              <a:round/>
+            </a:ln>
+            <a:effectLst/>
+          </c:spPr>
+          <c:marker>
+            <c:symbol val="none"/>
+          </c:marker>
+          <c:cat>
+            <c:strRef>
+              <c:f>Sheet1!$A$2:$A$5</c:f>
+              <c:strCache>
+                <c:ptCount val="4"/>
+                <c:pt idx="0">
+                  <c:v>항목 1</c:v>
+                </c:pt>
+                <c:pt idx="1">
+                  <c:v>항목 2</c:v>
+                </c:pt>
+                <c:pt idx="2">
+                  <c:v>항목 3</c:v>
+                </c:pt>
+                <c:pt idx="3">
+                  <c:v>항목 4</c:v>
+                </c:pt>
+              </c:strCache>
+            </c:strRef>
+          </c:cat>
+          <c:val>
+            <c:numRef>
+              <c:f>Sheet1!$C$2:$C$5</c:f>
+              <c:numCache>
+                <c:formatCode>General</c:formatCode>
+                <c:ptCount val="4"/>
+                <c:pt idx="0">
+                  <c:v>2.4</c:v>
+                </c:pt>
+                <c:pt idx="1">
+                  <c:v>4.4000000000000004</c:v>
+                </c:pt>
+                <c:pt idx="2">
+                  <c:v>1.8</c:v>
+                </c:pt>
+                <c:pt idx="3">
+                  <c:v>2.8</c:v>
+                </c:pt>
+              </c:numCache>
+            </c:numRef>
+          </c:val>
+          <c:smooth val="0"/>
+          <c:extLst>
+            <c:ext xmlns:c16="http://schemas.microsoft.com/office/drawing/2014/chart" uri="{C3380CC4-5D6E-409C-BE32-E72D297353CC}">
+              <c16:uniqueId val="{00000001-8AC3-4D92-91D3-1CD46963E97D}"/>
+            </c:ext>
+          </c:extLst>
+        </c:ser>
+        <c:ser>
+          <c:idx val="2"/>
+          <c:order val="2"/>
+          <c:tx>
+            <c:strRef>
+              <c:f>Sheet1!$D$1</c:f>
+              <c:strCache>
+                <c:ptCount val="1"/>
+                <c:pt idx="0">
+                  <c:v>계열 3</c:v>
+                </c:pt>
+              </c:strCache>
+            </c:strRef>
+          </c:tx>
+          <c:spPr>
+            <a:ln w="28575" cap="rnd">
+              <a:solidFill>
+                <a:schemeClr val="accent3"/>
+              </a:solidFill>
+              <a:round/>
+            </a:ln>
+            <a:effectLst/>
+          </c:spPr>
+          <c:marker>
+            <c:symbol val="none"/>
+          </c:marker>
+          <c:cat>
+            <c:strRef>
+              <c:f>Sheet1!$A$2:$A$5</c:f>
+              <c:strCache>
+                <c:ptCount val="4"/>
+                <c:pt idx="0">
+                  <c:v>항목 1</c:v>
+                </c:pt>
+                <c:pt idx="1">
+                  <c:v>항목 2</c:v>
+                </c:pt>
+                <c:pt idx="2">
+                  <c:v>항목 3</c:v>
+                </c:pt>
+                <c:pt idx="3">
+                  <c:v>항목 4</c:v>
+                </c:pt>
+              </c:strCache>
+            </c:strRef>
+          </c:cat>
+          <c:val>
+            <c:numRef>
+              <c:f>Sheet1!$D$2:$D$5</c:f>
+              <c:numCache>
+                <c:formatCode>General</c:formatCode>
+                <c:ptCount val="4"/>
+                <c:pt idx="0">
+                  <c:v>2</c:v>
+                </c:pt>
+                <c:pt idx="1">
+                  <c:v>2</c:v>
+                </c:pt>
+                <c:pt idx="2">
+                  <c:v>3</c:v>
+                </c:pt>
+                <c:pt idx="3">
+                  <c:v>5</c:v>
+                </c:pt>
+              </c:numCache>
+            </c:numRef>
+          </c:val>
+          <c:smooth val="0"/>
+          <c:extLst>
+            <c:ext xmlns:c16="http://schemas.microsoft.com/office/drawing/2014/chart" uri="{C3380CC4-5D6E-409C-BE32-E72D297353CC}">
+              <c16:uniqueId val="{00000002-8AC3-4D92-91D3-1CD46963E97D}"/>
+            </c:ext>
+          </c:extLst>
+        </c:ser>
+        <c:dLbls>
+          <c:showLegendKey val="0"/>
+          <c:showVal val="0"/>
+          <c:showCatName val="0"/>
+          <c:showSerName val="0"/>
+          <c:showPercent val="0"/>
+          <c:showBubbleSize val="0"/>
+        </c:dLbls>
+        <c:smooth val="0"/>
+        <c:axId val="1242052544"/>
+        <c:axId val="1242047552"/>
+      </c:lineChart>
+      <c:catAx>
+        <c:axId val="1242052544"/>
+        <c:scaling>
+          <c:orientation val="minMax"/>
+        </c:scaling>
+        <c:delete val="0"/>
+        <c:axPos val="b"/>
+        <c:numFmt formatCode="General" sourceLinked="1"/>
+        <c:majorTickMark val="none"/>
+        <c:minorTickMark val="none"/>
+        <c:tickLblPos val="nextTo"/>
+        <c:spPr>
+          <a:noFill/>
+          <a:ln w="9525" cap="flat" cmpd="sng" algn="ctr">
+            <a:solidFill>
+              <a:schemeClr val="tx1">
+                <a:lumMod val="15000"/>
+                <a:lumOff val="85000"/>
+              </a:schemeClr>
+            </a:solidFill>
+            <a:round/>
+          </a:ln>
+          <a:effectLst/>
+        </c:spPr>
+        <c:txPr>
+          <a:bodyPr rot="-60000000" spcFirstLastPara="1" vertOverflow="ellipsis" vert="horz" wrap="square" anchor="ctr" anchorCtr="1"/>
+          <a:lstStyle/>
+          <a:p>
+            <a:pPr>
+              <a:defRPr sz="1197" b="0" i="0" u="none" strike="noStrike" kern="1200" baseline="0">
+                <a:solidFill>
+                  <a:schemeClr val="tx1">
+                    <a:lumMod val="65000"/>
+                    <a:lumOff val="35000"/>
+                  </a:schemeClr>
+                </a:solidFill>
+                <a:latin typeface="+mn-lt"/>
+                <a:ea typeface="+mn-ea"/>
+                <a:cs typeface="+mn-cs"/>
+              </a:defRPr>
+            </a:pPr>
+            <a:endParaRPr lang="ko-KR"/>
+          </a:p>
+        </c:txPr>
+        <c:crossAx val="1242047552"/>
+        <c:crosses val="autoZero"/>
+        <c:auto val="1"/>
+        <c:lblAlgn val="ctr"/>
+        <c:lblOffset val="100"/>
+        <c:noMultiLvlLbl val="0"/>
+      </c:catAx>
+      <c:valAx>
+        <c:axId val="1242047552"/>
+        <c:scaling>
+          <c:orientation val="minMax"/>
+        </c:scaling>
+        <c:delete val="0"/>
+        <c:axPos val="l"/>
+        <c:majorGridlines>
+          <c:spPr>
+            <a:ln w="9525" cap="flat" cmpd="sng" algn="ctr">
+              <a:solidFill>
+                <a:schemeClr val="tx1">
+                  <a:lumMod val="15000"/>
+                  <a:lumOff val="85000"/>
+                </a:schemeClr>
+              </a:solidFill>
+              <a:round/>
+            </a:ln>
+            <a:effectLst/>
+          </c:spPr>
+        </c:majorGridlines>
+        <c:numFmt formatCode="General" sourceLinked="1"/>
+        <c:majorTickMark val="none"/>
+        <c:minorTickMark val="none"/>
+        <c:tickLblPos val="nextTo"/>
+        <c:spPr>
+          <a:noFill/>
+          <a:ln>
+            <a:noFill/>
+          </a:ln>
+          <a:effectLst/>
+        </c:spPr>
+        <c:txPr>
+          <a:bodyPr rot="-60000000" spcFirstLastPara="1" vertOverflow="ellipsis" vert="horz" wrap="square" anchor="ctr" anchorCtr="1"/>
+          <a:lstStyle/>
+          <a:p>
+            <a:pPr>
+              <a:defRPr sz="1197" b="0" i="0" u="none" strike="noStrike" kern="1200" baseline="0">
+                <a:solidFill>
+                  <a:schemeClr val="tx1">
+                    <a:lumMod val="65000"/>
+                    <a:lumOff val="35000"/>
+                  </a:schemeClr>
+                </a:solidFill>
+                <a:latin typeface="+mn-lt"/>
+                <a:ea typeface="+mn-ea"/>
+                <a:cs typeface="+mn-cs"/>
+              </a:defRPr>
+            </a:pPr>
+            <a:endParaRPr lang="ko-KR"/>
+          </a:p>
+        </c:txPr>
+        <c:crossAx val="1242052544"/>
+        <c:crosses val="autoZero"/>
+        <c:crossBetween val="between"/>
+      </c:valAx>
+      <c:spPr>
+        <a:noFill/>
+        <a:ln>
+          <a:noFill/>
+        </a:ln>
+        <a:effectLst/>
+      </c:spPr>
+    </c:plotArea>
+    <c:legend>
+      <c:legendPos val="b"/>
+      <c:overlay val="0"/>
+      <c:spPr>
+        <a:noFill/>
+        <a:ln>
+          <a:noFill/>
+        </a:ln>
+        <a:effectLst/>
+      </c:spPr>
+      <c:txPr>
+        <a:bodyPr rot="0" spcFirstLastPara="1" vertOverflow="ellipsis" vert="horz" wrap="square" anchor="ctr" anchorCtr="1"/>
+        <a:lstStyle/>
+        <a:p>
+          <a:pPr>
+            <a:defRPr sz="1197" b="0" i="0" u="none" strike="noStrike" kern="1200" baseline="0">
+              <a:solidFill>
+                <a:schemeClr val="tx1">
+                  <a:lumMod val="65000"/>
+                  <a:lumOff val="35000"/>
+                </a:schemeClr>
+              </a:solidFill>
+              <a:latin typeface="+mn-lt"/>
+              <a:ea typeface="+mn-ea"/>
+              <a:cs typeface="+mn-cs"/>
+            </a:defRPr>
+          </a:pPr>
+          <a:endParaRPr lang="ko-KR"/>
+        </a:p>
+      </c:txPr>
+    </c:legend>
+    <c:plotVisOnly val="1"/>
+    <c:dispBlanksAs val="gap"/>
+    <c:extLst>
+      <c:ext xmlns:c16r3="http://schemas.microsoft.com/office/drawing/2017/03/chart" uri="{56B9EC1D-385E-4148-901F-78D8002777C0}">
+        <c16r3:dataDisplayOptions16>
+          <c16r3:dispNaAsBlank val="1"/>
+        </c16r3:dataDisplayOptions16>
+      </c:ext>
+    </c:extLst>
+    <c:showDLblsOverMax val="0"/>
+  </c:chart>
+  <c:spPr>
+    <a:noFill/>
+    <a:ln>
+      <a:noFill/>
+    </a:ln>
+    <a:effectLst/>
+  </c:spPr>
+  <c:txPr>
+    <a:bodyPr/>
+    <a:lstStyle/>
+    <a:p>
+      <a:pPr>
+        <a:defRPr/>
+      </a:pPr>
+      <a:endParaRPr lang="ko-KR"/>
+    </a:p>
+  </c:txPr>
+  <c:externalData r:id="rId3">
+    <c:autoUpdate val="0"/>
+  </c:externalData>
+</c:chartSpace>
+</file>
+
+<file path=ppt/charts/colors1.xml><?xml version="1.0" encoding="utf-8"?>
+<cs:colorStyle xmlns:cs="http://schemas.microsoft.com/office/drawing/2012/chartStyle" xmlns:a="http://schemas.openxmlformats.org/drawingml/2006/main" meth="cycle" id="10">
+  <a:schemeClr val="accent1"/>
+  <a:schemeClr val="accent2"/>
+  <a:schemeClr val="accent3"/>
+  <a:schemeClr val="accent4"/>
+  <a:schemeClr val="accent5"/>
+  <a:schemeClr val="accent6"/>
+  <cs:variation/>
+  <cs:variation>
+    <a:lumMod val="60000"/>
+  </cs:variation>
+  <cs:variation>
+    <a:lumMod val="80000"/>
+    <a:lumOff val="20000"/>
+  </cs:variation>
+  <cs:variation>
+    <a:lumMod val="80000"/>
+  </cs:variation>
+  <cs:variation>
+    <a:lumMod val="60000"/>
+    <a:lumOff val="40000"/>
+  </cs:variation>
+  <cs:variation>
+    <a:lumMod val="50000"/>
+  </cs:variation>
+  <cs:variation>
+    <a:lumMod val="70000"/>
+    <a:lumOff val="30000"/>
+  </cs:variation>
+  <cs:variation>
+    <a:lumMod val="70000"/>
+  </cs:variation>
+  <cs:variation>
+    <a:lumMod val="50000"/>
+    <a:lumOff val="50000"/>
+  </cs:variation>
+</cs:colorStyle>
+</file>
+
+<file path=ppt/charts/colors2.xml><?xml version="1.0" encoding="utf-8"?>
+<cs:colorStyle xmlns:cs="http://schemas.microsoft.com/office/drawing/2012/chartStyle" xmlns:a="http://schemas.openxmlformats.org/drawingml/2006/main" meth="cycle" id="10">
+  <a:schemeClr val="accent1"/>
+  <a:schemeClr val="accent2"/>
+  <a:schemeClr val="accent3"/>
+  <a:schemeClr val="accent4"/>
+  <a:schemeClr val="accent5"/>
+  <a:schemeClr val="accent6"/>
+  <cs:variation/>
+  <cs:variation>
+    <a:lumMod val="60000"/>
+  </cs:variation>
+  <cs:variation>
+    <a:lumMod val="80000"/>
+    <a:lumOff val="20000"/>
+  </cs:variation>
+  <cs:variation>
+    <a:lumMod val="80000"/>
+  </cs:variation>
+  <cs:variation>
+    <a:lumMod val="60000"/>
+    <a:lumOff val="40000"/>
+  </cs:variation>
+  <cs:variation>
+    <a:lumMod val="50000"/>
+  </cs:variation>
+  <cs:variation>
+    <a:lumMod val="70000"/>
+    <a:lumOff val="30000"/>
+  </cs:variation>
+  <cs:variation>
+    <a:lumMod val="70000"/>
+  </cs:variation>
+  <cs:variation>
+    <a:lumMod val="50000"/>
+    <a:lumOff val="50000"/>
+  </cs:variation>
+</cs:colorStyle>
+</file>
+
+<file path=ppt/charts/colors3.xml><?xml version="1.0" encoding="utf-8"?>
+<cs:colorStyle xmlns:cs="http://schemas.microsoft.com/office/drawing/2012/chartStyle" xmlns:a="http://schemas.openxmlformats.org/drawingml/2006/main" meth="cycle" id="10">
+  <a:schemeClr val="accent1"/>
+  <a:schemeClr val="accent2"/>
+  <a:schemeClr val="accent3"/>
+  <a:schemeClr val="accent4"/>
+  <a:schemeClr val="accent5"/>
+  <a:schemeClr val="accent6"/>
+  <cs:variation/>
+  <cs:variation>
+    <a:lumMod val="60000"/>
+  </cs:variation>
+  <cs:variation>
+    <a:lumMod val="80000"/>
+    <a:lumOff val="20000"/>
+  </cs:variation>
+  <cs:variation>
+    <a:lumMod val="80000"/>
+  </cs:variation>
+  <cs:variation>
+    <a:lumMod val="60000"/>
+    <a:lumOff val="40000"/>
+  </cs:variation>
+  <cs:variation>
+    <a:lumMod val="50000"/>
+  </cs:variation>
+  <cs:variation>
+    <a:lumMod val="70000"/>
+    <a:lumOff val="30000"/>
+  </cs:variation>
+  <cs:variation>
+    <a:lumMod val="70000"/>
+  </cs:variation>
+  <cs:variation>
+    <a:lumMod val="50000"/>
+    <a:lumOff val="50000"/>
+  </cs:variation>
+</cs:colorStyle>
+</file>
+
+<file path=ppt/charts/colors4.xml><?xml version="1.0" encoding="utf-8"?>
+<cs:colorStyle xmlns:cs="http://schemas.microsoft.com/office/drawing/2012/chartStyle" xmlns:a="http://schemas.openxmlformats.org/drawingml/2006/main" meth="cycle" id="10">
+  <a:schemeClr val="accent1"/>
+  <a:schemeClr val="accent2"/>
+  <a:schemeClr val="accent3"/>
+  <a:schemeClr val="accent4"/>
+  <a:schemeClr val="accent5"/>
+  <a:schemeClr val="accent6"/>
+  <cs:variation/>
+  <cs:variation>
+    <a:lumMod val="60000"/>
+  </cs:variation>
+  <cs:variation>
+    <a:lumMod val="80000"/>
+    <a:lumOff val="20000"/>
+  </cs:variation>
+  <cs:variation>
+    <a:lumMod val="80000"/>
+  </cs:variation>
+  <cs:variation>
+    <a:lumMod val="60000"/>
+    <a:lumOff val="40000"/>
+  </cs:variation>
+  <cs:variation>
+    <a:lumMod val="50000"/>
+  </cs:variation>
+  <cs:variation>
+    <a:lumMod val="70000"/>
+    <a:lumOff val="30000"/>
+  </cs:variation>
+  <cs:variation>
+    <a:lumMod val="70000"/>
+  </cs:variation>
+  <cs:variation>
+    <a:lumMod val="50000"/>
+    <a:lumOff val="50000"/>
+  </cs:variation>
+</cs:colorStyle>
+</file>
+
+<file path=ppt/charts/style1.xml><?xml version="1.0" encoding="utf-8"?>
+<cs:chartStyle xmlns:cs="http://schemas.microsoft.com/office/drawing/2012/chartStyle" xmlns:a="http://schemas.openxmlformats.org/drawingml/2006/main" id="227">
+  <cs:axisTitle>
+    <cs:lnRef idx="0"/>
+    <cs:fillRef idx="0"/>
+    <cs:effectRef idx="0"/>
+    <cs:fontRef idx="minor">
+      <a:schemeClr val="tx1">
+        <a:lumMod val="65000"/>
+        <a:lumOff val="35000"/>
+      </a:schemeClr>
+    </cs:fontRef>
+    <cs:defRPr sz="1330" kern="1200"/>
+  </cs:axisTitle>
+  <cs:categoryAxis>
+    <cs:lnRef idx="0"/>
+    <cs:fillRef idx="0"/>
+    <cs:effectRef idx="0"/>
+    <cs:fontRef idx="minor">
+      <a:schemeClr val="tx1">
+        <a:lumMod val="65000"/>
+        <a:lumOff val="35000"/>
+      </a:schemeClr>
+    </cs:fontRef>
+    <cs:spPr>
+      <a:ln w="9525" cap="flat" cmpd="sng" algn="ctr">
+        <a:solidFill>
+          <a:schemeClr val="tx1">
+            <a:lumMod val="15000"/>
+            <a:lumOff val="85000"/>
+          </a:schemeClr>
+        </a:solidFill>
+        <a:round/>
+      </a:ln>
+    </cs:spPr>
+    <cs:defRPr sz="1197" kern="1200"/>
+  </cs:categoryAxis>
+  <cs:chartArea mods="allowNoFillOverride allowNoLineOverride">
+    <cs:lnRef idx="0"/>
+    <cs:fillRef idx="0"/>
+    <cs:effectRef idx="0"/>
+    <cs:fontRef idx="minor">
+      <a:schemeClr val="tx1"/>
+    </cs:fontRef>
+    <cs:spPr>
+      <a:solidFill>
+        <a:schemeClr val="bg1"/>
+      </a:solidFill>
+      <a:ln w="9525" cap="flat" cmpd="sng" algn="ctr">
+        <a:solidFill>
+          <a:schemeClr val="tx1">
+            <a:lumMod val="15000"/>
+            <a:lumOff val="85000"/>
+          </a:schemeClr>
+        </a:solidFill>
+        <a:round/>
+      </a:ln>
+    </cs:spPr>
+    <cs:defRPr sz="1330" kern="1200"/>
+  </cs:chartArea>
+  <cs:dataLabel>
+    <cs:lnRef idx="0"/>
+    <cs:fillRef idx="0"/>
+    <cs:effectRef idx="0"/>
+    <cs:fontRef idx="minor">
+      <a:schemeClr val="tx1">
+        <a:lumMod val="75000"/>
+        <a:lumOff val="25000"/>
+      </a:schemeClr>
+    </cs:fontRef>
+    <cs:defRPr sz="1197" kern="1200"/>
+  </cs:dataLabel>
+  <cs:dataLabelCallout>
+    <cs:lnRef idx="0"/>
+    <cs:fillRef idx="0"/>
+    <cs:effectRef idx="0"/>
+    <cs:fontRef idx="minor">
+      <a:schemeClr val="dk1">
+        <a:lumMod val="65000"/>
+        <a:lumOff val="35000"/>
+      </a:schemeClr>
+    </cs:fontRef>
+    <cs:spPr>
+      <a:solidFill>
+        <a:schemeClr val="lt1"/>
+      </a:solidFill>
+      <a:ln>
+        <a:solidFill>
+          <a:schemeClr val="dk1">
+            <a:lumMod val="25000"/>
+            <a:lumOff val="75000"/>
+          </a:schemeClr>
+        </a:solidFill>
+      </a:ln>
+    </cs:spPr>
+    <cs:defRPr sz="1197" kern="1200"/>
+    <cs:bodyPr rot="0" spcFirstLastPara="1" vertOverflow="clip" horzOverflow="clip" vert="horz" wrap="square" lIns="36576" tIns="18288" rIns="36576" bIns="18288" anchor="ctr" anchorCtr="1">
+      <a:spAutoFit/>
+    </cs:bodyPr>
+  </cs:dataLabelCallout>
+  <cs:dataPoint>
+    <cs:lnRef idx="0"/>
+    <cs:fillRef idx="1">
+      <cs:styleClr val="auto"/>
+    </cs:fillRef>
+    <cs:effectRef idx="0"/>
+    <cs:fontRef idx="minor">
+      <a:schemeClr val="tx1"/>
+    </cs:fontRef>
+    <cs:spPr>
+      <a:solidFill>
+        <a:schemeClr val="phClr"/>
+      </a:solidFill>
+    </cs:spPr>
+  </cs:dataPoint>
+  <cs:dataPoint3D>
+    <cs:lnRef idx="0"/>
+    <cs:fillRef idx="1">
+      <cs:styleClr val="auto"/>
+    </cs:fillRef>
+    <cs:effectRef idx="0"/>
+    <cs:fontRef idx="minor">
+      <a:schemeClr val="tx1"/>
+    </cs:fontRef>
+    <cs:spPr>
+      <a:solidFill>
+        <a:schemeClr val="phClr"/>
+      </a:solidFill>
+    </cs:spPr>
+  </cs:dataPoint3D>
+  <cs:dataPointLine>
+    <cs:lnRef idx="0">
+      <cs:styleClr val="auto"/>
+    </cs:lnRef>
+    <cs:fillRef idx="1"/>
+    <cs:effectRef idx="0"/>
+    <cs:fontRef idx="minor">
+      <a:schemeClr val="tx1"/>
+    </cs:fontRef>
+    <cs:spPr>
+      <a:ln w="28575" cap="rnd">
+        <a:solidFill>
+          <a:schemeClr val="phClr"/>
+        </a:solidFill>
+        <a:round/>
+      </a:ln>
+    </cs:spPr>
+  </cs:dataPointLine>
+  <cs:dataPointMarker>
+    <cs:lnRef idx="0">
+      <cs:styleClr val="auto"/>
+    </cs:lnRef>
+    <cs:fillRef idx="1">
+      <cs:styleClr val="auto"/>
+    </cs:fillRef>
+    <cs:effectRef idx="0"/>
+    <cs:fontRef idx="minor">
+      <a:schemeClr val="tx1"/>
+    </cs:fontRef>
+    <cs:spPr>
+      <a:solidFill>
+        <a:schemeClr val="phClr"/>
+      </a:solidFill>
+      <a:ln w="9525">
+        <a:solidFill>
+          <a:schemeClr val="phClr"/>
+        </a:solidFill>
+      </a:ln>
+    </cs:spPr>
+  </cs:dataPointMarker>
+  <cs:dataPointMarkerLayout symbol="circle" size="5"/>
+  <cs:dataPointWireframe>
+    <cs:lnRef idx="0">
+      <cs:styleClr val="auto"/>
+    </cs:lnRef>
+    <cs:fillRef idx="1"/>
+    <cs:effectRef idx="0"/>
+    <cs:fontRef idx="minor">
+      <a:schemeClr val="tx1"/>
+    </cs:fontRef>
+    <cs:spPr>
+      <a:ln w="9525" cap="rnd">
+        <a:solidFill>
+          <a:schemeClr val="phClr"/>
+        </a:solidFill>
+        <a:round/>
+      </a:ln>
+    </cs:spPr>
+  </cs:dataPointWireframe>
+  <cs:dataTable>
+    <cs:lnRef idx="0"/>
+    <cs:fillRef idx="0"/>
+    <cs:effectRef idx="0"/>
+    <cs:fontRef idx="minor">
+      <a:schemeClr val="tx1">
+        <a:lumMod val="65000"/>
+        <a:lumOff val="35000"/>
+      </a:schemeClr>
+    </cs:fontRef>
+    <cs:spPr>
+      <a:noFill/>
+      <a:ln w="9525" cap="flat" cmpd="sng" algn="ctr">
+        <a:solidFill>
+          <a:schemeClr val="tx1">
+            <a:lumMod val="15000"/>
+            <a:lumOff val="85000"/>
+          </a:schemeClr>
+        </a:solidFill>
+        <a:round/>
+      </a:ln>
+    </cs:spPr>
+    <cs:defRPr sz="1197" kern="1200"/>
+  </cs:dataTable>
+  <cs:downBar>
+    <cs:lnRef idx="0"/>
+    <cs:fillRef idx="0"/>
+    <cs:effectRef idx="0"/>
+    <cs:fontRef idx="minor">
+      <a:schemeClr val="dk1"/>
+    </cs:fontRef>
+    <cs:spPr>
+      <a:solidFill>
+        <a:schemeClr val="dk1">
+          <a:lumMod val="65000"/>
+          <a:lumOff val="35000"/>
+        </a:schemeClr>
+      </a:solidFill>
+      <a:ln w="9525">
+        <a:solidFill>
+          <a:schemeClr val="tx1">
+            <a:lumMod val="65000"/>
+            <a:lumOff val="35000"/>
+          </a:schemeClr>
+        </a:solidFill>
+      </a:ln>
+    </cs:spPr>
+  </cs:downBar>
+  <cs:dropLine>
+    <cs:lnRef idx="0"/>
+    <cs:fillRef idx="0"/>
+    <cs:effectRef idx="0"/>
+    <cs:fontRef idx="minor">
+      <a:schemeClr val="tx1"/>
+    </cs:fontRef>
+    <cs:spPr>
+      <a:ln w="9525" cap="flat" cmpd="sng" algn="ctr">
+        <a:solidFill>
+          <a:schemeClr val="tx1">
+            <a:lumMod val="35000"/>
+            <a:lumOff val="65000"/>
+          </a:schemeClr>
+        </a:solidFill>
+        <a:round/>
+      </a:ln>
+    </cs:spPr>
+  </cs:dropLine>
+  <cs:errorBar>
+    <cs:lnRef idx="0"/>
+    <cs:fillRef idx="0"/>
+    <cs:effectRef idx="0"/>
+    <cs:fontRef idx="minor">
+      <a:schemeClr val="tx1"/>
+    </cs:fontRef>
+    <cs:spPr>
+      <a:ln w="9525" cap="flat" cmpd="sng" algn="ctr">
+        <a:solidFill>
+          <a:schemeClr val="tx1">
+            <a:lumMod val="65000"/>
+            <a:lumOff val="35000"/>
+          </a:schemeClr>
+        </a:solidFill>
+        <a:round/>
+      </a:ln>
+    </cs:spPr>
+  </cs:errorBar>
+  <cs:floor>
+    <cs:lnRef idx="0"/>
+    <cs:fillRef idx="0"/>
+    <cs:effectRef idx="0"/>
+    <cs:fontRef idx="minor">
+      <a:schemeClr val="tx1"/>
+    </cs:fontRef>
+    <cs:spPr>
+      <a:noFill/>
+      <a:ln>
+        <a:noFill/>
+      </a:ln>
+    </cs:spPr>
+  </cs:floor>
+  <cs:gridlineMajor>
+    <cs:lnRef idx="0"/>
+    <cs:fillRef idx="0"/>
+    <cs:effectRef idx="0"/>
+    <cs:fontRef idx="minor">
+      <a:schemeClr val="tx1"/>
+    </cs:fontRef>
+    <cs:spPr>
+      <a:ln w="9525" cap="flat" cmpd="sng" algn="ctr">
+        <a:solidFill>
+          <a:schemeClr val="tx1">
+            <a:lumMod val="15000"/>
+            <a:lumOff val="85000"/>
+          </a:schemeClr>
+        </a:solidFill>
+        <a:round/>
+      </a:ln>
+    </cs:spPr>
+  </cs:gridlineMajor>
+  <cs:gridlineMinor>
+    <cs:lnRef idx="0"/>
+    <cs:fillRef idx="0"/>
+    <cs:effectRef idx="0"/>
+    <cs:fontRef idx="minor">
+      <a:schemeClr val="tx1"/>
+    </cs:fontRef>
+    <cs:spPr>
+      <a:ln w="9525" cap="flat" cmpd="sng" algn="ctr">
+        <a:solidFill>
+          <a:schemeClr val="tx1">
+            <a:lumMod val="5000"/>
+            <a:lumOff val="95000"/>
+          </a:schemeClr>
+        </a:solidFill>
+        <a:round/>
+      </a:ln>
+    </cs:spPr>
+  </cs:gridlineMinor>
+  <cs:hiLoLine>
+    <cs:lnRef idx="0"/>
+    <cs:fillRef idx="0"/>
+    <cs:effectRef idx="0"/>
+    <cs:fontRef idx="minor">
+      <a:schemeClr val="tx1"/>
+    </cs:fontRef>
+    <cs:spPr>
+      <a:ln w="9525" cap="flat" cmpd="sng" algn="ctr">
+        <a:solidFill>
+          <a:schemeClr val="tx1">
+            <a:lumMod val="75000"/>
+            <a:lumOff val="25000"/>
+          </a:schemeClr>
+        </a:solidFill>
+        <a:round/>
+      </a:ln>
+    </cs:spPr>
+  </cs:hiLoLine>
+  <cs:leaderLine>
+    <cs:lnRef idx="0"/>
+    <cs:fillRef idx="0"/>
+    <cs:effectRef idx="0"/>
+    <cs:fontRef idx="minor">
+      <a:schemeClr val="tx1"/>
+    </cs:fontRef>
+    <cs:spPr>
+      <a:ln w="9525" cap="flat" cmpd="sng" algn="ctr">
+        <a:solidFill>
+          <a:schemeClr val="tx1">
+            <a:lumMod val="35000"/>
+            <a:lumOff val="65000"/>
+          </a:schemeClr>
+        </a:solidFill>
+        <a:round/>
+      </a:ln>
+    </cs:spPr>
+  </cs:leaderLine>
+  <cs:legend>
+    <cs:lnRef idx="0"/>
+    <cs:fillRef idx="0"/>
+    <cs:effectRef idx="0"/>
+    <cs:fontRef idx="minor">
+      <a:schemeClr val="tx1">
+        <a:lumMod val="65000"/>
+        <a:lumOff val="35000"/>
+      </a:schemeClr>
+    </cs:fontRef>
+    <cs:defRPr sz="1197" kern="1200"/>
+  </cs:legend>
+  <cs:plotArea mods="allowNoFillOverride allowNoLineOverride">
+    <cs:lnRef idx="0"/>
+    <cs:fillRef idx="0"/>
+    <cs:effectRef idx="0"/>
+    <cs:fontRef idx="minor">
+      <a:schemeClr val="tx1"/>
+    </cs:fontRef>
+  </cs:plotArea>
+  <cs:plotArea3D mods="allowNoFillOverride allowNoLineOverride">
+    <cs:lnRef idx="0"/>
+    <cs:fillRef idx="0"/>
+    <cs:effectRef idx="0"/>
+    <cs:fontRef idx="minor">
+      <a:schemeClr val="tx1"/>
+    </cs:fontRef>
+  </cs:plotArea3D>
+  <cs:seriesAxis>
+    <cs:lnRef idx="0"/>
+    <cs:fillRef idx="0"/>
+    <cs:effectRef idx="0"/>
+    <cs:fontRef idx="minor">
+      <a:schemeClr val="tx1">
+        <a:lumMod val="65000"/>
+        <a:lumOff val="35000"/>
+      </a:schemeClr>
+    </cs:fontRef>
+    <cs:defRPr sz="1197" kern="1200"/>
+  </cs:seriesAxis>
+  <cs:seriesLine>
+    <cs:lnRef idx="0"/>
+    <cs:fillRef idx="0"/>
+    <cs:effectRef idx="0"/>
+    <cs:fontRef idx="minor">
+      <a:schemeClr val="tx1"/>
+    </cs:fontRef>
+    <cs:spPr>
+      <a:ln w="9525" cap="flat" cmpd="sng" algn="ctr">
+        <a:solidFill>
+          <a:schemeClr val="tx1">
+            <a:lumMod val="35000"/>
+            <a:lumOff val="65000"/>
+          </a:schemeClr>
+        </a:solidFill>
+        <a:round/>
+      </a:ln>
+    </cs:spPr>
+  </cs:seriesLine>
+  <cs:title>
+    <cs:lnRef idx="0"/>
+    <cs:fillRef idx="0"/>
+    <cs:effectRef idx="0"/>
+    <cs:fontRef idx="minor">
+      <a:schemeClr val="tx1">
+        <a:lumMod val="65000"/>
+        <a:lumOff val="35000"/>
+      </a:schemeClr>
+    </cs:fontRef>
+    <cs:defRPr sz="1862" b="0" kern="1200" spc="0" baseline="0"/>
+  </cs:title>
+  <cs:trendline>
+    <cs:lnRef idx="0">
+      <cs:styleClr val="auto"/>
+    </cs:lnRef>
+    <cs:fillRef idx="0"/>
+    <cs:effectRef idx="0"/>
+    <cs:fontRef idx="minor">
+      <a:schemeClr val="tx1"/>
+    </cs:fontRef>
+    <cs:spPr>
+      <a:ln w="19050" cap="rnd">
+        <a:solidFill>
+          <a:schemeClr val="phClr"/>
+        </a:solidFill>
+        <a:prstDash val="sysDot"/>
+      </a:ln>
+    </cs:spPr>
+  </cs:trendline>
+  <cs:trendlineLabel>
+    <cs:lnRef idx="0"/>
+    <cs:fillRef idx="0"/>
+    <cs:effectRef idx="0"/>
+    <cs:fontRef idx="minor">
+      <a:schemeClr val="tx1">
+        <a:lumMod val="65000"/>
+        <a:lumOff val="35000"/>
+      </a:schemeClr>
+    </cs:fontRef>
+    <cs:defRPr sz="1197" kern="1200"/>
+  </cs:trendlineLabel>
+  <cs:upBar>
+    <cs:lnRef idx="0"/>
+    <cs:fillRef idx="0"/>
+    <cs:effectRef idx="0"/>
+    <cs:fontRef idx="minor">
+      <a:schemeClr val="dk1"/>
+    </cs:fontRef>
+    <cs:spPr>
+      <a:solidFill>
+        <a:schemeClr val="lt1"/>
+      </a:solidFill>
+      <a:ln w="9525">
+        <a:solidFill>
+          <a:schemeClr val="tx1">
+            <a:lumMod val="15000"/>
+            <a:lumOff val="85000"/>
+          </a:schemeClr>
+        </a:solidFill>
+      </a:ln>
+    </cs:spPr>
+  </cs:upBar>
+  <cs:valueAxis>
+    <cs:lnRef idx="0"/>
+    <cs:fillRef idx="0"/>
+    <cs:effectRef idx="0"/>
+    <cs:fontRef idx="minor">
+      <a:schemeClr val="tx1">
+        <a:lumMod val="65000"/>
+        <a:lumOff val="35000"/>
+      </a:schemeClr>
+    </cs:fontRef>
+    <cs:defRPr sz="1197" kern="1200"/>
+  </cs:valueAxis>
+  <cs:wall>
+    <cs:lnRef idx="0"/>
+    <cs:fillRef idx="0"/>
+    <cs:effectRef idx="0"/>
+    <cs:fontRef idx="minor">
+      <a:schemeClr val="tx1"/>
+    </cs:fontRef>
+    <cs:spPr>
+      <a:noFill/>
+      <a:ln>
+        <a:noFill/>
+      </a:ln>
+    </cs:spPr>
+  </cs:wall>
+</cs:chartStyle>
+</file>
+
+<file path=ppt/charts/style2.xml><?xml version="1.0" encoding="utf-8"?>
+<cs:chartStyle xmlns:cs="http://schemas.microsoft.com/office/drawing/2012/chartStyle" xmlns:a="http://schemas.openxmlformats.org/drawingml/2006/main" id="227">
+  <cs:axisTitle>
+    <cs:lnRef idx="0"/>
+    <cs:fillRef idx="0"/>
+    <cs:effectRef idx="0"/>
+    <cs:fontRef idx="minor">
+      <a:schemeClr val="tx1">
+        <a:lumMod val="65000"/>
+        <a:lumOff val="35000"/>
+      </a:schemeClr>
+    </cs:fontRef>
+    <cs:defRPr sz="1330" kern="1200"/>
+  </cs:axisTitle>
+  <cs:categoryAxis>
+    <cs:lnRef idx="0"/>
+    <cs:fillRef idx="0"/>
+    <cs:effectRef idx="0"/>
+    <cs:fontRef idx="minor">
+      <a:schemeClr val="tx1">
+        <a:lumMod val="65000"/>
+        <a:lumOff val="35000"/>
+      </a:schemeClr>
+    </cs:fontRef>
+    <cs:spPr>
+      <a:ln w="9525" cap="flat" cmpd="sng" algn="ctr">
+        <a:solidFill>
+          <a:schemeClr val="tx1">
+            <a:lumMod val="15000"/>
+            <a:lumOff val="85000"/>
+          </a:schemeClr>
+        </a:solidFill>
+        <a:round/>
+      </a:ln>
+    </cs:spPr>
+    <cs:defRPr sz="1197" kern="1200"/>
+  </cs:categoryAxis>
+  <cs:chartArea mods="allowNoFillOverride allowNoLineOverride">
+    <cs:lnRef idx="0"/>
+    <cs:fillRef idx="0"/>
+    <cs:effectRef idx="0"/>
+    <cs:fontRef idx="minor">
+      <a:schemeClr val="tx1"/>
+    </cs:fontRef>
+    <cs:spPr>
+      <a:solidFill>
+        <a:schemeClr val="bg1"/>
+      </a:solidFill>
+      <a:ln w="9525" cap="flat" cmpd="sng" algn="ctr">
+        <a:solidFill>
+          <a:schemeClr val="tx1">
+            <a:lumMod val="15000"/>
+            <a:lumOff val="85000"/>
+          </a:schemeClr>
+        </a:solidFill>
+        <a:round/>
+      </a:ln>
+    </cs:spPr>
+    <cs:defRPr sz="1330" kern="1200"/>
+  </cs:chartArea>
+  <cs:dataLabel>
+    <cs:lnRef idx="0"/>
+    <cs:fillRef idx="0"/>
+    <cs:effectRef idx="0"/>
+    <cs:fontRef idx="minor">
+      <a:schemeClr val="tx1">
+        <a:lumMod val="75000"/>
+        <a:lumOff val="25000"/>
+      </a:schemeClr>
+    </cs:fontRef>
+    <cs:defRPr sz="1197" kern="1200"/>
+  </cs:dataLabel>
+  <cs:dataLabelCallout>
+    <cs:lnRef idx="0"/>
+    <cs:fillRef idx="0"/>
+    <cs:effectRef idx="0"/>
+    <cs:fontRef idx="minor">
+      <a:schemeClr val="dk1">
+        <a:lumMod val="65000"/>
+        <a:lumOff val="35000"/>
+      </a:schemeClr>
+    </cs:fontRef>
+    <cs:spPr>
+      <a:solidFill>
+        <a:schemeClr val="lt1"/>
+      </a:solidFill>
+      <a:ln>
+        <a:solidFill>
+          <a:schemeClr val="dk1">
+            <a:lumMod val="25000"/>
+            <a:lumOff val="75000"/>
+          </a:schemeClr>
+        </a:solidFill>
+      </a:ln>
+    </cs:spPr>
+    <cs:defRPr sz="1197" kern="1200"/>
+    <cs:bodyPr rot="0" spcFirstLastPara="1" vertOverflow="clip" horzOverflow="clip" vert="horz" wrap="square" lIns="36576" tIns="18288" rIns="36576" bIns="18288" anchor="ctr" anchorCtr="1">
+      <a:spAutoFit/>
+    </cs:bodyPr>
+  </cs:dataLabelCallout>
+  <cs:dataPoint>
+    <cs:lnRef idx="0"/>
+    <cs:fillRef idx="1">
+      <cs:styleClr val="auto"/>
+    </cs:fillRef>
+    <cs:effectRef idx="0"/>
+    <cs:fontRef idx="minor">
+      <a:schemeClr val="tx1"/>
+    </cs:fontRef>
+    <cs:spPr>
+      <a:solidFill>
+        <a:schemeClr val="phClr"/>
+      </a:solidFill>
+    </cs:spPr>
+  </cs:dataPoint>
+  <cs:dataPoint3D>
+    <cs:lnRef idx="0"/>
+    <cs:fillRef idx="1">
+      <cs:styleClr val="auto"/>
+    </cs:fillRef>
+    <cs:effectRef idx="0"/>
+    <cs:fontRef idx="minor">
+      <a:schemeClr val="tx1"/>
+    </cs:fontRef>
+    <cs:spPr>
+      <a:solidFill>
+        <a:schemeClr val="phClr"/>
+      </a:solidFill>
+    </cs:spPr>
+  </cs:dataPoint3D>
+  <cs:dataPointLine>
+    <cs:lnRef idx="0">
+      <cs:styleClr val="auto"/>
+    </cs:lnRef>
+    <cs:fillRef idx="1"/>
+    <cs:effectRef idx="0"/>
+    <cs:fontRef idx="minor">
+      <a:schemeClr val="tx1"/>
+    </cs:fontRef>
+    <cs:spPr>
+      <a:ln w="28575" cap="rnd">
+        <a:solidFill>
+          <a:schemeClr val="phClr"/>
+        </a:solidFill>
+        <a:round/>
+      </a:ln>
+    </cs:spPr>
+  </cs:dataPointLine>
+  <cs:dataPointMarker>
+    <cs:lnRef idx="0">
+      <cs:styleClr val="auto"/>
+    </cs:lnRef>
+    <cs:fillRef idx="1">
+      <cs:styleClr val="auto"/>
+    </cs:fillRef>
+    <cs:effectRef idx="0"/>
+    <cs:fontRef idx="minor">
+      <a:schemeClr val="tx1"/>
+    </cs:fontRef>
+    <cs:spPr>
+      <a:solidFill>
+        <a:schemeClr val="phClr"/>
+      </a:solidFill>
+      <a:ln w="9525">
+        <a:solidFill>
+          <a:schemeClr val="phClr"/>
+        </a:solidFill>
+      </a:ln>
+    </cs:spPr>
+  </cs:dataPointMarker>
+  <cs:dataPointMarkerLayout symbol="circle" size="5"/>
+  <cs:dataPointWireframe>
+    <cs:lnRef idx="0">
+      <cs:styleClr val="auto"/>
+    </cs:lnRef>
+    <cs:fillRef idx="1"/>
+    <cs:effectRef idx="0"/>
+    <cs:fontRef idx="minor">
+      <a:schemeClr val="tx1"/>
+    </cs:fontRef>
+    <cs:spPr>
+      <a:ln w="9525" cap="rnd">
+        <a:solidFill>
+          <a:schemeClr val="phClr"/>
+        </a:solidFill>
+        <a:round/>
+      </a:ln>
+    </cs:spPr>
+  </cs:dataPointWireframe>
+  <cs:dataTable>
+    <cs:lnRef idx="0"/>
+    <cs:fillRef idx="0"/>
+    <cs:effectRef idx="0"/>
+    <cs:fontRef idx="minor">
+      <a:schemeClr val="tx1">
+        <a:lumMod val="65000"/>
+        <a:lumOff val="35000"/>
+      </a:schemeClr>
+    </cs:fontRef>
+    <cs:spPr>
+      <a:noFill/>
+      <a:ln w="9525" cap="flat" cmpd="sng" algn="ctr">
+        <a:solidFill>
+          <a:schemeClr val="tx1">
+            <a:lumMod val="15000"/>
+            <a:lumOff val="85000"/>
+          </a:schemeClr>
+        </a:solidFill>
+        <a:round/>
+      </a:ln>
+    </cs:spPr>
+    <cs:defRPr sz="1197" kern="1200"/>
+  </cs:dataTable>
+  <cs:downBar>
+    <cs:lnRef idx="0"/>
+    <cs:fillRef idx="0"/>
+    <cs:effectRef idx="0"/>
+    <cs:fontRef idx="minor">
+      <a:schemeClr val="dk1"/>
+    </cs:fontRef>
+    <cs:spPr>
+      <a:solidFill>
+        <a:schemeClr val="dk1">
+          <a:lumMod val="65000"/>
+          <a:lumOff val="35000"/>
+        </a:schemeClr>
+      </a:solidFill>
+      <a:ln w="9525">
+        <a:solidFill>
+          <a:schemeClr val="tx1">
+            <a:lumMod val="65000"/>
+            <a:lumOff val="35000"/>
+          </a:schemeClr>
+        </a:solidFill>
+      </a:ln>
+    </cs:spPr>
+  </cs:downBar>
+  <cs:dropLine>
+    <cs:lnRef idx="0"/>
+    <cs:fillRef idx="0"/>
+    <cs:effectRef idx="0"/>
+    <cs:fontRef idx="minor">
+      <a:schemeClr val="tx1"/>
+    </cs:fontRef>
+    <cs:spPr>
+      <a:ln w="9525" cap="flat" cmpd="sng" algn="ctr">
+        <a:solidFill>
+          <a:schemeClr val="tx1">
+            <a:lumMod val="35000"/>
+            <a:lumOff val="65000"/>
+          </a:schemeClr>
+        </a:solidFill>
+        <a:round/>
+      </a:ln>
+    </cs:spPr>
+  </cs:dropLine>
+  <cs:errorBar>
+    <cs:lnRef idx="0"/>
+    <cs:fillRef idx="0"/>
+    <cs:effectRef idx="0"/>
+    <cs:fontRef idx="minor">
+      <a:schemeClr val="tx1"/>
+    </cs:fontRef>
+    <cs:spPr>
+      <a:ln w="9525" cap="flat" cmpd="sng" algn="ctr">
+        <a:solidFill>
+          <a:schemeClr val="tx1">
+            <a:lumMod val="65000"/>
+            <a:lumOff val="35000"/>
+          </a:schemeClr>
+        </a:solidFill>
+        <a:round/>
+      </a:ln>
+    </cs:spPr>
+  </cs:errorBar>
+  <cs:floor>
+    <cs:lnRef idx="0"/>
+    <cs:fillRef idx="0"/>
+    <cs:effectRef idx="0"/>
+    <cs:fontRef idx="minor">
+      <a:schemeClr val="tx1"/>
+    </cs:fontRef>
+    <cs:spPr>
+      <a:noFill/>
+      <a:ln>
+        <a:noFill/>
+      </a:ln>
+    </cs:spPr>
+  </cs:floor>
+  <cs:gridlineMajor>
+    <cs:lnRef idx="0"/>
+    <cs:fillRef idx="0"/>
+    <cs:effectRef idx="0"/>
+    <cs:fontRef idx="minor">
+      <a:schemeClr val="tx1"/>
+    </cs:fontRef>
+    <cs:spPr>
+      <a:ln w="9525" cap="flat" cmpd="sng" algn="ctr">
+        <a:solidFill>
+          <a:schemeClr val="tx1">
+            <a:lumMod val="15000"/>
+            <a:lumOff val="85000"/>
+          </a:schemeClr>
+        </a:solidFill>
+        <a:round/>
+      </a:ln>
+    </cs:spPr>
+  </cs:gridlineMajor>
+  <cs:gridlineMinor>
+    <cs:lnRef idx="0"/>
+    <cs:fillRef idx="0"/>
+    <cs:effectRef idx="0"/>
+    <cs:fontRef idx="minor">
+      <a:schemeClr val="tx1"/>
+    </cs:fontRef>
+    <cs:spPr>
+      <a:ln w="9525" cap="flat" cmpd="sng" algn="ctr">
+        <a:solidFill>
+          <a:schemeClr val="tx1">
+            <a:lumMod val="5000"/>
+            <a:lumOff val="95000"/>
+          </a:schemeClr>
+        </a:solidFill>
+        <a:round/>
+      </a:ln>
+    </cs:spPr>
+  </cs:gridlineMinor>
+  <cs:hiLoLine>
+    <cs:lnRef idx="0"/>
+    <cs:fillRef idx="0"/>
+    <cs:effectRef idx="0"/>
+    <cs:fontRef idx="minor">
+      <a:schemeClr val="tx1"/>
+    </cs:fontRef>
+    <cs:spPr>
+      <a:ln w="9525" cap="flat" cmpd="sng" algn="ctr">
+        <a:solidFill>
+          <a:schemeClr val="tx1">
+            <a:lumMod val="75000"/>
+            <a:lumOff val="25000"/>
+          </a:schemeClr>
+        </a:solidFill>
+        <a:round/>
+      </a:ln>
+    </cs:spPr>
+  </cs:hiLoLine>
+  <cs:leaderLine>
+    <cs:lnRef idx="0"/>
+    <cs:fillRef idx="0"/>
+    <cs:effectRef idx="0"/>
+    <cs:fontRef idx="minor">
+      <a:schemeClr val="tx1"/>
+    </cs:fontRef>
+    <cs:spPr>
+      <a:ln w="9525" cap="flat" cmpd="sng" algn="ctr">
+        <a:solidFill>
+          <a:schemeClr val="tx1">
+            <a:lumMod val="35000"/>
+            <a:lumOff val="65000"/>
+          </a:schemeClr>
+        </a:solidFill>
+        <a:round/>
+      </a:ln>
+    </cs:spPr>
+  </cs:leaderLine>
+  <cs:legend>
+    <cs:lnRef idx="0"/>
+    <cs:fillRef idx="0"/>
+    <cs:effectRef idx="0"/>
+    <cs:fontRef idx="minor">
+      <a:schemeClr val="tx1">
+        <a:lumMod val="65000"/>
+        <a:lumOff val="35000"/>
+      </a:schemeClr>
+    </cs:fontRef>
+    <cs:defRPr sz="1197" kern="1200"/>
+  </cs:legend>
+  <cs:plotArea mods="allowNoFillOverride allowNoLineOverride">
+    <cs:lnRef idx="0"/>
+    <cs:fillRef idx="0"/>
+    <cs:effectRef idx="0"/>
+    <cs:fontRef idx="minor">
+      <a:schemeClr val="tx1"/>
+    </cs:fontRef>
+  </cs:plotArea>
+  <cs:plotArea3D mods="allowNoFillOverride allowNoLineOverride">
+    <cs:lnRef idx="0"/>
+    <cs:fillRef idx="0"/>
+    <cs:effectRef idx="0"/>
+    <cs:fontRef idx="minor">
+      <a:schemeClr val="tx1"/>
+    </cs:fontRef>
+  </cs:plotArea3D>
+  <cs:seriesAxis>
+    <cs:lnRef idx="0"/>
+    <cs:fillRef idx="0"/>
+    <cs:effectRef idx="0"/>
+    <cs:fontRef idx="minor">
+      <a:schemeClr val="tx1">
+        <a:lumMod val="65000"/>
+        <a:lumOff val="35000"/>
+      </a:schemeClr>
+    </cs:fontRef>
+    <cs:defRPr sz="1197" kern="1200"/>
+  </cs:seriesAxis>
+  <cs:seriesLine>
+    <cs:lnRef idx="0"/>
+    <cs:fillRef idx="0"/>
+    <cs:effectRef idx="0"/>
+    <cs:fontRef idx="minor">
+      <a:schemeClr val="tx1"/>
+    </cs:fontRef>
+    <cs:spPr>
+      <a:ln w="9525" cap="flat" cmpd="sng" algn="ctr">
+        <a:solidFill>
+          <a:schemeClr val="tx1">
+            <a:lumMod val="35000"/>
+            <a:lumOff val="65000"/>
+          </a:schemeClr>
+        </a:solidFill>
+        <a:round/>
+      </a:ln>
+    </cs:spPr>
+  </cs:seriesLine>
+  <cs:title>
+    <cs:lnRef idx="0"/>
+    <cs:fillRef idx="0"/>
+    <cs:effectRef idx="0"/>
+    <cs:fontRef idx="minor">
+      <a:schemeClr val="tx1">
+        <a:lumMod val="65000"/>
+        <a:lumOff val="35000"/>
+      </a:schemeClr>
+    </cs:fontRef>
+    <cs:defRPr sz="1862" b="0" kern="1200" spc="0" baseline="0"/>
+  </cs:title>
+  <cs:trendline>
+    <cs:lnRef idx="0">
+      <cs:styleClr val="auto"/>
+    </cs:lnRef>
+    <cs:fillRef idx="0"/>
+    <cs:effectRef idx="0"/>
+    <cs:fontRef idx="minor">
+      <a:schemeClr val="tx1"/>
+    </cs:fontRef>
+    <cs:spPr>
+      <a:ln w="19050" cap="rnd">
+        <a:solidFill>
+          <a:schemeClr val="phClr"/>
+        </a:solidFill>
+        <a:prstDash val="sysDot"/>
+      </a:ln>
+    </cs:spPr>
+  </cs:trendline>
+  <cs:trendlineLabel>
+    <cs:lnRef idx="0"/>
+    <cs:fillRef idx="0"/>
+    <cs:effectRef idx="0"/>
+    <cs:fontRef idx="minor">
+      <a:schemeClr val="tx1">
+        <a:lumMod val="65000"/>
+        <a:lumOff val="35000"/>
+      </a:schemeClr>
+    </cs:fontRef>
+    <cs:defRPr sz="1197" kern="1200"/>
+  </cs:trendlineLabel>
+  <cs:upBar>
+    <cs:lnRef idx="0"/>
+    <cs:fillRef idx="0"/>
+    <cs:effectRef idx="0"/>
+    <cs:fontRef idx="minor">
+      <a:schemeClr val="dk1"/>
+    </cs:fontRef>
+    <cs:spPr>
+      <a:solidFill>
+        <a:schemeClr val="lt1"/>
+      </a:solidFill>
+      <a:ln w="9525">
+        <a:solidFill>
+          <a:schemeClr val="tx1">
+            <a:lumMod val="15000"/>
+            <a:lumOff val="85000"/>
+          </a:schemeClr>
+        </a:solidFill>
+      </a:ln>
+    </cs:spPr>
+  </cs:upBar>
+  <cs:valueAxis>
+    <cs:lnRef idx="0"/>
+    <cs:fillRef idx="0"/>
+    <cs:effectRef idx="0"/>
+    <cs:fontRef idx="minor">
+      <a:schemeClr val="tx1">
+        <a:lumMod val="65000"/>
+        <a:lumOff val="35000"/>
+      </a:schemeClr>
+    </cs:fontRef>
+    <cs:defRPr sz="1197" kern="1200"/>
+  </cs:valueAxis>
+  <cs:wall>
+    <cs:lnRef idx="0"/>
+    <cs:fillRef idx="0"/>
+    <cs:effectRef idx="0"/>
+    <cs:fontRef idx="minor">
+      <a:schemeClr val="tx1"/>
+    </cs:fontRef>
+    <cs:spPr>
+      <a:noFill/>
+      <a:ln>
+        <a:noFill/>
+      </a:ln>
+    </cs:spPr>
+  </cs:wall>
+</cs:chartStyle>
+</file>
+
+<file path=ppt/charts/style3.xml><?xml version="1.0" encoding="utf-8"?>
+<cs:chartStyle xmlns:cs="http://schemas.microsoft.com/office/drawing/2012/chartStyle" xmlns:a="http://schemas.openxmlformats.org/drawingml/2006/main" id="227">
+  <cs:axisTitle>
+    <cs:lnRef idx="0"/>
+    <cs:fillRef idx="0"/>
+    <cs:effectRef idx="0"/>
+    <cs:fontRef idx="minor">
+      <a:schemeClr val="tx1">
+        <a:lumMod val="65000"/>
+        <a:lumOff val="35000"/>
+      </a:schemeClr>
+    </cs:fontRef>
+    <cs:defRPr sz="1330" kern="1200"/>
+  </cs:axisTitle>
+  <cs:categoryAxis>
+    <cs:lnRef idx="0"/>
+    <cs:fillRef idx="0"/>
+    <cs:effectRef idx="0"/>
+    <cs:fontRef idx="minor">
+      <a:schemeClr val="tx1">
+        <a:lumMod val="65000"/>
+        <a:lumOff val="35000"/>
+      </a:schemeClr>
+    </cs:fontRef>
+    <cs:spPr>
+      <a:ln w="9525" cap="flat" cmpd="sng" algn="ctr">
+        <a:solidFill>
+          <a:schemeClr val="tx1">
+            <a:lumMod val="15000"/>
+            <a:lumOff val="85000"/>
+          </a:schemeClr>
+        </a:solidFill>
+        <a:round/>
+      </a:ln>
+    </cs:spPr>
+    <cs:defRPr sz="1197" kern="1200"/>
+  </cs:categoryAxis>
+  <cs:chartArea mods="allowNoFillOverride allowNoLineOverride">
+    <cs:lnRef idx="0"/>
+    <cs:fillRef idx="0"/>
+    <cs:effectRef idx="0"/>
+    <cs:fontRef idx="minor">
+      <a:schemeClr val="tx1"/>
+    </cs:fontRef>
+    <cs:spPr>
+      <a:solidFill>
+        <a:schemeClr val="bg1"/>
+      </a:solidFill>
+      <a:ln w="9525" cap="flat" cmpd="sng" algn="ctr">
+        <a:solidFill>
+          <a:schemeClr val="tx1">
+            <a:lumMod val="15000"/>
+            <a:lumOff val="85000"/>
+          </a:schemeClr>
+        </a:solidFill>
+        <a:round/>
+      </a:ln>
+    </cs:spPr>
+    <cs:defRPr sz="1330" kern="1200"/>
+  </cs:chartArea>
+  <cs:dataLabel>
+    <cs:lnRef idx="0"/>
+    <cs:fillRef idx="0"/>
+    <cs:effectRef idx="0"/>
+    <cs:fontRef idx="minor">
+      <a:schemeClr val="tx1">
+        <a:lumMod val="75000"/>
+        <a:lumOff val="25000"/>
+      </a:schemeClr>
+    </cs:fontRef>
+    <cs:defRPr sz="1197" kern="1200"/>
+  </cs:dataLabel>
+  <cs:dataLabelCallout>
+    <cs:lnRef idx="0"/>
+    <cs:fillRef idx="0"/>
+    <cs:effectRef idx="0"/>
+    <cs:fontRef idx="minor">
+      <a:schemeClr val="dk1">
+        <a:lumMod val="65000"/>
+        <a:lumOff val="35000"/>
+      </a:schemeClr>
+    </cs:fontRef>
+    <cs:spPr>
+      <a:solidFill>
+        <a:schemeClr val="lt1"/>
+      </a:solidFill>
+      <a:ln>
+        <a:solidFill>
+          <a:schemeClr val="dk1">
+            <a:lumMod val="25000"/>
+            <a:lumOff val="75000"/>
+          </a:schemeClr>
+        </a:solidFill>
+      </a:ln>
+    </cs:spPr>
+    <cs:defRPr sz="1197" kern="1200"/>
+    <cs:bodyPr rot="0" spcFirstLastPara="1" vertOverflow="clip" horzOverflow="clip" vert="horz" wrap="square" lIns="36576" tIns="18288" rIns="36576" bIns="18288" anchor="ctr" anchorCtr="1">
+      <a:spAutoFit/>
+    </cs:bodyPr>
+  </cs:dataLabelCallout>
+  <cs:dataPoint>
+    <cs:lnRef idx="0"/>
+    <cs:fillRef idx="1">
+      <cs:styleClr val="auto"/>
+    </cs:fillRef>
+    <cs:effectRef idx="0"/>
+    <cs:fontRef idx="minor">
+      <a:schemeClr val="tx1"/>
+    </cs:fontRef>
+    <cs:spPr>
+      <a:solidFill>
+        <a:schemeClr val="phClr"/>
+      </a:solidFill>
+    </cs:spPr>
+  </cs:dataPoint>
+  <cs:dataPoint3D>
+    <cs:lnRef idx="0"/>
+    <cs:fillRef idx="1">
+      <cs:styleClr val="auto"/>
+    </cs:fillRef>
+    <cs:effectRef idx="0"/>
+    <cs:fontRef idx="minor">
+      <a:schemeClr val="tx1"/>
+    </cs:fontRef>
+    <cs:spPr>
+      <a:solidFill>
+        <a:schemeClr val="phClr"/>
+      </a:solidFill>
+    </cs:spPr>
+  </cs:dataPoint3D>
+  <cs:dataPointLine>
+    <cs:lnRef idx="0">
+      <cs:styleClr val="auto"/>
+    </cs:lnRef>
+    <cs:fillRef idx="1"/>
+    <cs:effectRef idx="0"/>
+    <cs:fontRef idx="minor">
+      <a:schemeClr val="tx1"/>
+    </cs:fontRef>
+    <cs:spPr>
+      <a:ln w="28575" cap="rnd">
+        <a:solidFill>
+          <a:schemeClr val="phClr"/>
+        </a:solidFill>
+        <a:round/>
+      </a:ln>
+    </cs:spPr>
+  </cs:dataPointLine>
+  <cs:dataPointMarker>
+    <cs:lnRef idx="0">
+      <cs:styleClr val="auto"/>
+    </cs:lnRef>
+    <cs:fillRef idx="1">
+      <cs:styleClr val="auto"/>
+    </cs:fillRef>
+    <cs:effectRef idx="0"/>
+    <cs:fontRef idx="minor">
+      <a:schemeClr val="tx1"/>
+    </cs:fontRef>
+    <cs:spPr>
+      <a:solidFill>
+        <a:schemeClr val="phClr"/>
+      </a:solidFill>
+      <a:ln w="9525">
+        <a:solidFill>
+          <a:schemeClr val="phClr"/>
+        </a:solidFill>
+      </a:ln>
+    </cs:spPr>
+  </cs:dataPointMarker>
+  <cs:dataPointMarkerLayout symbol="circle" size="5"/>
+  <cs:dataPointWireframe>
+    <cs:lnRef idx="0">
+      <cs:styleClr val="auto"/>
+    </cs:lnRef>
+    <cs:fillRef idx="1"/>
+    <cs:effectRef idx="0"/>
+    <cs:fontRef idx="minor">
+      <a:schemeClr val="tx1"/>
+    </cs:fontRef>
+    <cs:spPr>
+      <a:ln w="9525" cap="rnd">
+        <a:solidFill>
+          <a:schemeClr val="phClr"/>
+        </a:solidFill>
+        <a:round/>
+      </a:ln>
+    </cs:spPr>
+  </cs:dataPointWireframe>
+  <cs:dataTable>
+    <cs:lnRef idx="0"/>
+    <cs:fillRef idx="0"/>
+    <cs:effectRef idx="0"/>
+    <cs:fontRef idx="minor">
+      <a:schemeClr val="tx1">
+        <a:lumMod val="65000"/>
+        <a:lumOff val="35000"/>
+      </a:schemeClr>
+    </cs:fontRef>
+    <cs:spPr>
+      <a:noFill/>
+      <a:ln w="9525" cap="flat" cmpd="sng" algn="ctr">
+        <a:solidFill>
+          <a:schemeClr val="tx1">
+            <a:lumMod val="15000"/>
+            <a:lumOff val="85000"/>
+          </a:schemeClr>
+        </a:solidFill>
+        <a:round/>
+      </a:ln>
+    </cs:spPr>
+    <cs:defRPr sz="1197" kern="1200"/>
+  </cs:dataTable>
+  <cs:downBar>
+    <cs:lnRef idx="0"/>
+    <cs:fillRef idx="0"/>
+    <cs:effectRef idx="0"/>
+    <cs:fontRef idx="minor">
+      <a:schemeClr val="dk1"/>
+    </cs:fontRef>
+    <cs:spPr>
+      <a:solidFill>
+        <a:schemeClr val="dk1">
+          <a:lumMod val="65000"/>
+          <a:lumOff val="35000"/>
+        </a:schemeClr>
+      </a:solidFill>
+      <a:ln w="9525">
+        <a:solidFill>
+          <a:schemeClr val="tx1">
+            <a:lumMod val="65000"/>
+            <a:lumOff val="35000"/>
+          </a:schemeClr>
+        </a:solidFill>
+      </a:ln>
+    </cs:spPr>
+  </cs:downBar>
+  <cs:dropLine>
+    <cs:lnRef idx="0"/>
+    <cs:fillRef idx="0"/>
+    <cs:effectRef idx="0"/>
+    <cs:fontRef idx="minor">
+      <a:schemeClr val="tx1"/>
+    </cs:fontRef>
+    <cs:spPr>
+      <a:ln w="9525" cap="flat" cmpd="sng" algn="ctr">
+        <a:solidFill>
+          <a:schemeClr val="tx1">
+            <a:lumMod val="35000"/>
+            <a:lumOff val="65000"/>
+          </a:schemeClr>
+        </a:solidFill>
+        <a:round/>
+      </a:ln>
+    </cs:spPr>
+  </cs:dropLine>
+  <cs:errorBar>
+    <cs:lnRef idx="0"/>
+    <cs:fillRef idx="0"/>
+    <cs:effectRef idx="0"/>
+    <cs:fontRef idx="minor">
+      <a:schemeClr val="tx1"/>
+    </cs:fontRef>
+    <cs:spPr>
+      <a:ln w="9525" cap="flat" cmpd="sng" algn="ctr">
+        <a:solidFill>
+          <a:schemeClr val="tx1">
+            <a:lumMod val="65000"/>
+            <a:lumOff val="35000"/>
+          </a:schemeClr>
+        </a:solidFill>
+        <a:round/>
+      </a:ln>
+    </cs:spPr>
+  </cs:errorBar>
+  <cs:floor>
+    <cs:lnRef idx="0"/>
+    <cs:fillRef idx="0"/>
+    <cs:effectRef idx="0"/>
+    <cs:fontRef idx="minor">
+      <a:schemeClr val="tx1"/>
+    </cs:fontRef>
+    <cs:spPr>
+      <a:noFill/>
+      <a:ln>
+        <a:noFill/>
+      </a:ln>
+    </cs:spPr>
+  </cs:floor>
+  <cs:gridlineMajor>
+    <cs:lnRef idx="0"/>
+    <cs:fillRef idx="0"/>
+    <cs:effectRef idx="0"/>
+    <cs:fontRef idx="minor">
+      <a:schemeClr val="tx1"/>
+    </cs:fontRef>
+    <cs:spPr>
+      <a:ln w="9525" cap="flat" cmpd="sng" algn="ctr">
+        <a:solidFill>
+          <a:schemeClr val="tx1">
+            <a:lumMod val="15000"/>
+            <a:lumOff val="85000"/>
+          </a:schemeClr>
+        </a:solidFill>
+        <a:round/>
+      </a:ln>
+    </cs:spPr>
+  </cs:gridlineMajor>
+  <cs:gridlineMinor>
+    <cs:lnRef idx="0"/>
+    <cs:fillRef idx="0"/>
+    <cs:effectRef idx="0"/>
+    <cs:fontRef idx="minor">
+      <a:schemeClr val="tx1"/>
+    </cs:fontRef>
+    <cs:spPr>
+      <a:ln w="9525" cap="flat" cmpd="sng" algn="ctr">
+        <a:solidFill>
+          <a:schemeClr val="tx1">
+            <a:lumMod val="5000"/>
+            <a:lumOff val="95000"/>
+          </a:schemeClr>
+        </a:solidFill>
+        <a:round/>
+      </a:ln>
+    </cs:spPr>
+  </cs:gridlineMinor>
+  <cs:hiLoLine>
+    <cs:lnRef idx="0"/>
+    <cs:fillRef idx="0"/>
+    <cs:effectRef idx="0"/>
+    <cs:fontRef idx="minor">
+      <a:schemeClr val="tx1"/>
+    </cs:fontRef>
+    <cs:spPr>
+      <a:ln w="9525" cap="flat" cmpd="sng" algn="ctr">
+        <a:solidFill>
+          <a:schemeClr val="tx1">
+            <a:lumMod val="75000"/>
+            <a:lumOff val="25000"/>
+          </a:schemeClr>
+        </a:solidFill>
+        <a:round/>
+      </a:ln>
+    </cs:spPr>
+  </cs:hiLoLine>
+  <cs:leaderLine>
+    <cs:lnRef idx="0"/>
+    <cs:fillRef idx="0"/>
+    <cs:effectRef idx="0"/>
+    <cs:fontRef idx="minor">
+      <a:schemeClr val="tx1"/>
+    </cs:fontRef>
+    <cs:spPr>
+      <a:ln w="9525" cap="flat" cmpd="sng" algn="ctr">
+        <a:solidFill>
+          <a:schemeClr val="tx1">
+            <a:lumMod val="35000"/>
+            <a:lumOff val="65000"/>
+          </a:schemeClr>
+        </a:solidFill>
+        <a:round/>
+      </a:ln>
+    </cs:spPr>
+  </cs:leaderLine>
+  <cs:legend>
+    <cs:lnRef idx="0"/>
+    <cs:fillRef idx="0"/>
+    <cs:effectRef idx="0"/>
+    <cs:fontRef idx="minor">
+      <a:schemeClr val="tx1">
+        <a:lumMod val="65000"/>
+        <a:lumOff val="35000"/>
+      </a:schemeClr>
+    </cs:fontRef>
+    <cs:defRPr sz="1197" kern="1200"/>
+  </cs:legend>
+  <cs:plotArea mods="allowNoFillOverride allowNoLineOverride">
+    <cs:lnRef idx="0"/>
+    <cs:fillRef idx="0"/>
+    <cs:effectRef idx="0"/>
+    <cs:fontRef idx="minor">
+      <a:schemeClr val="tx1"/>
+    </cs:fontRef>
+  </cs:plotArea>
+  <cs:plotArea3D mods="allowNoFillOverride allowNoLineOverride">
+    <cs:lnRef idx="0"/>
+    <cs:fillRef idx="0"/>
+    <cs:effectRef idx="0"/>
+    <cs:fontRef idx="minor">
+      <a:schemeClr val="tx1"/>
+    </cs:fontRef>
+  </cs:plotArea3D>
+  <cs:seriesAxis>
+    <cs:lnRef idx="0"/>
+    <cs:fillRef idx="0"/>
+    <cs:effectRef idx="0"/>
+    <cs:fontRef idx="minor">
+      <a:schemeClr val="tx1">
+        <a:lumMod val="65000"/>
+        <a:lumOff val="35000"/>
+      </a:schemeClr>
+    </cs:fontRef>
+    <cs:defRPr sz="1197" kern="1200"/>
+  </cs:seriesAxis>
+  <cs:seriesLine>
+    <cs:lnRef idx="0"/>
+    <cs:fillRef idx="0"/>
+    <cs:effectRef idx="0"/>
+    <cs:fontRef idx="minor">
+      <a:schemeClr val="tx1"/>
+    </cs:fontRef>
+    <cs:spPr>
+      <a:ln w="9525" cap="flat" cmpd="sng" algn="ctr">
+        <a:solidFill>
+          <a:schemeClr val="tx1">
+            <a:lumMod val="35000"/>
+            <a:lumOff val="65000"/>
+          </a:schemeClr>
+        </a:solidFill>
+        <a:round/>
+      </a:ln>
+    </cs:spPr>
+  </cs:seriesLine>
+  <cs:title>
+    <cs:lnRef idx="0"/>
+    <cs:fillRef idx="0"/>
+    <cs:effectRef idx="0"/>
+    <cs:fontRef idx="minor">
+      <a:schemeClr val="tx1">
+        <a:lumMod val="65000"/>
+        <a:lumOff val="35000"/>
+      </a:schemeClr>
+    </cs:fontRef>
+    <cs:defRPr sz="1862" b="0" kern="1200" spc="0" baseline="0"/>
+  </cs:title>
+  <cs:trendline>
+    <cs:lnRef idx="0">
+      <cs:styleClr val="auto"/>
+    </cs:lnRef>
+    <cs:fillRef idx="0"/>
+    <cs:effectRef idx="0"/>
+    <cs:fontRef idx="minor">
+      <a:schemeClr val="tx1"/>
+    </cs:fontRef>
+    <cs:spPr>
+      <a:ln w="19050" cap="rnd">
+        <a:solidFill>
+          <a:schemeClr val="phClr"/>
+        </a:solidFill>
+        <a:prstDash val="sysDot"/>
+      </a:ln>
+    </cs:spPr>
+  </cs:trendline>
+  <cs:trendlineLabel>
+    <cs:lnRef idx="0"/>
+    <cs:fillRef idx="0"/>
+    <cs:effectRef idx="0"/>
+    <cs:fontRef idx="minor">
+      <a:schemeClr val="tx1">
+        <a:lumMod val="65000"/>
+        <a:lumOff val="35000"/>
+      </a:schemeClr>
+    </cs:fontRef>
+    <cs:defRPr sz="1197" kern="1200"/>
+  </cs:trendlineLabel>
+  <cs:upBar>
+    <cs:lnRef idx="0"/>
+    <cs:fillRef idx="0"/>
+    <cs:effectRef idx="0"/>
+    <cs:fontRef idx="minor">
+      <a:schemeClr val="dk1"/>
+    </cs:fontRef>
+    <cs:spPr>
+      <a:solidFill>
+        <a:schemeClr val="lt1"/>
+      </a:solidFill>
+      <a:ln w="9525">
+        <a:solidFill>
+          <a:schemeClr val="tx1">
+            <a:lumMod val="15000"/>
+            <a:lumOff val="85000"/>
+          </a:schemeClr>
+        </a:solidFill>
+      </a:ln>
+    </cs:spPr>
+  </cs:upBar>
+  <cs:valueAxis>
+    <cs:lnRef idx="0"/>
+    <cs:fillRef idx="0"/>
+    <cs:effectRef idx="0"/>
+    <cs:fontRef idx="minor">
+      <a:schemeClr val="tx1">
+        <a:lumMod val="65000"/>
+        <a:lumOff val="35000"/>
+      </a:schemeClr>
+    </cs:fontRef>
+    <cs:defRPr sz="1197" kern="1200"/>
+  </cs:valueAxis>
+  <cs:wall>
+    <cs:lnRef idx="0"/>
+    <cs:fillRef idx="0"/>
+    <cs:effectRef idx="0"/>
+    <cs:fontRef idx="minor">
+      <a:schemeClr val="tx1"/>
+    </cs:fontRef>
+    <cs:spPr>
+      <a:noFill/>
+      <a:ln>
+        <a:noFill/>
+      </a:ln>
+    </cs:spPr>
+  </cs:wall>
+</cs:chartStyle>
+</file>
+
+<file path=ppt/charts/style4.xml><?xml version="1.0" encoding="utf-8"?>
+<cs:chartStyle xmlns:cs="http://schemas.microsoft.com/office/drawing/2012/chartStyle" xmlns:a="http://schemas.openxmlformats.org/drawingml/2006/main" id="227">
+  <cs:axisTitle>
+    <cs:lnRef idx="0"/>
+    <cs:fillRef idx="0"/>
+    <cs:effectRef idx="0"/>
+    <cs:fontRef idx="minor">
+      <a:schemeClr val="tx1">
+        <a:lumMod val="65000"/>
+        <a:lumOff val="35000"/>
+      </a:schemeClr>
+    </cs:fontRef>
+    <cs:defRPr sz="1330" kern="1200"/>
+  </cs:axisTitle>
+  <cs:categoryAxis>
+    <cs:lnRef idx="0"/>
+    <cs:fillRef idx="0"/>
+    <cs:effectRef idx="0"/>
+    <cs:fontRef idx="minor">
+      <a:schemeClr val="tx1">
+        <a:lumMod val="65000"/>
+        <a:lumOff val="35000"/>
+      </a:schemeClr>
+    </cs:fontRef>
+    <cs:spPr>
+      <a:ln w="9525" cap="flat" cmpd="sng" algn="ctr">
+        <a:solidFill>
+          <a:schemeClr val="tx1">
+            <a:lumMod val="15000"/>
+            <a:lumOff val="85000"/>
+          </a:schemeClr>
+        </a:solidFill>
+        <a:round/>
+      </a:ln>
+    </cs:spPr>
+    <cs:defRPr sz="1197" kern="1200"/>
+  </cs:categoryAxis>
+  <cs:chartArea mods="allowNoFillOverride allowNoLineOverride">
+    <cs:lnRef idx="0"/>
+    <cs:fillRef idx="0"/>
+    <cs:effectRef idx="0"/>
+    <cs:fontRef idx="minor">
+      <a:schemeClr val="tx1"/>
+    </cs:fontRef>
+    <cs:spPr>
+      <a:solidFill>
+        <a:schemeClr val="bg1"/>
+      </a:solidFill>
+      <a:ln w="9525" cap="flat" cmpd="sng" algn="ctr">
+        <a:solidFill>
+          <a:schemeClr val="tx1">
+            <a:lumMod val="15000"/>
+            <a:lumOff val="85000"/>
+          </a:schemeClr>
+        </a:solidFill>
+        <a:round/>
+      </a:ln>
+    </cs:spPr>
+    <cs:defRPr sz="1330" kern="1200"/>
+  </cs:chartArea>
+  <cs:dataLabel>
+    <cs:lnRef idx="0"/>
+    <cs:fillRef idx="0"/>
+    <cs:effectRef idx="0"/>
+    <cs:fontRef idx="minor">
+      <a:schemeClr val="tx1">
+        <a:lumMod val="75000"/>
+        <a:lumOff val="25000"/>
+      </a:schemeClr>
+    </cs:fontRef>
+    <cs:defRPr sz="1197" kern="1200"/>
+  </cs:dataLabel>
+  <cs:dataLabelCallout>
+    <cs:lnRef idx="0"/>
+    <cs:fillRef idx="0"/>
+    <cs:effectRef idx="0"/>
+    <cs:fontRef idx="minor">
+      <a:schemeClr val="dk1">
+        <a:lumMod val="65000"/>
+        <a:lumOff val="35000"/>
+      </a:schemeClr>
+    </cs:fontRef>
+    <cs:spPr>
+      <a:solidFill>
+        <a:schemeClr val="lt1"/>
+      </a:solidFill>
+      <a:ln>
+        <a:solidFill>
+          <a:schemeClr val="dk1">
+            <a:lumMod val="25000"/>
+            <a:lumOff val="75000"/>
+          </a:schemeClr>
+        </a:solidFill>
+      </a:ln>
+    </cs:spPr>
+    <cs:defRPr sz="1197" kern="1200"/>
+    <cs:bodyPr rot="0" spcFirstLastPara="1" vertOverflow="clip" horzOverflow="clip" vert="horz" wrap="square" lIns="36576" tIns="18288" rIns="36576" bIns="18288" anchor="ctr" anchorCtr="1">
+      <a:spAutoFit/>
+    </cs:bodyPr>
+  </cs:dataLabelCallout>
+  <cs:dataPoint>
+    <cs:lnRef idx="0"/>
+    <cs:fillRef idx="1">
+      <cs:styleClr val="auto"/>
+    </cs:fillRef>
+    <cs:effectRef idx="0"/>
+    <cs:fontRef idx="minor">
+      <a:schemeClr val="tx1"/>
+    </cs:fontRef>
+    <cs:spPr>
+      <a:solidFill>
+        <a:schemeClr val="phClr"/>
+      </a:solidFill>
+    </cs:spPr>
+  </cs:dataPoint>
+  <cs:dataPoint3D>
+    <cs:lnRef idx="0"/>
+    <cs:fillRef idx="1">
+      <cs:styleClr val="auto"/>
+    </cs:fillRef>
+    <cs:effectRef idx="0"/>
+    <cs:fontRef idx="minor">
+      <a:schemeClr val="tx1"/>
+    </cs:fontRef>
+    <cs:spPr>
+      <a:solidFill>
+        <a:schemeClr val="phClr"/>
+      </a:solidFill>
+    </cs:spPr>
+  </cs:dataPoint3D>
+  <cs:dataPointLine>
+    <cs:lnRef idx="0">
+      <cs:styleClr val="auto"/>
+    </cs:lnRef>
+    <cs:fillRef idx="1"/>
+    <cs:effectRef idx="0"/>
+    <cs:fontRef idx="minor">
+      <a:schemeClr val="tx1"/>
+    </cs:fontRef>
+    <cs:spPr>
+      <a:ln w="28575" cap="rnd">
+        <a:solidFill>
+          <a:schemeClr val="phClr"/>
+        </a:solidFill>
+        <a:round/>
+      </a:ln>
+    </cs:spPr>
+  </cs:dataPointLine>
+  <cs:dataPointMarker>
+    <cs:lnRef idx="0">
+      <cs:styleClr val="auto"/>
+    </cs:lnRef>
+    <cs:fillRef idx="1">
+      <cs:styleClr val="auto"/>
+    </cs:fillRef>
+    <cs:effectRef idx="0"/>
+    <cs:fontRef idx="minor">
+      <a:schemeClr val="tx1"/>
+    </cs:fontRef>
+    <cs:spPr>
+      <a:solidFill>
+        <a:schemeClr val="phClr"/>
+      </a:solidFill>
+      <a:ln w="9525">
+        <a:solidFill>
+          <a:schemeClr val="phClr"/>
+        </a:solidFill>
+      </a:ln>
+    </cs:spPr>
+  </cs:dataPointMarker>
+  <cs:dataPointMarkerLayout symbol="circle" size="5"/>
+  <cs:dataPointWireframe>
+    <cs:lnRef idx="0">
+      <cs:styleClr val="auto"/>
+    </cs:lnRef>
+    <cs:fillRef idx="1"/>
+    <cs:effectRef idx="0"/>
+    <cs:fontRef idx="minor">
+      <a:schemeClr val="tx1"/>
+    </cs:fontRef>
+    <cs:spPr>
+      <a:ln w="9525" cap="rnd">
+        <a:solidFill>
+          <a:schemeClr val="phClr"/>
+        </a:solidFill>
+        <a:round/>
+      </a:ln>
+    </cs:spPr>
+  </cs:dataPointWireframe>
+  <cs:dataTable>
+    <cs:lnRef idx="0"/>
+    <cs:fillRef idx="0"/>
+    <cs:effectRef idx="0"/>
+    <cs:fontRef idx="minor">
+      <a:schemeClr val="tx1">
+        <a:lumMod val="65000"/>
+        <a:lumOff val="35000"/>
+      </a:schemeClr>
+    </cs:fontRef>
+    <cs:spPr>
+      <a:noFill/>
+      <a:ln w="9525" cap="flat" cmpd="sng" algn="ctr">
+        <a:solidFill>
+          <a:schemeClr val="tx1">
+            <a:lumMod val="15000"/>
+            <a:lumOff val="85000"/>
+          </a:schemeClr>
+        </a:solidFill>
+        <a:round/>
+      </a:ln>
+    </cs:spPr>
+    <cs:defRPr sz="1197" kern="1200"/>
+  </cs:dataTable>
+  <cs:downBar>
+    <cs:lnRef idx="0"/>
+    <cs:fillRef idx="0"/>
+    <cs:effectRef idx="0"/>
+    <cs:fontRef idx="minor">
+      <a:schemeClr val="dk1"/>
+    </cs:fontRef>
+    <cs:spPr>
+      <a:solidFill>
+        <a:schemeClr val="dk1">
+          <a:lumMod val="65000"/>
+          <a:lumOff val="35000"/>
+        </a:schemeClr>
+      </a:solidFill>
+      <a:ln w="9525">
+        <a:solidFill>
+          <a:schemeClr val="tx1">
+            <a:lumMod val="65000"/>
+            <a:lumOff val="35000"/>
+          </a:schemeClr>
+        </a:solidFill>
+      </a:ln>
+    </cs:spPr>
+  </cs:downBar>
+  <cs:dropLine>
+    <cs:lnRef idx="0"/>
+    <cs:fillRef idx="0"/>
+    <cs:effectRef idx="0"/>
+    <cs:fontRef idx="minor">
+      <a:schemeClr val="tx1"/>
+    </cs:fontRef>
+    <cs:spPr>
+      <a:ln w="9525" cap="flat" cmpd="sng" algn="ctr">
+        <a:solidFill>
+          <a:schemeClr val="tx1">
+            <a:lumMod val="35000"/>
+            <a:lumOff val="65000"/>
+          </a:schemeClr>
+        </a:solidFill>
+        <a:round/>
+      </a:ln>
+    </cs:spPr>
+  </cs:dropLine>
+  <cs:errorBar>
+    <cs:lnRef idx="0"/>
+    <cs:fillRef idx="0"/>
+    <cs:effectRef idx="0"/>
+    <cs:fontRef idx="minor">
+      <a:schemeClr val="tx1"/>
+    </cs:fontRef>
+    <cs:spPr>
+      <a:ln w="9525" cap="flat" cmpd="sng" algn="ctr">
+        <a:solidFill>
+          <a:schemeClr val="tx1">
+            <a:lumMod val="65000"/>
+            <a:lumOff val="35000"/>
+          </a:schemeClr>
+        </a:solidFill>
+        <a:round/>
+      </a:ln>
+    </cs:spPr>
+  </cs:errorBar>
+  <cs:floor>
+    <cs:lnRef idx="0"/>
+    <cs:fillRef idx="0"/>
+    <cs:effectRef idx="0"/>
+    <cs:fontRef idx="minor">
+      <a:schemeClr val="tx1"/>
+    </cs:fontRef>
+    <cs:spPr>
+      <a:noFill/>
+      <a:ln>
+        <a:noFill/>
+      </a:ln>
+    </cs:spPr>
+  </cs:floor>
+  <cs:gridlineMajor>
+    <cs:lnRef idx="0"/>
+    <cs:fillRef idx="0"/>
+    <cs:effectRef idx="0"/>
+    <cs:fontRef idx="minor">
+      <a:schemeClr val="tx1"/>
+    </cs:fontRef>
+    <cs:spPr>
+      <a:ln w="9525" cap="flat" cmpd="sng" algn="ctr">
+        <a:solidFill>
+          <a:schemeClr val="tx1">
+            <a:lumMod val="15000"/>
+            <a:lumOff val="85000"/>
+          </a:schemeClr>
+        </a:solidFill>
+        <a:round/>
+      </a:ln>
+    </cs:spPr>
+  </cs:gridlineMajor>
+  <cs:gridlineMinor>
+    <cs:lnRef idx="0"/>
+    <cs:fillRef idx="0"/>
+    <cs:effectRef idx="0"/>
+    <cs:fontRef idx="minor">
+      <a:schemeClr val="tx1"/>
+    </cs:fontRef>
+    <cs:spPr>
+      <a:ln w="9525" cap="flat" cmpd="sng" algn="ctr">
+        <a:solidFill>
+          <a:schemeClr val="tx1">
+            <a:lumMod val="5000"/>
+            <a:lumOff val="95000"/>
+          </a:schemeClr>
+        </a:solidFill>
+        <a:round/>
+      </a:ln>
+    </cs:spPr>
+  </cs:gridlineMinor>
+  <cs:hiLoLine>
+    <cs:lnRef idx="0"/>
+    <cs:fillRef idx="0"/>
+    <cs:effectRef idx="0"/>
+    <cs:fontRef idx="minor">
+      <a:schemeClr val="tx1"/>
+    </cs:fontRef>
+    <cs:spPr>
+      <a:ln w="9525" cap="flat" cmpd="sng" algn="ctr">
+        <a:solidFill>
+          <a:schemeClr val="tx1">
+            <a:lumMod val="75000"/>
+            <a:lumOff val="25000"/>
+          </a:schemeClr>
+        </a:solidFill>
+        <a:round/>
+      </a:ln>
+    </cs:spPr>
+  </cs:hiLoLine>
+  <cs:leaderLine>
+    <cs:lnRef idx="0"/>
+    <cs:fillRef idx="0"/>
+    <cs:effectRef idx="0"/>
+    <cs:fontRef idx="minor">
+      <a:schemeClr val="tx1"/>
+    </cs:fontRef>
+    <cs:spPr>
+      <a:ln w="9525" cap="flat" cmpd="sng" algn="ctr">
+        <a:solidFill>
+          <a:schemeClr val="tx1">
+            <a:lumMod val="35000"/>
+            <a:lumOff val="65000"/>
+          </a:schemeClr>
+        </a:solidFill>
+        <a:round/>
+      </a:ln>
+    </cs:spPr>
+  </cs:leaderLine>
+  <cs:legend>
+    <cs:lnRef idx="0"/>
+    <cs:fillRef idx="0"/>
+    <cs:effectRef idx="0"/>
+    <cs:fontRef idx="minor">
+      <a:schemeClr val="tx1">
+        <a:lumMod val="65000"/>
+        <a:lumOff val="35000"/>
+      </a:schemeClr>
+    </cs:fontRef>
+    <cs:defRPr sz="1197" kern="1200"/>
+  </cs:legend>
+  <cs:plotArea mods="allowNoFillOverride allowNoLineOverride">
+    <cs:lnRef idx="0"/>
+    <cs:fillRef idx="0"/>
+    <cs:effectRef idx="0"/>
+    <cs:fontRef idx="minor">
+      <a:schemeClr val="tx1"/>
+    </cs:fontRef>
+  </cs:plotArea>
+  <cs:plotArea3D mods="allowNoFillOverride allowNoLineOverride">
+    <cs:lnRef idx="0"/>
+    <cs:fillRef idx="0"/>
+    <cs:effectRef idx="0"/>
+    <cs:fontRef idx="minor">
+      <a:schemeClr val="tx1"/>
+    </cs:fontRef>
+  </cs:plotArea3D>
+  <cs:seriesAxis>
+    <cs:lnRef idx="0"/>
+    <cs:fillRef idx="0"/>
+    <cs:effectRef idx="0"/>
+    <cs:fontRef idx="minor">
+      <a:schemeClr val="tx1">
+        <a:lumMod val="65000"/>
+        <a:lumOff val="35000"/>
+      </a:schemeClr>
+    </cs:fontRef>
+    <cs:defRPr sz="1197" kern="1200"/>
+  </cs:seriesAxis>
+  <cs:seriesLine>
+    <cs:lnRef idx="0"/>
+    <cs:fillRef idx="0"/>
+    <cs:effectRef idx="0"/>
+    <cs:fontRef idx="minor">
+      <a:schemeClr val="tx1"/>
+    </cs:fontRef>
+    <cs:spPr>
+      <a:ln w="9525" cap="flat" cmpd="sng" algn="ctr">
+        <a:solidFill>
+          <a:schemeClr val="tx1">
+            <a:lumMod val="35000"/>
+            <a:lumOff val="65000"/>
+          </a:schemeClr>
+        </a:solidFill>
+        <a:round/>
+      </a:ln>
+    </cs:spPr>
+  </cs:seriesLine>
+  <cs:title>
+    <cs:lnRef idx="0"/>
+    <cs:fillRef idx="0"/>
+    <cs:effectRef idx="0"/>
+    <cs:fontRef idx="minor">
+      <a:schemeClr val="tx1">
+        <a:lumMod val="65000"/>
+        <a:lumOff val="35000"/>
+      </a:schemeClr>
+    </cs:fontRef>
+    <cs:defRPr sz="1862" b="0" kern="1200" spc="0" baseline="0"/>
+  </cs:title>
+  <cs:trendline>
+    <cs:lnRef idx="0">
+      <cs:styleClr val="auto"/>
+    </cs:lnRef>
+    <cs:fillRef idx="0"/>
+    <cs:effectRef idx="0"/>
+    <cs:fontRef idx="minor">
+      <a:schemeClr val="tx1"/>
+    </cs:fontRef>
+    <cs:spPr>
+      <a:ln w="19050" cap="rnd">
+        <a:solidFill>
+          <a:schemeClr val="phClr"/>
+        </a:solidFill>
+        <a:prstDash val="sysDot"/>
+      </a:ln>
+    </cs:spPr>
+  </cs:trendline>
+  <cs:trendlineLabel>
+    <cs:lnRef idx="0"/>
+    <cs:fillRef idx="0"/>
+    <cs:effectRef idx="0"/>
+    <cs:fontRef idx="minor">
+      <a:schemeClr val="tx1">
+        <a:lumMod val="65000"/>
+        <a:lumOff val="35000"/>
+      </a:schemeClr>
+    </cs:fontRef>
+    <cs:defRPr sz="1197" kern="1200"/>
+  </cs:trendlineLabel>
+  <cs:upBar>
+    <cs:lnRef idx="0"/>
+    <cs:fillRef idx="0"/>
+    <cs:effectRef idx="0"/>
+    <cs:fontRef idx="minor">
+      <a:schemeClr val="dk1"/>
+    </cs:fontRef>
+    <cs:spPr>
+      <a:solidFill>
+        <a:schemeClr val="lt1"/>
+      </a:solidFill>
+      <a:ln w="9525">
+        <a:solidFill>
+          <a:schemeClr val="tx1">
+            <a:lumMod val="15000"/>
+            <a:lumOff val="85000"/>
+          </a:schemeClr>
+        </a:solidFill>
+      </a:ln>
+    </cs:spPr>
+  </cs:upBar>
+  <cs:valueAxis>
+    <cs:lnRef idx="0"/>
+    <cs:fillRef idx="0"/>
+    <cs:effectRef idx="0"/>
+    <cs:fontRef idx="minor">
+      <a:schemeClr val="tx1">
+        <a:lumMod val="65000"/>
+        <a:lumOff val="35000"/>
+      </a:schemeClr>
+    </cs:fontRef>
+    <cs:defRPr sz="1197" kern="1200"/>
+  </cs:valueAxis>
+  <cs:wall>
+    <cs:lnRef idx="0"/>
+    <cs:fillRef idx="0"/>
+    <cs:effectRef idx="0"/>
+    <cs:fontRef idx="minor">
+      <a:schemeClr val="tx1"/>
+    </cs:fontRef>
+    <cs:spPr>
+      <a:noFill/>
+      <a:ln>
+        <a:noFill/>
+      </a:ln>
+    </cs:spPr>
+  </cs:wall>
+</cs:chartStyle>
 </file>
 
 <file path=ppt/notesMasters/notesMaster1.xml><?xml version="1.0" encoding="utf-8"?>
@@ -195,7 +4428,7 @@
           <a:p>
             <a:fld id="{BA381B50-2D7D-4392-AF32-C0E6428B2061}" type="datetimeFigureOut">
               <a:rPr lang="ko-KR" altLang="en-US" smtClean="0"/>
-              <a:t>2022-10-01</a:t>
+              <a:t>2022-10-13</a:t>
             </a:fld>
             <a:endParaRPr lang="ko-KR" altLang="en-US"/>
           </a:p>
@@ -700,7 +4933,7 @@
           <a:p>
             <a:fld id="{776BB580-0582-4F44-BF46-B29B005515D4}" type="datetimeFigureOut">
               <a:rPr lang="ko-KR" altLang="en-US" smtClean="0"/>
-              <a:t>2022-10-01</a:t>
+              <a:t>2022-10-13</a:t>
             </a:fld>
             <a:endParaRPr lang="ko-KR" altLang="en-US"/>
           </a:p>
@@ -898,7 +5131,7 @@
           <a:p>
             <a:fld id="{776BB580-0582-4F44-BF46-B29B005515D4}" type="datetimeFigureOut">
               <a:rPr lang="ko-KR" altLang="en-US" smtClean="0"/>
-              <a:t>2022-10-01</a:t>
+              <a:t>2022-10-13</a:t>
             </a:fld>
             <a:endParaRPr lang="ko-KR" altLang="en-US"/>
           </a:p>
@@ -1106,7 +5339,7 @@
           <a:p>
             <a:fld id="{776BB580-0582-4F44-BF46-B29B005515D4}" type="datetimeFigureOut">
               <a:rPr lang="ko-KR" altLang="en-US" smtClean="0"/>
-              <a:t>2022-10-01</a:t>
+              <a:t>2022-10-13</a:t>
             </a:fld>
             <a:endParaRPr lang="ko-KR" altLang="en-US"/>
           </a:p>
@@ -1304,7 +5537,7 @@
           <a:p>
             <a:fld id="{776BB580-0582-4F44-BF46-B29B005515D4}" type="datetimeFigureOut">
               <a:rPr lang="ko-KR" altLang="en-US" smtClean="0"/>
-              <a:t>2022-10-01</a:t>
+              <a:t>2022-10-13</a:t>
             </a:fld>
             <a:endParaRPr lang="ko-KR" altLang="en-US"/>
           </a:p>
@@ -1579,7 +5812,7 @@
           <a:p>
             <a:fld id="{776BB580-0582-4F44-BF46-B29B005515D4}" type="datetimeFigureOut">
               <a:rPr lang="ko-KR" altLang="en-US" smtClean="0"/>
-              <a:t>2022-10-01</a:t>
+              <a:t>2022-10-13</a:t>
             </a:fld>
             <a:endParaRPr lang="ko-KR" altLang="en-US"/>
           </a:p>
@@ -1844,7 +6077,7 @@
           <a:p>
             <a:fld id="{776BB580-0582-4F44-BF46-B29B005515D4}" type="datetimeFigureOut">
               <a:rPr lang="ko-KR" altLang="en-US" smtClean="0"/>
-              <a:t>2022-10-01</a:t>
+              <a:t>2022-10-13</a:t>
             </a:fld>
             <a:endParaRPr lang="ko-KR" altLang="en-US"/>
           </a:p>
@@ -2256,7 +6489,7 @@
           <a:p>
             <a:fld id="{776BB580-0582-4F44-BF46-B29B005515D4}" type="datetimeFigureOut">
               <a:rPr lang="ko-KR" altLang="en-US" smtClean="0"/>
-              <a:t>2022-10-01</a:t>
+              <a:t>2022-10-13</a:t>
             </a:fld>
             <a:endParaRPr lang="ko-KR" altLang="en-US"/>
           </a:p>
@@ -2397,7 +6630,7 @@
           <a:p>
             <a:fld id="{776BB580-0582-4F44-BF46-B29B005515D4}" type="datetimeFigureOut">
               <a:rPr lang="ko-KR" altLang="en-US" smtClean="0"/>
-              <a:t>2022-10-01</a:t>
+              <a:t>2022-10-13</a:t>
             </a:fld>
             <a:endParaRPr lang="ko-KR" altLang="en-US"/>
           </a:p>
@@ -2510,7 +6743,7 @@
           <a:p>
             <a:fld id="{776BB580-0582-4F44-BF46-B29B005515D4}" type="datetimeFigureOut">
               <a:rPr lang="ko-KR" altLang="en-US" smtClean="0"/>
-              <a:t>2022-10-01</a:t>
+              <a:t>2022-10-13</a:t>
             </a:fld>
             <a:endParaRPr lang="ko-KR" altLang="en-US"/>
           </a:p>
@@ -2821,7 +7054,7 @@
           <a:p>
             <a:fld id="{776BB580-0582-4F44-BF46-B29B005515D4}" type="datetimeFigureOut">
               <a:rPr lang="ko-KR" altLang="en-US" smtClean="0"/>
-              <a:t>2022-10-01</a:t>
+              <a:t>2022-10-13</a:t>
             </a:fld>
             <a:endParaRPr lang="ko-KR" altLang="en-US"/>
           </a:p>
@@ -3109,7 +7342,7 @@
           <a:p>
             <a:fld id="{776BB580-0582-4F44-BF46-B29B005515D4}" type="datetimeFigureOut">
               <a:rPr lang="ko-KR" altLang="en-US" smtClean="0"/>
-              <a:t>2022-10-01</a:t>
+              <a:t>2022-10-13</a:t>
             </a:fld>
             <a:endParaRPr lang="ko-KR" altLang="en-US"/>
           </a:p>
@@ -3350,7 +7583,7 @@
           <a:p>
             <a:fld id="{776BB580-0582-4F44-BF46-B29B005515D4}" type="datetimeFigureOut">
               <a:rPr lang="ko-KR" altLang="en-US" smtClean="0"/>
-              <a:t>2022-10-01</a:t>
+              <a:t>2022-10-13</a:t>
             </a:fld>
             <a:endParaRPr lang="ko-KR" altLang="en-US"/>
           </a:p>
@@ -5774,63 +10007,124 @@
           <a:chExt cx="0" cy="0"/>
         </a:xfrm>
       </p:grpSpPr>
-      <p:sp>
-        <p:nvSpPr>
-          <p:cNvPr id="6" name="TextBox 5">
+      <p:graphicFrame>
+        <p:nvGraphicFramePr>
+          <p:cNvPr id="4" name="차트 3">
             <a:extLst>
               <a:ext uri="{FF2B5EF4-FFF2-40B4-BE49-F238E27FC236}">
-                <a16:creationId xmlns:a16="http://schemas.microsoft.com/office/drawing/2014/main" id="{B10E7F8D-A262-0CE4-E0A0-55DDD06FFE03}"/>
+                <a16:creationId xmlns:a16="http://schemas.microsoft.com/office/drawing/2014/main" id="{EC7D9678-6D1A-4330-A0DC-380EE27E945D}"/>
               </a:ext>
             </a:extLst>
           </p:cNvPr>
-          <p:cNvSpPr txBox="1"/>
-          <p:nvPr/>
-        </p:nvSpPr>
-        <p:spPr>
-          <a:xfrm>
-            <a:off x="198782" y="351183"/>
-            <a:ext cx="11569147" cy="707886"/>
-          </a:xfrm>
-          <a:prstGeom prst="rect">
-            <a:avLst/>
-          </a:prstGeom>
-          <a:noFill/>
-        </p:spPr>
-        <p:txBody>
-          <a:bodyPr wrap="square" rtlCol="0">
-            <a:spAutoFit/>
-          </a:bodyPr>
-          <a:lstStyle/>
-          <a:p>
-            <a:r>
-              <a:rPr lang="ko-KR" altLang="en-US" sz="4000" dirty="0"/>
-              <a:t>우리 학교 커뮤니티</a:t>
-            </a:r>
-            <a:r>
-              <a:rPr lang="en-US" altLang="ko-KR" sz="4000" dirty="0"/>
-              <a:t>, </a:t>
-            </a:r>
-            <a:r>
-              <a:rPr lang="ko-KR" altLang="en-US" sz="4000" dirty="0" err="1"/>
-              <a:t>에브리타임은</a:t>
-            </a:r>
-            <a:r>
-              <a:rPr lang="ko-KR" altLang="en-US" sz="4000" dirty="0"/>
-              <a:t> 건전할까</a:t>
-            </a:r>
-            <a:r>
-              <a:rPr lang="en-US" altLang="ko-KR" sz="4000" dirty="0"/>
-              <a:t>~~?</a:t>
-            </a:r>
-          </a:p>
-        </p:txBody>
-      </p:sp>
+          <p:cNvGraphicFramePr/>
+          <p:nvPr>
+            <p:extLst>
+              <p:ext uri="{D42A27DB-BD31-4B8C-83A1-F6EECF244321}">
+                <p14:modId xmlns:p14="http://schemas.microsoft.com/office/powerpoint/2010/main" val="2893120233"/>
+              </p:ext>
+            </p:extLst>
+          </p:nvPr>
+        </p:nvGraphicFramePr>
+        <p:xfrm>
+          <a:off x="0" y="566057"/>
+          <a:ext cx="3164114" cy="2109410"/>
+        </p:xfrm>
+        <a:graphic>
+          <a:graphicData uri="http://schemas.openxmlformats.org/drawingml/2006/chart">
+            <c:chart xmlns:c="http://schemas.openxmlformats.org/drawingml/2006/chart" xmlns:r="http://schemas.openxmlformats.org/officeDocument/2006/relationships" r:id="rId2"/>
+          </a:graphicData>
+        </a:graphic>
+      </p:graphicFrame>
+      <p:graphicFrame>
+        <p:nvGraphicFramePr>
+          <p:cNvPr id="5" name="차트 4">
+            <a:extLst>
+              <a:ext uri="{FF2B5EF4-FFF2-40B4-BE49-F238E27FC236}">
+                <a16:creationId xmlns:a16="http://schemas.microsoft.com/office/drawing/2014/main" id="{8614BED1-1A3A-D74C-409D-98E73665CF67}"/>
+              </a:ext>
+            </a:extLst>
+          </p:cNvPr>
+          <p:cNvGraphicFramePr/>
+          <p:nvPr>
+            <p:extLst>
+              <p:ext uri="{D42A27DB-BD31-4B8C-83A1-F6EECF244321}">
+                <p14:modId xmlns:p14="http://schemas.microsoft.com/office/powerpoint/2010/main" val="3236994528"/>
+              </p:ext>
+            </p:extLst>
+          </p:nvPr>
+        </p:nvGraphicFramePr>
+        <p:xfrm>
+          <a:off x="3715657" y="566057"/>
+          <a:ext cx="3164114" cy="2109410"/>
+        </p:xfrm>
+        <a:graphic>
+          <a:graphicData uri="http://schemas.openxmlformats.org/drawingml/2006/chart">
+            <c:chart xmlns:c="http://schemas.openxmlformats.org/drawingml/2006/chart" xmlns:r="http://schemas.openxmlformats.org/officeDocument/2006/relationships" r:id="rId3"/>
+          </a:graphicData>
+        </a:graphic>
+      </p:graphicFrame>
+      <p:graphicFrame>
+        <p:nvGraphicFramePr>
+          <p:cNvPr id="6" name="차트 5">
+            <a:extLst>
+              <a:ext uri="{FF2B5EF4-FFF2-40B4-BE49-F238E27FC236}">
+                <a16:creationId xmlns:a16="http://schemas.microsoft.com/office/drawing/2014/main" id="{207A05F0-ABCD-1F6D-2FDD-631E60118ADF}"/>
+              </a:ext>
+            </a:extLst>
+          </p:cNvPr>
+          <p:cNvGraphicFramePr/>
+          <p:nvPr>
+            <p:extLst>
+              <p:ext uri="{D42A27DB-BD31-4B8C-83A1-F6EECF244321}">
+                <p14:modId xmlns:p14="http://schemas.microsoft.com/office/powerpoint/2010/main" val="1598918684"/>
+              </p:ext>
+            </p:extLst>
+          </p:nvPr>
+        </p:nvGraphicFramePr>
+        <p:xfrm>
+          <a:off x="0" y="3124201"/>
+          <a:ext cx="3164114" cy="2109410"/>
+        </p:xfrm>
+        <a:graphic>
+          <a:graphicData uri="http://schemas.openxmlformats.org/drawingml/2006/chart">
+            <c:chart xmlns:c="http://schemas.openxmlformats.org/drawingml/2006/chart" xmlns:r="http://schemas.openxmlformats.org/officeDocument/2006/relationships" r:id="rId4"/>
+          </a:graphicData>
+        </a:graphic>
+      </p:graphicFrame>
+      <p:graphicFrame>
+        <p:nvGraphicFramePr>
+          <p:cNvPr id="7" name="차트 6">
+            <a:extLst>
+              <a:ext uri="{FF2B5EF4-FFF2-40B4-BE49-F238E27FC236}">
+                <a16:creationId xmlns:a16="http://schemas.microsoft.com/office/drawing/2014/main" id="{28FDB125-9A8B-1152-E7C6-68ADB48DBA85}"/>
+              </a:ext>
+            </a:extLst>
+          </p:cNvPr>
+          <p:cNvGraphicFramePr/>
+          <p:nvPr>
+            <p:extLst>
+              <p:ext uri="{D42A27DB-BD31-4B8C-83A1-F6EECF244321}">
+                <p14:modId xmlns:p14="http://schemas.microsoft.com/office/powerpoint/2010/main" val="1319096576"/>
+              </p:ext>
+            </p:extLst>
+          </p:nvPr>
+        </p:nvGraphicFramePr>
+        <p:xfrm>
+          <a:off x="3715657" y="3124201"/>
+          <a:ext cx="3164114" cy="2109410"/>
+        </p:xfrm>
+        <a:graphic>
+          <a:graphicData uri="http://schemas.openxmlformats.org/drawingml/2006/chart">
+            <c:chart xmlns:c="http://schemas.openxmlformats.org/drawingml/2006/chart" xmlns:r="http://schemas.openxmlformats.org/officeDocument/2006/relationships" r:id="rId5"/>
+          </a:graphicData>
+        </a:graphic>
+      </p:graphicFrame>
       <p:sp>
         <p:nvSpPr>
-          <p:cNvPr id="2" name="직사각형 1">
+          <p:cNvPr id="8" name="직사각형 7">
             <a:extLst>
               <a:ext uri="{FF2B5EF4-FFF2-40B4-BE49-F238E27FC236}">
-                <a16:creationId xmlns:a16="http://schemas.microsoft.com/office/drawing/2014/main" id="{D9B16A3D-2AB7-F256-6607-4D3CE63C9CBF}"/>
+                <a16:creationId xmlns:a16="http://schemas.microsoft.com/office/drawing/2014/main" id="{35457830-E986-27D6-D5B8-F5154C364260}"/>
               </a:ext>
             </a:extLst>
           </p:cNvPr>
@@ -5839,8 +10133,8 @@
         </p:nvSpPr>
         <p:spPr>
           <a:xfrm>
-            <a:off x="447261" y="1252331"/>
-            <a:ext cx="6221896" cy="2811044"/>
+            <a:off x="0" y="0"/>
+            <a:ext cx="1683657" cy="566057"/>
           </a:xfrm>
           <a:prstGeom prst="rect">
             <a:avLst/>
@@ -5869,17 +10163,17 @@
             <a:pPr algn="ctr"/>
             <a:r>
               <a:rPr lang="ko-KR" altLang="en-US" dirty="0"/>
-              <a:t>대충 막대 그래프 같은 것</a:t>
+              <a:t>일간</a:t>
             </a:r>
           </a:p>
         </p:txBody>
       </p:sp>
       <p:sp>
         <p:nvSpPr>
-          <p:cNvPr id="3" name="직사각형 2">
+          <p:cNvPr id="9" name="직사각형 8">
             <a:extLst>
               <a:ext uri="{FF2B5EF4-FFF2-40B4-BE49-F238E27FC236}">
-                <a16:creationId xmlns:a16="http://schemas.microsoft.com/office/drawing/2014/main" id="{24C326C2-EAA3-8CF6-8A81-B4FF69DCBA48}"/>
+                <a16:creationId xmlns:a16="http://schemas.microsoft.com/office/drawing/2014/main" id="{8ECF711B-3D4F-D7E0-BA10-A372EE8604DC}"/>
               </a:ext>
             </a:extLst>
           </p:cNvPr>
@@ -5888,8 +10182,8 @@
         </p:nvSpPr>
         <p:spPr>
           <a:xfrm>
-            <a:off x="447260" y="4256637"/>
-            <a:ext cx="3260035" cy="675861"/>
+            <a:off x="2032000" y="0"/>
+            <a:ext cx="1683657" cy="566057"/>
           </a:xfrm>
           <a:prstGeom prst="rect">
             <a:avLst/>
@@ -5917,276 +10211,910 @@
           <a:p>
             <a:pPr algn="ctr"/>
             <a:r>
-              <a:rPr lang="ko-KR" altLang="en-US" dirty="0"/>
-              <a:t>문제 있는 댓글 </a:t>
-            </a:r>
-            <a:r>
-              <a:rPr lang="en-US" altLang="ko-KR" dirty="0"/>
-              <a:t>/ </a:t>
-            </a:r>
-            <a:r>
-              <a:rPr lang="ko-KR" altLang="en-US" dirty="0"/>
-              <a:t>총 댓글 수</a:t>
-            </a:r>
+              <a:rPr lang="ko-KR" altLang="en-US"/>
+              <a:t>월간</a:t>
+            </a:r>
+            <a:endParaRPr lang="ko-KR" altLang="en-US" dirty="0"/>
           </a:p>
         </p:txBody>
       </p:sp>
       <p:sp>
         <p:nvSpPr>
-          <p:cNvPr id="4" name="직사각형 3">
+          <p:cNvPr id="10" name="TextBox 9">
             <a:extLst>
               <a:ext uri="{FF2B5EF4-FFF2-40B4-BE49-F238E27FC236}">
-                <a16:creationId xmlns:a16="http://schemas.microsoft.com/office/drawing/2014/main" id="{144294FD-EC62-C591-00DE-CB5E8B5843D8}"/>
+                <a16:creationId xmlns:a16="http://schemas.microsoft.com/office/drawing/2014/main" id="{5E20CC27-5705-E1CF-6381-EC87ECCD7E41}"/>
               </a:ext>
             </a:extLst>
           </p:cNvPr>
-          <p:cNvSpPr/>
+          <p:cNvSpPr txBox="1"/>
           <p:nvPr/>
         </p:nvSpPr>
         <p:spPr>
           <a:xfrm>
-            <a:off x="447261" y="5071646"/>
-            <a:ext cx="3260034" cy="675861"/>
+            <a:off x="7257142" y="3301743"/>
+            <a:ext cx="4644572" cy="1754326"/>
           </a:xfrm>
           <a:prstGeom prst="rect">
             <a:avLst/>
           </a:prstGeom>
+          <a:noFill/>
         </p:spPr>
-        <p:style>
-          <a:lnRef idx="2">
-            <a:schemeClr val="accent1">
-              <a:shade val="50000"/>
-            </a:schemeClr>
-          </a:lnRef>
-          <a:fillRef idx="1">
-            <a:schemeClr val="accent1"/>
-          </a:fillRef>
-          <a:effectRef idx="0">
-            <a:schemeClr val="accent1"/>
-          </a:effectRef>
-          <a:fontRef idx="minor">
-            <a:schemeClr val="lt1"/>
-          </a:fontRef>
-        </p:style>
         <p:txBody>
-          <a:bodyPr rtlCol="0" anchor="ctr"/>
+          <a:bodyPr wrap="square" rtlCol="0">
+            <a:spAutoFit/>
+          </a:bodyPr>
           <a:lstStyle/>
           <a:p>
-            <a:pPr algn="ctr"/>
-            <a:r>
-              <a:rPr lang="ko-KR" altLang="en-US"/>
-              <a:t>여성</a:t>
+            <a:pPr marL="285750" indent="-285750">
+              <a:buFont typeface="Wingdings" panose="05000000000000000000" pitchFamily="2" charset="2"/>
+              <a:buChar char="§"/>
+            </a:pPr>
+            <a:r>
+              <a:rPr lang="ko-KR" altLang="en-US" dirty="0"/>
+              <a:t>악성 댓글 </a:t>
+            </a:r>
+            <a:r>
+              <a:rPr lang="en-US" altLang="ko-KR" dirty="0"/>
+              <a:t>/ </a:t>
+            </a:r>
+            <a:r>
+              <a:rPr lang="ko-KR" altLang="en-US" dirty="0"/>
+              <a:t>전체 댓글 </a:t>
+            </a:r>
+            <a:r>
+              <a:rPr lang="en-US" altLang="ko-KR" dirty="0"/>
+              <a:t>= </a:t>
+            </a:r>
+            <a:r>
+              <a:rPr lang="en-US" altLang="ko-KR" dirty="0" err="1"/>
+              <a:t>xxxx</a:t>
             </a:r>
             <a:r>
               <a:rPr lang="en-US" altLang="ko-KR" dirty="0"/>
               <a:t>/</a:t>
             </a:r>
             <a:r>
+              <a:rPr lang="en-US" altLang="ko-KR" dirty="0" err="1"/>
+              <a:t>xxxx</a:t>
+            </a:r>
+            <a:endParaRPr lang="en-US" altLang="ko-KR" dirty="0"/>
+          </a:p>
+          <a:p>
+            <a:pPr marL="285750" indent="-285750">
+              <a:buFont typeface="Wingdings" panose="05000000000000000000" pitchFamily="2" charset="2"/>
+              <a:buChar char="§"/>
+            </a:pPr>
+            <a:r>
               <a:rPr lang="ko-KR" altLang="en-US" dirty="0"/>
-              <a:t>가족</a:t>
-            </a:r>
-          </a:p>
-        </p:txBody>
-      </p:sp>
-      <p:sp>
-        <p:nvSpPr>
-          <p:cNvPr id="5" name="직사각형 4">
-            <a:extLst>
-              <a:ext uri="{FF2B5EF4-FFF2-40B4-BE49-F238E27FC236}">
-                <a16:creationId xmlns:a16="http://schemas.microsoft.com/office/drawing/2014/main" id="{D26341F7-CB66-A9F5-8B86-A5CDAE71792E}"/>
-              </a:ext>
-            </a:extLst>
-          </p:cNvPr>
-          <p:cNvSpPr/>
-          <p:nvPr/>
-        </p:nvSpPr>
-        <p:spPr>
-          <a:xfrm>
-            <a:off x="447260" y="5886655"/>
-            <a:ext cx="3260034" cy="675861"/>
-          </a:xfrm>
-          <a:prstGeom prst="rect">
-            <a:avLst/>
-          </a:prstGeom>
-        </p:spPr>
-        <p:style>
-          <a:lnRef idx="2">
-            <a:schemeClr val="accent1">
-              <a:shade val="50000"/>
-            </a:schemeClr>
-          </a:lnRef>
-          <a:fillRef idx="1">
-            <a:schemeClr val="accent1"/>
-          </a:fillRef>
-          <a:effectRef idx="0">
-            <a:schemeClr val="accent1"/>
-          </a:effectRef>
-          <a:fontRef idx="minor">
-            <a:schemeClr val="lt1"/>
-          </a:fontRef>
-        </p:style>
-        <p:txBody>
-          <a:bodyPr rtlCol="0" anchor="ctr"/>
-          <a:lstStyle/>
-          <a:p>
-            <a:pPr algn="ctr"/>
-            <a:r>
-              <a:rPr lang="ko-KR" altLang="en-US"/>
-              <a:t>여성</a:t>
+              <a:t>혐오표현 댓글 </a:t>
+            </a:r>
+            <a:r>
+              <a:rPr lang="en-US" altLang="ko-KR" dirty="0"/>
+              <a:t>/ </a:t>
+            </a:r>
+            <a:r>
+              <a:rPr lang="ko-KR" altLang="en-US" dirty="0"/>
+              <a:t>전체 댓글 </a:t>
+            </a:r>
+            <a:r>
+              <a:rPr lang="en-US" altLang="ko-KR" dirty="0"/>
+              <a:t>= </a:t>
+            </a:r>
+            <a:r>
+              <a:rPr lang="en-US" altLang="ko-KR" dirty="0" err="1"/>
+              <a:t>xxxx</a:t>
             </a:r>
             <a:r>
               <a:rPr lang="en-US" altLang="ko-KR" dirty="0"/>
               <a:t>/</a:t>
             </a:r>
             <a:r>
+              <a:rPr lang="en-US" altLang="ko-KR" dirty="0" err="1"/>
+              <a:t>xxxx</a:t>
+            </a:r>
+            <a:endParaRPr lang="en-US" altLang="ko-KR" dirty="0"/>
+          </a:p>
+          <a:p>
+            <a:pPr marL="285750" indent="-285750">
+              <a:buFont typeface="Wingdings" panose="05000000000000000000" pitchFamily="2" charset="2"/>
+              <a:buChar char="§"/>
+            </a:pPr>
+            <a:r>
               <a:rPr lang="ko-KR" altLang="en-US" dirty="0"/>
-              <a:t>가족</a:t>
-            </a:r>
-          </a:p>
-        </p:txBody>
-      </p:sp>
-      <p:sp>
-        <p:nvSpPr>
-          <p:cNvPr id="7" name="타원 6">
-            <a:extLst>
-              <a:ext uri="{FF2B5EF4-FFF2-40B4-BE49-F238E27FC236}">
-                <a16:creationId xmlns:a16="http://schemas.microsoft.com/office/drawing/2014/main" id="{E4B3A4AB-7A2E-2FE4-5DF0-4C2D5329D279}"/>
-              </a:ext>
-            </a:extLst>
-          </p:cNvPr>
-          <p:cNvSpPr/>
-          <p:nvPr/>
-        </p:nvSpPr>
-        <p:spPr>
-          <a:xfrm flipH="1">
-            <a:off x="1908312" y="6638093"/>
-            <a:ext cx="119269" cy="119269"/>
-          </a:xfrm>
-          <a:prstGeom prst="ellipse">
-            <a:avLst/>
-          </a:prstGeom>
-        </p:spPr>
-        <p:style>
-          <a:lnRef idx="2">
-            <a:schemeClr val="accent1">
-              <a:shade val="50000"/>
-            </a:schemeClr>
-          </a:lnRef>
-          <a:fillRef idx="1">
-            <a:schemeClr val="accent1"/>
-          </a:fillRef>
-          <a:effectRef idx="0">
-            <a:schemeClr val="accent1"/>
-          </a:effectRef>
-          <a:fontRef idx="minor">
-            <a:schemeClr val="lt1"/>
-          </a:fontRef>
-        </p:style>
-        <p:txBody>
-          <a:bodyPr rtlCol="0" anchor="ctr"/>
-          <a:lstStyle/>
-          <a:p>
-            <a:pPr algn="ctr"/>
-            <a:endParaRPr lang="ko-KR" altLang="en-US"/>
-          </a:p>
-        </p:txBody>
-      </p:sp>
-      <p:sp>
-        <p:nvSpPr>
-          <p:cNvPr id="8" name="타원 7">
-            <a:extLst>
-              <a:ext uri="{FF2B5EF4-FFF2-40B4-BE49-F238E27FC236}">
-                <a16:creationId xmlns:a16="http://schemas.microsoft.com/office/drawing/2014/main" id="{41A1DD00-C204-B7C1-2578-15B10F590F7E}"/>
-              </a:ext>
-            </a:extLst>
-          </p:cNvPr>
-          <p:cNvSpPr/>
-          <p:nvPr/>
-        </p:nvSpPr>
-        <p:spPr>
-          <a:xfrm flipH="1">
-            <a:off x="1908312" y="6886571"/>
-            <a:ext cx="119269" cy="119269"/>
-          </a:xfrm>
-          <a:prstGeom prst="ellipse">
-            <a:avLst/>
-          </a:prstGeom>
-        </p:spPr>
-        <p:style>
-          <a:lnRef idx="2">
-            <a:schemeClr val="accent1">
-              <a:shade val="50000"/>
-            </a:schemeClr>
-          </a:lnRef>
-          <a:fillRef idx="1">
-            <a:schemeClr val="accent1"/>
-          </a:fillRef>
-          <a:effectRef idx="0">
-            <a:schemeClr val="accent1"/>
-          </a:effectRef>
-          <a:fontRef idx="minor">
-            <a:schemeClr val="lt1"/>
-          </a:fontRef>
-        </p:style>
-        <p:txBody>
-          <a:bodyPr rtlCol="0" anchor="ctr"/>
-          <a:lstStyle/>
-          <a:p>
-            <a:pPr algn="ctr"/>
-            <a:endParaRPr lang="ko-KR" altLang="en-US"/>
-          </a:p>
-        </p:txBody>
-      </p:sp>
-      <p:sp>
-        <p:nvSpPr>
-          <p:cNvPr id="9" name="타원 8">
-            <a:extLst>
-              <a:ext uri="{FF2B5EF4-FFF2-40B4-BE49-F238E27FC236}">
-                <a16:creationId xmlns:a16="http://schemas.microsoft.com/office/drawing/2014/main" id="{08825DAA-7139-90EA-37C1-5B87538E704C}"/>
-              </a:ext>
-            </a:extLst>
-          </p:cNvPr>
-          <p:cNvSpPr/>
-          <p:nvPr/>
-        </p:nvSpPr>
-        <p:spPr>
-          <a:xfrm flipH="1">
-            <a:off x="1908312" y="7141674"/>
-            <a:ext cx="119269" cy="119269"/>
-          </a:xfrm>
-          <a:prstGeom prst="ellipse">
-            <a:avLst/>
-          </a:prstGeom>
-        </p:spPr>
-        <p:style>
-          <a:lnRef idx="2">
-            <a:schemeClr val="accent1">
-              <a:shade val="50000"/>
-            </a:schemeClr>
-          </a:lnRef>
-          <a:fillRef idx="1">
-            <a:schemeClr val="accent1"/>
-          </a:fillRef>
-          <a:effectRef idx="0">
-            <a:schemeClr val="accent1"/>
-          </a:effectRef>
-          <a:fontRef idx="minor">
-            <a:schemeClr val="lt1"/>
-          </a:fontRef>
-        </p:style>
-        <p:txBody>
-          <a:bodyPr rtlCol="0" anchor="ctr"/>
-          <a:lstStyle/>
-          <a:p>
-            <a:pPr algn="ctr"/>
-            <a:endParaRPr lang="ko-KR" altLang="en-US"/>
+              <a:t>욕설 댓글 </a:t>
+            </a:r>
+            <a:r>
+              <a:rPr lang="en-US" altLang="ko-KR" dirty="0"/>
+              <a:t>/ </a:t>
+            </a:r>
+            <a:r>
+              <a:rPr lang="ko-KR" altLang="en-US" dirty="0"/>
+              <a:t>전체 댓글 </a:t>
+            </a:r>
+            <a:r>
+              <a:rPr lang="en-US" altLang="ko-KR" dirty="0"/>
+              <a:t>= </a:t>
+            </a:r>
+            <a:r>
+              <a:rPr lang="en-US" altLang="ko-KR" dirty="0" err="1"/>
+              <a:t>xxxx</a:t>
+            </a:r>
+            <a:r>
+              <a:rPr lang="en-US" altLang="ko-KR" dirty="0"/>
+              <a:t>/</a:t>
+            </a:r>
+            <a:r>
+              <a:rPr lang="en-US" altLang="ko-KR" dirty="0" err="1"/>
+              <a:t>xxxx</a:t>
+            </a:r>
+            <a:endParaRPr lang="en-US" altLang="ko-KR" dirty="0"/>
+          </a:p>
+          <a:p>
+            <a:pPr marL="285750" indent="-285750">
+              <a:buFont typeface="Wingdings" panose="05000000000000000000" pitchFamily="2" charset="2"/>
+              <a:buChar char="§"/>
+            </a:pPr>
+            <a:r>
+              <a:rPr lang="ko-KR" altLang="en-US" dirty="0"/>
+              <a:t>전일</a:t>
+            </a:r>
+            <a:r>
+              <a:rPr lang="en-US" altLang="ko-KR" dirty="0"/>
+              <a:t>/</a:t>
+            </a:r>
+            <a:r>
+              <a:rPr lang="ko-KR" altLang="en-US" dirty="0"/>
+              <a:t>전월 추이 </a:t>
+            </a:r>
+            <a:r>
+              <a:rPr lang="en-US" altLang="ko-KR" dirty="0"/>
+              <a:t>= </a:t>
+            </a:r>
+            <a:r>
+              <a:rPr lang="en-US" altLang="ko-KR" dirty="0">
+                <a:solidFill>
+                  <a:srgbClr val="00B0F0"/>
+                </a:solidFill>
+              </a:rPr>
+              <a:t>+18%</a:t>
+            </a:r>
+          </a:p>
+          <a:p>
+            <a:pPr marL="285750" indent="-285750">
+              <a:buFont typeface="Wingdings" panose="05000000000000000000" pitchFamily="2" charset="2"/>
+              <a:buChar char="§"/>
+            </a:pPr>
+            <a:endParaRPr lang="en-US" altLang="ko-KR" dirty="0"/>
+          </a:p>
+          <a:p>
+            <a:pPr marL="285750" indent="-285750">
+              <a:buFont typeface="Wingdings" panose="05000000000000000000" pitchFamily="2" charset="2"/>
+              <a:buChar char="§"/>
+            </a:pPr>
+            <a:r>
+              <a:rPr lang="ko-KR" altLang="en-US" dirty="0"/>
+              <a:t>건전성 평가 결과 </a:t>
+            </a:r>
+            <a:r>
+              <a:rPr lang="en-US" altLang="ko-KR" dirty="0"/>
+              <a:t>= xx</a:t>
+            </a:r>
+            <a:r>
+              <a:rPr lang="ko-KR" altLang="en-US" dirty="0"/>
+              <a:t>점</a:t>
+            </a:r>
+            <a:r>
+              <a:rPr lang="en-US" altLang="ko-KR" dirty="0"/>
+              <a:t>(</a:t>
+            </a:r>
+            <a:r>
+              <a:rPr lang="ko-KR" altLang="en-US" dirty="0"/>
+              <a:t>지표 만들기</a:t>
+            </a:r>
+            <a:r>
+              <a:rPr lang="en-US" altLang="ko-KR" dirty="0"/>
+              <a:t>)</a:t>
+            </a:r>
+            <a:endParaRPr lang="ko-KR" altLang="en-US" dirty="0"/>
           </a:p>
         </p:txBody>
       </p:sp>
     </p:spTree>
     <p:extLst>
       <p:ext uri="{BB962C8B-B14F-4D97-AF65-F5344CB8AC3E}">
-        <p14:creationId xmlns:p14="http://schemas.microsoft.com/office/powerpoint/2010/main" val="4019340881"/>
+        <p14:creationId xmlns:p14="http://schemas.microsoft.com/office/powerpoint/2010/main" val="1697322284"/>
+      </p:ext>
+    </p:extLst>
+  </p:cSld>
+  <p:clrMapOvr>
+    <a:masterClrMapping/>
+  </p:clrMapOvr>
+</p:sld>
+</file>
+
+<file path=ppt/slides/slide5.xml><?xml version="1.0" encoding="utf-8"?>
+<p:sld xmlns:a="http://schemas.openxmlformats.org/drawingml/2006/main" xmlns:r="http://schemas.openxmlformats.org/officeDocument/2006/relationships" xmlns:p="http://schemas.openxmlformats.org/presentationml/2006/main">
+  <p:cSld>
+    <p:spTree>
+      <p:nvGrpSpPr>
+        <p:cNvPr id="1" name=""/>
+        <p:cNvGrpSpPr/>
+        <p:nvPr/>
+      </p:nvGrpSpPr>
+      <p:grpSpPr>
+        <a:xfrm>
+          <a:off x="0" y="0"/>
+          <a:ext cx="0" cy="0"/>
+          <a:chOff x="0" y="0"/>
+          <a:chExt cx="0" cy="0"/>
+        </a:xfrm>
+      </p:grpSpPr>
+      <p:graphicFrame>
+        <p:nvGraphicFramePr>
+          <p:cNvPr id="3" name="표 3">
+            <a:extLst>
+              <a:ext uri="{FF2B5EF4-FFF2-40B4-BE49-F238E27FC236}">
+                <a16:creationId xmlns:a16="http://schemas.microsoft.com/office/drawing/2014/main" id="{87906EE1-0831-DA1A-5919-B2E7076963BD}"/>
+              </a:ext>
+            </a:extLst>
+          </p:cNvPr>
+          <p:cNvGraphicFramePr>
+            <a:graphicFrameLocks noGrp="1"/>
+          </p:cNvGraphicFramePr>
+          <p:nvPr>
+            <p:extLst>
+              <p:ext uri="{D42A27DB-BD31-4B8C-83A1-F6EECF244321}">
+                <p14:modId xmlns:p14="http://schemas.microsoft.com/office/powerpoint/2010/main" val="1600414992"/>
+              </p:ext>
+            </p:extLst>
+          </p:nvPr>
+        </p:nvGraphicFramePr>
+        <p:xfrm>
+          <a:off x="232227" y="400351"/>
+          <a:ext cx="11596920" cy="6238240"/>
+        </p:xfrm>
+        <a:graphic>
+          <a:graphicData uri="http://schemas.openxmlformats.org/drawingml/2006/table">
+            <a:tbl>
+              <a:tblPr firstRow="1" bandRow="1">
+                <a:tableStyleId>{5C22544A-7EE6-4342-B048-85BDC9FD1C3A}</a:tableStyleId>
+              </a:tblPr>
+              <a:tblGrid>
+                <a:gridCol w="1449615">
+                  <a:extLst>
+                    <a:ext uri="{9D8B030D-6E8A-4147-A177-3AD203B41FA5}">
+                      <a16:colId xmlns:a16="http://schemas.microsoft.com/office/drawing/2014/main" val="3153372883"/>
+                    </a:ext>
+                  </a:extLst>
+                </a:gridCol>
+                <a:gridCol w="1449615">
+                  <a:extLst>
+                    <a:ext uri="{9D8B030D-6E8A-4147-A177-3AD203B41FA5}">
+                      <a16:colId xmlns:a16="http://schemas.microsoft.com/office/drawing/2014/main" val="581710403"/>
+                    </a:ext>
+                  </a:extLst>
+                </a:gridCol>
+                <a:gridCol w="1449615">
+                  <a:extLst>
+                    <a:ext uri="{9D8B030D-6E8A-4147-A177-3AD203B41FA5}">
+                      <a16:colId xmlns:a16="http://schemas.microsoft.com/office/drawing/2014/main" val="996294848"/>
+                    </a:ext>
+                  </a:extLst>
+                </a:gridCol>
+                <a:gridCol w="1449615">
+                  <a:extLst>
+                    <a:ext uri="{9D8B030D-6E8A-4147-A177-3AD203B41FA5}">
+                      <a16:colId xmlns:a16="http://schemas.microsoft.com/office/drawing/2014/main" val="2614404603"/>
+                    </a:ext>
+                  </a:extLst>
+                </a:gridCol>
+                <a:gridCol w="1449615">
+                  <a:extLst>
+                    <a:ext uri="{9D8B030D-6E8A-4147-A177-3AD203B41FA5}">
+                      <a16:colId xmlns:a16="http://schemas.microsoft.com/office/drawing/2014/main" val="210747984"/>
+                    </a:ext>
+                  </a:extLst>
+                </a:gridCol>
+                <a:gridCol w="1449615">
+                  <a:extLst>
+                    <a:ext uri="{9D8B030D-6E8A-4147-A177-3AD203B41FA5}">
+                      <a16:colId xmlns:a16="http://schemas.microsoft.com/office/drawing/2014/main" val="599151938"/>
+                    </a:ext>
+                  </a:extLst>
+                </a:gridCol>
+                <a:gridCol w="1449615">
+                  <a:extLst>
+                    <a:ext uri="{9D8B030D-6E8A-4147-A177-3AD203B41FA5}">
+                      <a16:colId xmlns:a16="http://schemas.microsoft.com/office/drawing/2014/main" val="3462169369"/>
+                    </a:ext>
+                  </a:extLst>
+                </a:gridCol>
+                <a:gridCol w="1449615">
+                  <a:extLst>
+                    <a:ext uri="{9D8B030D-6E8A-4147-A177-3AD203B41FA5}">
+                      <a16:colId xmlns:a16="http://schemas.microsoft.com/office/drawing/2014/main" val="2756854534"/>
+                    </a:ext>
+                  </a:extLst>
+                </a:gridCol>
+              </a:tblGrid>
+              <a:tr h="370840">
+                <a:tc>
+                  <a:txBody>
+                    <a:bodyPr/>
+                    <a:lstStyle/>
+                    <a:p>
+                      <a:pPr latinLnBrk="1"/>
+                      <a:r>
+                        <a:rPr lang="ko-KR" altLang="en-US" dirty="0"/>
+                        <a:t>게시글 </a:t>
+                      </a:r>
+                      <a:r>
+                        <a:rPr lang="en-US" altLang="ko-KR" dirty="0"/>
+                        <a:t>id</a:t>
+                      </a:r>
+                      <a:endParaRPr lang="ko-KR" altLang="en-US" dirty="0"/>
+                    </a:p>
+                  </a:txBody>
+                  <a:tcPr/>
+                </a:tc>
+                <a:tc>
+                  <a:txBody>
+                    <a:bodyPr/>
+                    <a:lstStyle/>
+                    <a:p>
+                      <a:pPr latinLnBrk="1"/>
+                      <a:r>
+                        <a:rPr lang="ko-KR" altLang="en-US" dirty="0"/>
+                        <a:t>게시판명</a:t>
+                      </a:r>
+                    </a:p>
+                  </a:txBody>
+                  <a:tcPr/>
+                </a:tc>
+                <a:tc>
+                  <a:txBody>
+                    <a:bodyPr/>
+                    <a:lstStyle/>
+                    <a:p>
+                      <a:pPr latinLnBrk="1"/>
+                      <a:r>
+                        <a:rPr lang="ko-KR" altLang="en-US" dirty="0"/>
+                        <a:t>작성자</a:t>
+                      </a:r>
+                    </a:p>
+                  </a:txBody>
+                  <a:tcPr/>
+                </a:tc>
+                <a:tc>
+                  <a:txBody>
+                    <a:bodyPr/>
+                    <a:lstStyle/>
+                    <a:p>
+                      <a:pPr latinLnBrk="1"/>
+                      <a:r>
+                        <a:rPr lang="ko-KR" altLang="en-US" dirty="0"/>
+                        <a:t>작성시간</a:t>
+                      </a:r>
+                    </a:p>
+                  </a:txBody>
+                  <a:tcPr/>
+                </a:tc>
+                <a:tc>
+                  <a:txBody>
+                    <a:bodyPr/>
+                    <a:lstStyle/>
+                    <a:p>
+                      <a:pPr latinLnBrk="1"/>
+                      <a:r>
+                        <a:rPr lang="ko-KR" altLang="en-US" dirty="0" err="1"/>
+                        <a:t>글내용</a:t>
+                      </a:r>
+                      <a:endParaRPr lang="ko-KR" altLang="en-US" dirty="0"/>
+                    </a:p>
+                  </a:txBody>
+                  <a:tcPr/>
+                </a:tc>
+                <a:tc>
+                  <a:txBody>
+                    <a:bodyPr/>
+                    <a:lstStyle/>
+                    <a:p>
+                      <a:pPr latinLnBrk="1"/>
+                      <a:r>
+                        <a:rPr lang="ko-KR" altLang="en-US" dirty="0"/>
+                        <a:t>댓글들</a:t>
+                      </a:r>
+                    </a:p>
+                  </a:txBody>
+                  <a:tcPr/>
+                </a:tc>
+                <a:tc>
+                  <a:txBody>
+                    <a:bodyPr/>
+                    <a:lstStyle/>
+                    <a:p>
+                      <a:pPr latinLnBrk="1"/>
+                      <a:r>
+                        <a:rPr lang="ko-KR" altLang="en-US" dirty="0"/>
+                        <a:t>예측 결과</a:t>
+                      </a:r>
+                    </a:p>
+                  </a:txBody>
+                  <a:tcPr/>
+                </a:tc>
+                <a:tc>
+                  <a:txBody>
+                    <a:bodyPr/>
+                    <a:lstStyle/>
+                    <a:p>
+                      <a:pPr latinLnBrk="1"/>
+                      <a:r>
+                        <a:rPr lang="ko-KR" altLang="en-US" dirty="0"/>
+                        <a:t>신뢰도</a:t>
+                      </a:r>
+                    </a:p>
+                  </a:txBody>
+                  <a:tcPr/>
+                </a:tc>
+                <a:extLst>
+                  <a:ext uri="{0D108BD9-81ED-4DB2-BD59-A6C34878D82A}">
+                    <a16:rowId xmlns:a16="http://schemas.microsoft.com/office/drawing/2014/main" val="3107909092"/>
+                  </a:ext>
+                </a:extLst>
+              </a:tr>
+              <a:tr h="370840">
+                <a:tc>
+                  <a:txBody>
+                    <a:bodyPr/>
+                    <a:lstStyle/>
+                    <a:p>
+                      <a:pPr latinLnBrk="1"/>
+                      <a:endParaRPr lang="ko-KR" altLang="en-US" dirty="0"/>
+                    </a:p>
+                  </a:txBody>
+                  <a:tcPr/>
+                </a:tc>
+                <a:tc>
+                  <a:txBody>
+                    <a:bodyPr/>
+                    <a:lstStyle/>
+                    <a:p>
+                      <a:pPr latinLnBrk="1"/>
+                      <a:endParaRPr lang="ko-KR" altLang="en-US"/>
+                    </a:p>
+                  </a:txBody>
+                  <a:tcPr/>
+                </a:tc>
+                <a:tc>
+                  <a:txBody>
+                    <a:bodyPr/>
+                    <a:lstStyle/>
+                    <a:p>
+                      <a:pPr latinLnBrk="1"/>
+                      <a:endParaRPr lang="ko-KR" altLang="en-US"/>
+                    </a:p>
+                  </a:txBody>
+                  <a:tcPr/>
+                </a:tc>
+                <a:tc>
+                  <a:txBody>
+                    <a:bodyPr/>
+                    <a:lstStyle/>
+                    <a:p>
+                      <a:pPr latinLnBrk="1"/>
+                      <a:endParaRPr lang="ko-KR" altLang="en-US"/>
+                    </a:p>
+                  </a:txBody>
+                  <a:tcPr/>
+                </a:tc>
+                <a:tc>
+                  <a:txBody>
+                    <a:bodyPr/>
+                    <a:lstStyle/>
+                    <a:p>
+                      <a:pPr latinLnBrk="1"/>
+                      <a:endParaRPr lang="ko-KR" altLang="en-US"/>
+                    </a:p>
+                  </a:txBody>
+                  <a:tcPr/>
+                </a:tc>
+                <a:tc>
+                  <a:txBody>
+                    <a:bodyPr/>
+                    <a:lstStyle/>
+                    <a:p>
+                      <a:pPr latinLnBrk="1"/>
+                      <a:endParaRPr lang="ko-KR" altLang="en-US"/>
+                    </a:p>
+                  </a:txBody>
+                  <a:tcPr/>
+                </a:tc>
+                <a:tc>
+                  <a:txBody>
+                    <a:bodyPr/>
+                    <a:lstStyle/>
+                    <a:p>
+                      <a:pPr latinLnBrk="1"/>
+                      <a:endParaRPr lang="ko-KR" altLang="en-US"/>
+                    </a:p>
+                  </a:txBody>
+                  <a:tcPr/>
+                </a:tc>
+                <a:tc>
+                  <a:txBody>
+                    <a:bodyPr/>
+                    <a:lstStyle/>
+                    <a:p>
+                      <a:pPr latinLnBrk="1"/>
+                      <a:endParaRPr lang="ko-KR" altLang="en-US"/>
+                    </a:p>
+                  </a:txBody>
+                  <a:tcPr/>
+                </a:tc>
+                <a:extLst>
+                  <a:ext uri="{0D108BD9-81ED-4DB2-BD59-A6C34878D82A}">
+                    <a16:rowId xmlns:a16="http://schemas.microsoft.com/office/drawing/2014/main" val="3975970210"/>
+                  </a:ext>
+                </a:extLst>
+              </a:tr>
+              <a:tr h="370840">
+                <a:tc>
+                  <a:txBody>
+                    <a:bodyPr/>
+                    <a:lstStyle/>
+                    <a:p>
+                      <a:pPr latinLnBrk="1"/>
+                      <a:endParaRPr lang="ko-KR" altLang="en-US"/>
+                    </a:p>
+                  </a:txBody>
+                  <a:tcPr/>
+                </a:tc>
+                <a:tc>
+                  <a:txBody>
+                    <a:bodyPr/>
+                    <a:lstStyle/>
+                    <a:p>
+                      <a:pPr latinLnBrk="1"/>
+                      <a:endParaRPr lang="ko-KR" altLang="en-US"/>
+                    </a:p>
+                  </a:txBody>
+                  <a:tcPr/>
+                </a:tc>
+                <a:tc>
+                  <a:txBody>
+                    <a:bodyPr/>
+                    <a:lstStyle/>
+                    <a:p>
+                      <a:pPr latinLnBrk="1"/>
+                      <a:endParaRPr lang="ko-KR" altLang="en-US"/>
+                    </a:p>
+                  </a:txBody>
+                  <a:tcPr/>
+                </a:tc>
+                <a:tc>
+                  <a:txBody>
+                    <a:bodyPr/>
+                    <a:lstStyle/>
+                    <a:p>
+                      <a:pPr latinLnBrk="1"/>
+                      <a:endParaRPr lang="ko-KR" altLang="en-US"/>
+                    </a:p>
+                  </a:txBody>
+                  <a:tcPr/>
+                </a:tc>
+                <a:tc>
+                  <a:txBody>
+                    <a:bodyPr/>
+                    <a:lstStyle/>
+                    <a:p>
+                      <a:pPr latinLnBrk="1"/>
+                      <a:endParaRPr lang="ko-KR" altLang="en-US"/>
+                    </a:p>
+                  </a:txBody>
+                  <a:tcPr/>
+                </a:tc>
+                <a:tc>
+                  <a:txBody>
+                    <a:bodyPr/>
+                    <a:lstStyle/>
+                    <a:p>
+                      <a:pPr latinLnBrk="1"/>
+                      <a:endParaRPr lang="ko-KR" altLang="en-US"/>
+                    </a:p>
+                  </a:txBody>
+                  <a:tcPr/>
+                </a:tc>
+                <a:tc>
+                  <a:txBody>
+                    <a:bodyPr/>
+                    <a:lstStyle/>
+                    <a:p>
+                      <a:pPr latinLnBrk="1"/>
+                      <a:endParaRPr lang="ko-KR" altLang="en-US"/>
+                    </a:p>
+                  </a:txBody>
+                  <a:tcPr/>
+                </a:tc>
+                <a:tc>
+                  <a:txBody>
+                    <a:bodyPr/>
+                    <a:lstStyle/>
+                    <a:p>
+                      <a:pPr latinLnBrk="1"/>
+                      <a:endParaRPr lang="ko-KR" altLang="en-US" dirty="0"/>
+                    </a:p>
+                  </a:txBody>
+                  <a:tcPr/>
+                </a:tc>
+                <a:extLst>
+                  <a:ext uri="{0D108BD9-81ED-4DB2-BD59-A6C34878D82A}">
+                    <a16:rowId xmlns:a16="http://schemas.microsoft.com/office/drawing/2014/main" val="2255060036"/>
+                  </a:ext>
+                </a:extLst>
+              </a:tr>
+              <a:tr h="370840">
+                <a:tc>
+                  <a:txBody>
+                    <a:bodyPr/>
+                    <a:lstStyle/>
+                    <a:p>
+                      <a:pPr latinLnBrk="1"/>
+                      <a:endParaRPr lang="ko-KR" altLang="en-US"/>
+                    </a:p>
+                  </a:txBody>
+                  <a:tcPr/>
+                </a:tc>
+                <a:tc>
+                  <a:txBody>
+                    <a:bodyPr/>
+                    <a:lstStyle/>
+                    <a:p>
+                      <a:pPr latinLnBrk="1"/>
+                      <a:endParaRPr lang="ko-KR" altLang="en-US"/>
+                    </a:p>
+                  </a:txBody>
+                  <a:tcPr/>
+                </a:tc>
+                <a:tc>
+                  <a:txBody>
+                    <a:bodyPr/>
+                    <a:lstStyle/>
+                    <a:p>
+                      <a:pPr latinLnBrk="1"/>
+                      <a:endParaRPr lang="ko-KR" altLang="en-US"/>
+                    </a:p>
+                  </a:txBody>
+                  <a:tcPr/>
+                </a:tc>
+                <a:tc>
+                  <a:txBody>
+                    <a:bodyPr/>
+                    <a:lstStyle/>
+                    <a:p>
+                      <a:pPr latinLnBrk="1"/>
+                      <a:endParaRPr lang="ko-KR" altLang="en-US"/>
+                    </a:p>
+                  </a:txBody>
+                  <a:tcPr/>
+                </a:tc>
+                <a:tc>
+                  <a:txBody>
+                    <a:bodyPr/>
+                    <a:lstStyle/>
+                    <a:p>
+                      <a:pPr latinLnBrk="1"/>
+                      <a:endParaRPr lang="ko-KR" altLang="en-US"/>
+                    </a:p>
+                  </a:txBody>
+                  <a:tcPr/>
+                </a:tc>
+                <a:tc>
+                  <a:txBody>
+                    <a:bodyPr/>
+                    <a:lstStyle/>
+                    <a:p>
+                      <a:pPr latinLnBrk="1"/>
+                      <a:endParaRPr lang="ko-KR" altLang="en-US"/>
+                    </a:p>
+                  </a:txBody>
+                  <a:tcPr/>
+                </a:tc>
+                <a:tc>
+                  <a:txBody>
+                    <a:bodyPr/>
+                    <a:lstStyle/>
+                    <a:p>
+                      <a:pPr latinLnBrk="1"/>
+                      <a:endParaRPr lang="ko-KR" altLang="en-US"/>
+                    </a:p>
+                  </a:txBody>
+                  <a:tcPr/>
+                </a:tc>
+                <a:tc>
+                  <a:txBody>
+                    <a:bodyPr/>
+                    <a:lstStyle/>
+                    <a:p>
+                      <a:pPr latinLnBrk="1"/>
+                      <a:endParaRPr lang="ko-KR" altLang="en-US"/>
+                    </a:p>
+                  </a:txBody>
+                  <a:tcPr/>
+                </a:tc>
+                <a:extLst>
+                  <a:ext uri="{0D108BD9-81ED-4DB2-BD59-A6C34878D82A}">
+                    <a16:rowId xmlns:a16="http://schemas.microsoft.com/office/drawing/2014/main" val="569570658"/>
+                  </a:ext>
+                </a:extLst>
+              </a:tr>
+              <a:tr h="370840">
+                <a:tc>
+                  <a:txBody>
+                    <a:bodyPr/>
+                    <a:lstStyle/>
+                    <a:p>
+                      <a:pPr latinLnBrk="1"/>
+                      <a:endParaRPr lang="en-US" altLang="ko-KR" dirty="0"/>
+                    </a:p>
+                    <a:p>
+                      <a:pPr latinLnBrk="1"/>
+                      <a:endParaRPr lang="en-US" altLang="ko-KR" dirty="0"/>
+                    </a:p>
+                    <a:p>
+                      <a:pPr latinLnBrk="1"/>
+                      <a:endParaRPr lang="en-US" altLang="ko-KR" dirty="0"/>
+                    </a:p>
+                    <a:p>
+                      <a:pPr latinLnBrk="1"/>
+                      <a:endParaRPr lang="en-US" altLang="ko-KR" dirty="0"/>
+                    </a:p>
+                    <a:p>
+                      <a:pPr latinLnBrk="1"/>
+                      <a:endParaRPr lang="en-US" altLang="ko-KR" dirty="0"/>
+                    </a:p>
+                    <a:p>
+                      <a:pPr latinLnBrk="1"/>
+                      <a:endParaRPr lang="en-US" altLang="ko-KR" dirty="0"/>
+                    </a:p>
+                    <a:p>
+                      <a:pPr latinLnBrk="1"/>
+                      <a:endParaRPr lang="en-US" altLang="ko-KR" dirty="0"/>
+                    </a:p>
+                    <a:p>
+                      <a:pPr latinLnBrk="1"/>
+                      <a:endParaRPr lang="en-US" altLang="ko-KR" dirty="0"/>
+                    </a:p>
+                    <a:p>
+                      <a:pPr latinLnBrk="1"/>
+                      <a:endParaRPr lang="en-US" altLang="ko-KR" dirty="0"/>
+                    </a:p>
+                    <a:p>
+                      <a:pPr latinLnBrk="1"/>
+                      <a:endParaRPr lang="en-US" altLang="ko-KR" dirty="0"/>
+                    </a:p>
+                    <a:p>
+                      <a:pPr latinLnBrk="1"/>
+                      <a:endParaRPr lang="en-US" altLang="ko-KR" dirty="0"/>
+                    </a:p>
+                    <a:p>
+                      <a:pPr latinLnBrk="1"/>
+                      <a:endParaRPr lang="en-US" altLang="ko-KR" dirty="0"/>
+                    </a:p>
+                    <a:p>
+                      <a:pPr latinLnBrk="1"/>
+                      <a:endParaRPr lang="en-US" altLang="ko-KR" dirty="0"/>
+                    </a:p>
+                    <a:p>
+                      <a:pPr latinLnBrk="1"/>
+                      <a:endParaRPr lang="en-US" altLang="ko-KR" dirty="0"/>
+                    </a:p>
+                    <a:p>
+                      <a:pPr latinLnBrk="1"/>
+                      <a:endParaRPr lang="en-US" altLang="ko-KR" dirty="0"/>
+                    </a:p>
+                    <a:p>
+                      <a:pPr latinLnBrk="1"/>
+                      <a:endParaRPr lang="en-US" altLang="ko-KR" dirty="0"/>
+                    </a:p>
+                    <a:p>
+                      <a:pPr latinLnBrk="1"/>
+                      <a:endParaRPr lang="ko-KR" altLang="en-US" dirty="0"/>
+                    </a:p>
+                  </a:txBody>
+                  <a:tcPr/>
+                </a:tc>
+                <a:tc>
+                  <a:txBody>
+                    <a:bodyPr/>
+                    <a:lstStyle/>
+                    <a:p>
+                      <a:pPr latinLnBrk="1"/>
+                      <a:endParaRPr lang="ko-KR" altLang="en-US"/>
+                    </a:p>
+                  </a:txBody>
+                  <a:tcPr/>
+                </a:tc>
+                <a:tc>
+                  <a:txBody>
+                    <a:bodyPr/>
+                    <a:lstStyle/>
+                    <a:p>
+                      <a:pPr latinLnBrk="1"/>
+                      <a:endParaRPr lang="ko-KR" altLang="en-US"/>
+                    </a:p>
+                  </a:txBody>
+                  <a:tcPr/>
+                </a:tc>
+                <a:tc>
+                  <a:txBody>
+                    <a:bodyPr/>
+                    <a:lstStyle/>
+                    <a:p>
+                      <a:pPr latinLnBrk="1"/>
+                      <a:endParaRPr lang="ko-KR" altLang="en-US" dirty="0"/>
+                    </a:p>
+                  </a:txBody>
+                  <a:tcPr/>
+                </a:tc>
+                <a:tc>
+                  <a:txBody>
+                    <a:bodyPr/>
+                    <a:lstStyle/>
+                    <a:p>
+                      <a:pPr latinLnBrk="1"/>
+                      <a:endParaRPr lang="ko-KR" altLang="en-US"/>
+                    </a:p>
+                  </a:txBody>
+                  <a:tcPr/>
+                </a:tc>
+                <a:tc>
+                  <a:txBody>
+                    <a:bodyPr/>
+                    <a:lstStyle/>
+                    <a:p>
+                      <a:pPr latinLnBrk="1"/>
+                      <a:endParaRPr lang="ko-KR" altLang="en-US"/>
+                    </a:p>
+                  </a:txBody>
+                  <a:tcPr/>
+                </a:tc>
+                <a:tc>
+                  <a:txBody>
+                    <a:bodyPr/>
+                    <a:lstStyle/>
+                    <a:p>
+                      <a:pPr latinLnBrk="1"/>
+                      <a:endParaRPr lang="ko-KR" altLang="en-US" dirty="0"/>
+                    </a:p>
+                  </a:txBody>
+                  <a:tcPr/>
+                </a:tc>
+                <a:tc>
+                  <a:txBody>
+                    <a:bodyPr/>
+                    <a:lstStyle/>
+                    <a:p>
+                      <a:pPr latinLnBrk="1"/>
+                      <a:endParaRPr lang="ko-KR" altLang="en-US" dirty="0"/>
+                    </a:p>
+                  </a:txBody>
+                  <a:tcPr/>
+                </a:tc>
+                <a:extLst>
+                  <a:ext uri="{0D108BD9-81ED-4DB2-BD59-A6C34878D82A}">
+                    <a16:rowId xmlns:a16="http://schemas.microsoft.com/office/drawing/2014/main" val="1388277197"/>
+                  </a:ext>
+                </a:extLst>
+              </a:tr>
+            </a:tbl>
+          </a:graphicData>
+        </a:graphic>
+      </p:graphicFrame>
+    </p:spTree>
+    <p:extLst>
+      <p:ext uri="{BB962C8B-B14F-4D97-AF65-F5344CB8AC3E}">
+        <p14:creationId xmlns:p14="http://schemas.microsoft.com/office/powerpoint/2010/main" val="1132905739"/>
       </p:ext>
     </p:extLst>
   </p:cSld>
